--- a/submissions/Content/Class-Presentation.pptx
+++ b/submissions/Content/Class-Presentation.pptx
@@ -5,22 +5,18 @@
     <p:sldMasterId id="2147483658" r:id="rId4"/>
   </p:sldMasterIdLst>
   <p:notesMasterIdLst>
-    <p:notesMasterId r:id="rId18"/>
+    <p:notesMasterId r:id="rId14"/>
   </p:notesMasterIdLst>
   <p:sldIdLst>
     <p:sldId id="335" r:id="rId5"/>
     <p:sldId id="351" r:id="rId6"/>
-    <p:sldId id="343" r:id="rId7"/>
-    <p:sldId id="346" r:id="rId8"/>
-    <p:sldId id="347" r:id="rId9"/>
-    <p:sldId id="321" r:id="rId10"/>
-    <p:sldId id="344" r:id="rId11"/>
-    <p:sldId id="342" r:id="rId12"/>
-    <p:sldId id="348" r:id="rId13"/>
-    <p:sldId id="352" r:id="rId14"/>
-    <p:sldId id="353" r:id="rId15"/>
-    <p:sldId id="354" r:id="rId16"/>
-    <p:sldId id="350" r:id="rId17"/>
+    <p:sldId id="321" r:id="rId7"/>
+    <p:sldId id="355" r:id="rId8"/>
+    <p:sldId id="356" r:id="rId9"/>
+    <p:sldId id="357" r:id="rId10"/>
+    <p:sldId id="354" r:id="rId11"/>
+    <p:sldId id="359" r:id="rId12"/>
+    <p:sldId id="358" r:id="rId13"/>
   </p:sldIdLst>
   <p:sldSz cx="12192000" cy="6858000"/>
   <p:notesSz cx="6858000" cy="9144000"/>
@@ -136,972 +132,6 @@
     </p:ext>
   </p:extLst>
 </p:presentation>
-</file>
-
-<file path=ppt/charts/chart1.xml><?xml version="1.0" encoding="utf-8"?>
-<c:chartSpace xmlns:c="http://schemas.openxmlformats.org/drawingml/2006/chart" xmlns:a="http://schemas.openxmlformats.org/drawingml/2006/main" xmlns:r="http://schemas.openxmlformats.org/officeDocument/2006/relationships" xmlns:c16r2="http://schemas.microsoft.com/office/drawing/2015/06/chart">
-  <c:date1904 val="0"/>
-  <c:lang val="en-US"/>
-  <c:roundedCorners val="0"/>
-  <mc:AlternateContent xmlns:mc="http://schemas.openxmlformats.org/markup-compatibility/2006">
-    <mc:Choice xmlns:c14="http://schemas.microsoft.com/office/drawing/2007/8/2/chart" Requires="c14">
-      <c14:style val="102"/>
-    </mc:Choice>
-    <mc:Fallback>
-      <c:style val="2"/>
-    </mc:Fallback>
-  </mc:AlternateContent>
-  <c:chart>
-    <c:autoTitleDeleted val="1"/>
-    <c:plotArea>
-      <c:layout/>
-      <c:barChart>
-        <c:barDir val="bar"/>
-        <c:grouping val="clustered"/>
-        <c:varyColors val="0"/>
-        <c:ser>
-          <c:idx val="0"/>
-          <c:order val="0"/>
-          <c:tx>
-            <c:strRef>
-              <c:f>Sheet1!$B$1</c:f>
-              <c:strCache>
-                <c:ptCount val="1"/>
-                <c:pt idx="0">
-                  <c:v>Series 1</c:v>
-                </c:pt>
-              </c:strCache>
-            </c:strRef>
-          </c:tx>
-          <c:spPr>
-            <a:solidFill>
-              <a:schemeClr val="tx1"/>
-            </a:solidFill>
-            <a:ln>
-              <a:noFill/>
-            </a:ln>
-            <a:effectLst/>
-          </c:spPr>
-          <c:invertIfNegative val="0"/>
-          <c:cat>
-            <c:strRef>
-              <c:f>Sheet1!$A$2:$A$5</c:f>
-              <c:strCache>
-                <c:ptCount val="4"/>
-                <c:pt idx="0">
-                  <c:v>Category 1</c:v>
-                </c:pt>
-                <c:pt idx="1">
-                  <c:v>Category 2</c:v>
-                </c:pt>
-                <c:pt idx="2">
-                  <c:v>Category 3</c:v>
-                </c:pt>
-                <c:pt idx="3">
-                  <c:v>Category 4</c:v>
-                </c:pt>
-              </c:strCache>
-            </c:strRef>
-          </c:cat>
-          <c:val>
-            <c:numRef>
-              <c:f>Sheet1!$B$2:$B$5</c:f>
-              <c:numCache>
-                <c:formatCode>General</c:formatCode>
-                <c:ptCount val="4"/>
-                <c:pt idx="0">
-                  <c:v>4.3</c:v>
-                </c:pt>
-                <c:pt idx="1">
-                  <c:v>2.5</c:v>
-                </c:pt>
-                <c:pt idx="2">
-                  <c:v>3.5</c:v>
-                </c:pt>
-                <c:pt idx="3">
-                  <c:v>4.5</c:v>
-                </c:pt>
-              </c:numCache>
-            </c:numRef>
-          </c:val>
-          <c:extLst>
-            <c:ext xmlns:c16="http://schemas.microsoft.com/office/drawing/2014/chart" uri="{C3380CC4-5D6E-409C-BE32-E72D297353CC}">
-              <c16:uniqueId val="{00000000-4A7E-B941-A719-F5D0ABC442CE}"/>
-            </c:ext>
-          </c:extLst>
-        </c:ser>
-        <c:ser>
-          <c:idx val="1"/>
-          <c:order val="1"/>
-          <c:tx>
-            <c:strRef>
-              <c:f>Sheet1!$C$1</c:f>
-              <c:strCache>
-                <c:ptCount val="1"/>
-                <c:pt idx="0">
-                  <c:v>Series 2</c:v>
-                </c:pt>
-              </c:strCache>
-            </c:strRef>
-          </c:tx>
-          <c:spPr>
-            <a:solidFill>
-              <a:schemeClr val="accent3"/>
-            </a:solidFill>
-            <a:ln>
-              <a:noFill/>
-            </a:ln>
-            <a:effectLst/>
-          </c:spPr>
-          <c:invertIfNegative val="0"/>
-          <c:cat>
-            <c:strRef>
-              <c:f>Sheet1!$A$2:$A$5</c:f>
-              <c:strCache>
-                <c:ptCount val="4"/>
-                <c:pt idx="0">
-                  <c:v>Category 1</c:v>
-                </c:pt>
-                <c:pt idx="1">
-                  <c:v>Category 2</c:v>
-                </c:pt>
-                <c:pt idx="2">
-                  <c:v>Category 3</c:v>
-                </c:pt>
-                <c:pt idx="3">
-                  <c:v>Category 4</c:v>
-                </c:pt>
-              </c:strCache>
-            </c:strRef>
-          </c:cat>
-          <c:val>
-            <c:numRef>
-              <c:f>Sheet1!$C$2:$C$5</c:f>
-              <c:numCache>
-                <c:formatCode>General</c:formatCode>
-                <c:ptCount val="4"/>
-                <c:pt idx="0">
-                  <c:v>2.4</c:v>
-                </c:pt>
-                <c:pt idx="1">
-                  <c:v>4.4000000000000004</c:v>
-                </c:pt>
-                <c:pt idx="2">
-                  <c:v>1.8</c:v>
-                </c:pt>
-                <c:pt idx="3">
-                  <c:v>2.8</c:v>
-                </c:pt>
-              </c:numCache>
-            </c:numRef>
-          </c:val>
-          <c:extLst>
-            <c:ext xmlns:c16="http://schemas.microsoft.com/office/drawing/2014/chart" uri="{C3380CC4-5D6E-409C-BE32-E72D297353CC}">
-              <c16:uniqueId val="{00000001-4A7E-B941-A719-F5D0ABC442CE}"/>
-            </c:ext>
-          </c:extLst>
-        </c:ser>
-        <c:ser>
-          <c:idx val="2"/>
-          <c:order val="2"/>
-          <c:tx>
-            <c:strRef>
-              <c:f>Sheet1!$D$1</c:f>
-              <c:strCache>
-                <c:ptCount val="1"/>
-                <c:pt idx="0">
-                  <c:v>Series 3</c:v>
-                </c:pt>
-              </c:strCache>
-            </c:strRef>
-          </c:tx>
-          <c:spPr>
-            <a:solidFill>
-              <a:schemeClr val="bg1"/>
-            </a:solidFill>
-            <a:ln>
-              <a:noFill/>
-            </a:ln>
-            <a:effectLst/>
-          </c:spPr>
-          <c:invertIfNegative val="0"/>
-          <c:cat>
-            <c:strRef>
-              <c:f>Sheet1!$A$2:$A$5</c:f>
-              <c:strCache>
-                <c:ptCount val="4"/>
-                <c:pt idx="0">
-                  <c:v>Category 1</c:v>
-                </c:pt>
-                <c:pt idx="1">
-                  <c:v>Category 2</c:v>
-                </c:pt>
-                <c:pt idx="2">
-                  <c:v>Category 3</c:v>
-                </c:pt>
-                <c:pt idx="3">
-                  <c:v>Category 4</c:v>
-                </c:pt>
-              </c:strCache>
-            </c:strRef>
-          </c:cat>
-          <c:val>
-            <c:numRef>
-              <c:f>Sheet1!$D$2:$D$5</c:f>
-              <c:numCache>
-                <c:formatCode>General</c:formatCode>
-                <c:ptCount val="4"/>
-                <c:pt idx="0">
-                  <c:v>2</c:v>
-                </c:pt>
-                <c:pt idx="1">
-                  <c:v>2</c:v>
-                </c:pt>
-                <c:pt idx="2">
-                  <c:v>3</c:v>
-                </c:pt>
-                <c:pt idx="3">
-                  <c:v>5</c:v>
-                </c:pt>
-              </c:numCache>
-            </c:numRef>
-          </c:val>
-          <c:extLst>
-            <c:ext xmlns:c16="http://schemas.microsoft.com/office/drawing/2014/chart" uri="{C3380CC4-5D6E-409C-BE32-E72D297353CC}">
-              <c16:uniqueId val="{00000002-4A7E-B941-A719-F5D0ABC442CE}"/>
-            </c:ext>
-          </c:extLst>
-        </c:ser>
-        <c:dLbls>
-          <c:showLegendKey val="0"/>
-          <c:showVal val="0"/>
-          <c:showCatName val="0"/>
-          <c:showSerName val="0"/>
-          <c:showPercent val="0"/>
-          <c:showBubbleSize val="0"/>
-        </c:dLbls>
-        <c:gapWidth val="182"/>
-        <c:axId val="997161791"/>
-        <c:axId val="996303759"/>
-      </c:barChart>
-      <c:catAx>
-        <c:axId val="997161791"/>
-        <c:scaling>
-          <c:orientation val="minMax"/>
-        </c:scaling>
-        <c:delete val="0"/>
-        <c:axPos val="l"/>
-        <c:numFmt formatCode="General" sourceLinked="1"/>
-        <c:majorTickMark val="none"/>
-        <c:minorTickMark val="none"/>
-        <c:tickLblPos val="nextTo"/>
-        <c:spPr>
-          <a:noFill/>
-          <a:ln w="9525" cap="flat" cmpd="sng" algn="ctr">
-            <a:solidFill>
-              <a:schemeClr val="tx1">
-                <a:lumMod val="15000"/>
-                <a:lumOff val="85000"/>
-              </a:schemeClr>
-            </a:solidFill>
-            <a:round/>
-          </a:ln>
-          <a:effectLst/>
-        </c:spPr>
-        <c:txPr>
-          <a:bodyPr rot="-60000000" spcFirstLastPara="1" vertOverflow="ellipsis" vert="horz" wrap="square" anchor="ctr" anchorCtr="1"/>
-          <a:lstStyle/>
-          <a:p>
-            <a:pPr>
-              <a:defRPr sz="1400" b="1" i="0" u="none" strike="noStrike" kern="1200" baseline="0">
-                <a:solidFill>
-                  <a:schemeClr val="bg1"/>
-                </a:solidFill>
-                <a:latin typeface="+mn-lt"/>
-                <a:ea typeface="+mn-ea"/>
-                <a:cs typeface="+mn-cs"/>
-              </a:defRPr>
-            </a:pPr>
-            <a:endParaRPr lang="en-US"/>
-          </a:p>
-        </c:txPr>
-        <c:crossAx val="996303759"/>
-        <c:crosses val="autoZero"/>
-        <c:auto val="1"/>
-        <c:lblAlgn val="ctr"/>
-        <c:lblOffset val="100"/>
-        <c:noMultiLvlLbl val="0"/>
-      </c:catAx>
-      <c:valAx>
-        <c:axId val="996303759"/>
-        <c:scaling>
-          <c:orientation val="minMax"/>
-        </c:scaling>
-        <c:delete val="0"/>
-        <c:axPos val="b"/>
-        <c:majorGridlines>
-          <c:spPr>
-            <a:ln w="9525" cap="flat" cmpd="sng" algn="ctr">
-              <a:solidFill>
-                <a:schemeClr val="tx1">
-                  <a:lumMod val="15000"/>
-                  <a:lumOff val="85000"/>
-                </a:schemeClr>
-              </a:solidFill>
-              <a:round/>
-            </a:ln>
-            <a:effectLst/>
-          </c:spPr>
-        </c:majorGridlines>
-        <c:numFmt formatCode="General" sourceLinked="1"/>
-        <c:majorTickMark val="none"/>
-        <c:minorTickMark val="none"/>
-        <c:tickLblPos val="nextTo"/>
-        <c:spPr>
-          <a:noFill/>
-          <a:ln>
-            <a:noFill/>
-          </a:ln>
-          <a:effectLst/>
-        </c:spPr>
-        <c:txPr>
-          <a:bodyPr rot="-60000000" spcFirstLastPara="1" vertOverflow="ellipsis" vert="horz" wrap="square" anchor="ctr" anchorCtr="1"/>
-          <a:lstStyle/>
-          <a:p>
-            <a:pPr>
-              <a:defRPr sz="1400" b="0" i="0" u="none" strike="noStrike" kern="1200" baseline="0">
-                <a:solidFill>
-                  <a:schemeClr val="bg1"/>
-                </a:solidFill>
-                <a:latin typeface="+mn-lt"/>
-                <a:ea typeface="+mn-ea"/>
-                <a:cs typeface="+mn-cs"/>
-              </a:defRPr>
-            </a:pPr>
-            <a:endParaRPr lang="en-US"/>
-          </a:p>
-        </c:txPr>
-        <c:crossAx val="997161791"/>
-        <c:crosses val="autoZero"/>
-        <c:crossBetween val="between"/>
-      </c:valAx>
-      <c:spPr>
-        <a:noFill/>
-        <a:ln>
-          <a:noFill/>
-        </a:ln>
-        <a:effectLst/>
-      </c:spPr>
-    </c:plotArea>
-    <c:legend>
-      <c:legendPos val="b"/>
-      <c:overlay val="0"/>
-      <c:spPr>
-        <a:noFill/>
-        <a:ln>
-          <a:noFill/>
-        </a:ln>
-        <a:effectLst/>
-      </c:spPr>
-      <c:txPr>
-        <a:bodyPr rot="0" spcFirstLastPara="1" vertOverflow="ellipsis" vert="horz" wrap="square" anchor="ctr" anchorCtr="1"/>
-        <a:lstStyle/>
-        <a:p>
-          <a:pPr>
-            <a:defRPr sz="1197" b="0" i="0" u="none" strike="noStrike" kern="1200" baseline="0">
-              <a:solidFill>
-                <a:schemeClr val="bg1"/>
-              </a:solidFill>
-              <a:latin typeface="+mn-lt"/>
-              <a:ea typeface="+mn-ea"/>
-              <a:cs typeface="+mn-cs"/>
-            </a:defRPr>
-          </a:pPr>
-          <a:endParaRPr lang="en-US"/>
-        </a:p>
-      </c:txPr>
-    </c:legend>
-    <c:plotVisOnly val="1"/>
-    <c:dispBlanksAs val="gap"/>
-    <c:extLst>
-      <c:ext xmlns:c16r3="http://schemas.microsoft.com/office/drawing/2017/03/chart" uri="{56B9EC1D-385E-4148-901F-78D8002777C0}">
-        <c16r3:dataDisplayOptions16>
-          <c16r3:dispNaAsBlank val="1"/>
-        </c16r3:dataDisplayOptions16>
-      </c:ext>
-    </c:extLst>
-    <c:showDLblsOverMax val="0"/>
-  </c:chart>
-  <c:spPr>
-    <a:noFill/>
-    <a:ln>
-      <a:noFill/>
-    </a:ln>
-    <a:effectLst/>
-  </c:spPr>
-  <c:txPr>
-    <a:bodyPr/>
-    <a:lstStyle/>
-    <a:p>
-      <a:pPr>
-        <a:defRPr>
-          <a:solidFill>
-            <a:schemeClr val="bg1"/>
-          </a:solidFill>
-        </a:defRPr>
-      </a:pPr>
-      <a:endParaRPr lang="en-US"/>
-    </a:p>
-  </c:txPr>
-  <c:externalData r:id="rId3">
-    <c:autoUpdate val="0"/>
-  </c:externalData>
-</c:chartSpace>
-</file>
-
-<file path=ppt/charts/colors1.xml><?xml version="1.0" encoding="utf-8"?>
-<cs:colorStyle xmlns:cs="http://schemas.microsoft.com/office/drawing/2012/chartStyle" xmlns:a="http://schemas.openxmlformats.org/drawingml/2006/main" meth="cycle" id="10">
-  <a:schemeClr val="accent1"/>
-  <a:schemeClr val="accent2"/>
-  <a:schemeClr val="accent3"/>
-  <a:schemeClr val="accent4"/>
-  <a:schemeClr val="accent5"/>
-  <a:schemeClr val="accent6"/>
-  <cs:variation/>
-  <cs:variation>
-    <a:lumMod val="60000"/>
-  </cs:variation>
-  <cs:variation>
-    <a:lumMod val="80000"/>
-    <a:lumOff val="20000"/>
-  </cs:variation>
-  <cs:variation>
-    <a:lumMod val="80000"/>
-  </cs:variation>
-  <cs:variation>
-    <a:lumMod val="60000"/>
-    <a:lumOff val="40000"/>
-  </cs:variation>
-  <cs:variation>
-    <a:lumMod val="50000"/>
-  </cs:variation>
-  <cs:variation>
-    <a:lumMod val="70000"/>
-    <a:lumOff val="30000"/>
-  </cs:variation>
-  <cs:variation>
-    <a:lumMod val="70000"/>
-  </cs:variation>
-  <cs:variation>
-    <a:lumMod val="50000"/>
-    <a:lumOff val="50000"/>
-  </cs:variation>
-</cs:colorStyle>
-</file>
-
-<file path=ppt/charts/style1.xml><?xml version="1.0" encoding="utf-8"?>
-<cs:chartStyle xmlns:cs="http://schemas.microsoft.com/office/drawing/2012/chartStyle" xmlns:a="http://schemas.openxmlformats.org/drawingml/2006/main" id="216">
-  <cs:axisTitle>
-    <cs:lnRef idx="0"/>
-    <cs:fillRef idx="0"/>
-    <cs:effectRef idx="0"/>
-    <cs:fontRef idx="minor">
-      <a:schemeClr val="tx1">
-        <a:lumMod val="65000"/>
-        <a:lumOff val="35000"/>
-      </a:schemeClr>
-    </cs:fontRef>
-    <cs:defRPr sz="1330" kern="1200"/>
-  </cs:axisTitle>
-  <cs:categoryAxis>
-    <cs:lnRef idx="0"/>
-    <cs:fillRef idx="0"/>
-    <cs:effectRef idx="0"/>
-    <cs:fontRef idx="minor">
-      <a:schemeClr val="tx1">
-        <a:lumMod val="65000"/>
-        <a:lumOff val="35000"/>
-      </a:schemeClr>
-    </cs:fontRef>
-    <cs:spPr>
-      <a:ln w="9525" cap="flat" cmpd="sng" algn="ctr">
-        <a:solidFill>
-          <a:schemeClr val="tx1">
-            <a:lumMod val="15000"/>
-            <a:lumOff val="85000"/>
-          </a:schemeClr>
-        </a:solidFill>
-        <a:round/>
-      </a:ln>
-    </cs:spPr>
-    <cs:defRPr sz="1197" kern="1200"/>
-  </cs:categoryAxis>
-  <cs:chartArea mods="allowNoFillOverride allowNoLineOverride">
-    <cs:lnRef idx="0"/>
-    <cs:fillRef idx="0"/>
-    <cs:effectRef idx="0"/>
-    <cs:fontRef idx="minor">
-      <a:schemeClr val="tx1"/>
-    </cs:fontRef>
-    <cs:spPr>
-      <a:solidFill>
-        <a:schemeClr val="bg1"/>
-      </a:solidFill>
-      <a:ln w="9525" cap="flat" cmpd="sng" algn="ctr">
-        <a:solidFill>
-          <a:schemeClr val="tx1">
-            <a:lumMod val="15000"/>
-            <a:lumOff val="85000"/>
-          </a:schemeClr>
-        </a:solidFill>
-        <a:round/>
-      </a:ln>
-    </cs:spPr>
-    <cs:defRPr sz="1330" kern="1200"/>
-  </cs:chartArea>
-  <cs:dataLabel>
-    <cs:lnRef idx="0"/>
-    <cs:fillRef idx="0"/>
-    <cs:effectRef idx="0"/>
-    <cs:fontRef idx="minor">
-      <a:schemeClr val="tx1">
-        <a:lumMod val="75000"/>
-        <a:lumOff val="25000"/>
-      </a:schemeClr>
-    </cs:fontRef>
-    <cs:defRPr sz="1197" kern="1200"/>
-  </cs:dataLabel>
-  <cs:dataLabelCallout>
-    <cs:lnRef idx="0"/>
-    <cs:fillRef idx="0"/>
-    <cs:effectRef idx="0"/>
-    <cs:fontRef idx="minor">
-      <a:schemeClr val="dk1">
-        <a:lumMod val="65000"/>
-        <a:lumOff val="35000"/>
-      </a:schemeClr>
-    </cs:fontRef>
-    <cs:spPr>
-      <a:solidFill>
-        <a:schemeClr val="lt1"/>
-      </a:solidFill>
-      <a:ln>
-        <a:solidFill>
-          <a:schemeClr val="dk1">
-            <a:lumMod val="25000"/>
-            <a:lumOff val="75000"/>
-          </a:schemeClr>
-        </a:solidFill>
-      </a:ln>
-    </cs:spPr>
-    <cs:defRPr sz="1197" kern="1200"/>
-    <cs:bodyPr rot="0" spcFirstLastPara="1" vertOverflow="clip" horzOverflow="clip" vert="horz" wrap="square" lIns="36576" tIns="18288" rIns="36576" bIns="18288" anchor="ctr" anchorCtr="1">
-      <a:spAutoFit/>
-    </cs:bodyPr>
-  </cs:dataLabelCallout>
-  <cs:dataPoint>
-    <cs:lnRef idx="0"/>
-    <cs:fillRef idx="1">
-      <cs:styleClr val="auto"/>
-    </cs:fillRef>
-    <cs:effectRef idx="0"/>
-    <cs:fontRef idx="minor">
-      <a:schemeClr val="tx1"/>
-    </cs:fontRef>
-  </cs:dataPoint>
-  <cs:dataPoint3D>
-    <cs:lnRef idx="0"/>
-    <cs:fillRef idx="1">
-      <cs:styleClr val="auto"/>
-    </cs:fillRef>
-    <cs:effectRef idx="0"/>
-    <cs:fontRef idx="minor">
-      <a:schemeClr val="tx1"/>
-    </cs:fontRef>
-  </cs:dataPoint3D>
-  <cs:dataPointLine>
-    <cs:lnRef idx="0">
-      <cs:styleClr val="auto"/>
-    </cs:lnRef>
-    <cs:fillRef idx="1"/>
-    <cs:effectRef idx="0"/>
-    <cs:fontRef idx="minor">
-      <a:schemeClr val="tx1"/>
-    </cs:fontRef>
-    <cs:spPr>
-      <a:ln w="28575" cap="rnd">
-        <a:solidFill>
-          <a:schemeClr val="phClr"/>
-        </a:solidFill>
-        <a:round/>
-      </a:ln>
-    </cs:spPr>
-  </cs:dataPointLine>
-  <cs:dataPointMarker>
-    <cs:lnRef idx="0">
-      <cs:styleClr val="auto"/>
-    </cs:lnRef>
-    <cs:fillRef idx="1">
-      <cs:styleClr val="auto"/>
-    </cs:fillRef>
-    <cs:effectRef idx="0"/>
-    <cs:fontRef idx="minor">
-      <a:schemeClr val="tx1"/>
-    </cs:fontRef>
-    <cs:spPr>
-      <a:ln w="9525">
-        <a:solidFill>
-          <a:schemeClr val="phClr"/>
-        </a:solidFill>
-      </a:ln>
-    </cs:spPr>
-  </cs:dataPointMarker>
-  <cs:dataPointMarkerLayout symbol="circle" size="5"/>
-  <cs:dataPointWireframe>
-    <cs:lnRef idx="0">
-      <cs:styleClr val="auto"/>
-    </cs:lnRef>
-    <cs:fillRef idx="1"/>
-    <cs:effectRef idx="0"/>
-    <cs:fontRef idx="minor">
-      <a:schemeClr val="tx1"/>
-    </cs:fontRef>
-    <cs:spPr>
-      <a:ln w="9525" cap="rnd">
-        <a:solidFill>
-          <a:schemeClr val="phClr"/>
-        </a:solidFill>
-        <a:round/>
-      </a:ln>
-    </cs:spPr>
-  </cs:dataPointWireframe>
-  <cs:dataTable>
-    <cs:lnRef idx="0"/>
-    <cs:fillRef idx="0"/>
-    <cs:effectRef idx="0"/>
-    <cs:fontRef idx="minor">
-      <a:schemeClr val="tx1">
-        <a:lumMod val="65000"/>
-        <a:lumOff val="35000"/>
-      </a:schemeClr>
-    </cs:fontRef>
-    <cs:spPr>
-      <a:noFill/>
-      <a:ln w="9525" cap="flat" cmpd="sng" algn="ctr">
-        <a:solidFill>
-          <a:schemeClr val="tx1">
-            <a:lumMod val="15000"/>
-            <a:lumOff val="85000"/>
-          </a:schemeClr>
-        </a:solidFill>
-        <a:round/>
-      </a:ln>
-    </cs:spPr>
-    <cs:defRPr sz="1197" kern="1200"/>
-  </cs:dataTable>
-  <cs:downBar>
-    <cs:lnRef idx="0"/>
-    <cs:fillRef idx="0"/>
-    <cs:effectRef idx="0"/>
-    <cs:fontRef idx="minor">
-      <a:schemeClr val="tx1"/>
-    </cs:fontRef>
-    <cs:spPr>
-      <a:solidFill>
-        <a:schemeClr val="dk1">
-          <a:lumMod val="75000"/>
-          <a:lumOff val="25000"/>
-        </a:schemeClr>
-      </a:solidFill>
-      <a:ln w="9525" cap="flat" cmpd="sng" algn="ctr">
-        <a:solidFill>
-          <a:schemeClr val="tx1">
-            <a:lumMod val="65000"/>
-            <a:lumOff val="35000"/>
-          </a:schemeClr>
-        </a:solidFill>
-        <a:round/>
-      </a:ln>
-    </cs:spPr>
-  </cs:downBar>
-  <cs:dropLine>
-    <cs:lnRef idx="0"/>
-    <cs:fillRef idx="0"/>
-    <cs:effectRef idx="0"/>
-    <cs:fontRef idx="minor">
-      <a:schemeClr val="tx1"/>
-    </cs:fontRef>
-    <cs:spPr>
-      <a:ln w="9525" cap="flat" cmpd="sng" algn="ctr">
-        <a:solidFill>
-          <a:schemeClr val="tx1">
-            <a:lumMod val="35000"/>
-            <a:lumOff val="65000"/>
-          </a:schemeClr>
-        </a:solidFill>
-        <a:round/>
-      </a:ln>
-    </cs:spPr>
-  </cs:dropLine>
-  <cs:errorBar>
-    <cs:lnRef idx="0"/>
-    <cs:fillRef idx="0"/>
-    <cs:effectRef idx="0"/>
-    <cs:fontRef idx="minor">
-      <a:schemeClr val="tx1"/>
-    </cs:fontRef>
-    <cs:spPr>
-      <a:ln w="9525" cap="flat" cmpd="sng" algn="ctr">
-        <a:solidFill>
-          <a:schemeClr val="tx1">
-            <a:lumMod val="65000"/>
-            <a:lumOff val="35000"/>
-          </a:schemeClr>
-        </a:solidFill>
-        <a:round/>
-      </a:ln>
-    </cs:spPr>
-  </cs:errorBar>
-  <cs:floor>
-    <cs:lnRef idx="0"/>
-    <cs:fillRef idx="0"/>
-    <cs:effectRef idx="0"/>
-    <cs:fontRef idx="minor">
-      <a:schemeClr val="tx1"/>
-    </cs:fontRef>
-    <cs:spPr>
-      <a:noFill/>
-      <a:ln>
-        <a:noFill/>
-      </a:ln>
-    </cs:spPr>
-  </cs:floor>
-  <cs:gridlineMajor>
-    <cs:lnRef idx="0"/>
-    <cs:fillRef idx="0"/>
-    <cs:effectRef idx="0"/>
-    <cs:fontRef idx="minor">
-      <a:schemeClr val="tx1"/>
-    </cs:fontRef>
-    <cs:spPr>
-      <a:ln w="9525" cap="flat" cmpd="sng" algn="ctr">
-        <a:solidFill>
-          <a:schemeClr val="tx1">
-            <a:lumMod val="15000"/>
-            <a:lumOff val="85000"/>
-          </a:schemeClr>
-        </a:solidFill>
-        <a:round/>
-      </a:ln>
-    </cs:spPr>
-  </cs:gridlineMajor>
-  <cs:gridlineMinor>
-    <cs:lnRef idx="0"/>
-    <cs:fillRef idx="0"/>
-    <cs:effectRef idx="0"/>
-    <cs:fontRef idx="minor">
-      <a:schemeClr val="tx1"/>
-    </cs:fontRef>
-    <cs:spPr>
-      <a:ln w="9525" cap="flat" cmpd="sng" algn="ctr">
-        <a:solidFill>
-          <a:schemeClr val="tx1">
-            <a:lumMod val="5000"/>
-            <a:lumOff val="95000"/>
-          </a:schemeClr>
-        </a:solidFill>
-        <a:round/>
-      </a:ln>
-    </cs:spPr>
-  </cs:gridlineMinor>
-  <cs:hiLoLine>
-    <cs:lnRef idx="0"/>
-    <cs:fillRef idx="0"/>
-    <cs:effectRef idx="0"/>
-    <cs:fontRef idx="minor">
-      <a:schemeClr val="tx1"/>
-    </cs:fontRef>
-    <cs:spPr>
-      <a:ln w="9525" cap="flat" cmpd="sng" algn="ctr">
-        <a:solidFill>
-          <a:schemeClr val="tx1">
-            <a:lumMod val="50000"/>
-            <a:lumOff val="50000"/>
-          </a:schemeClr>
-        </a:solidFill>
-        <a:round/>
-      </a:ln>
-    </cs:spPr>
-  </cs:hiLoLine>
-  <cs:leaderLine>
-    <cs:lnRef idx="0"/>
-    <cs:fillRef idx="0"/>
-    <cs:effectRef idx="0"/>
-    <cs:fontRef idx="minor">
-      <a:schemeClr val="tx1"/>
-    </cs:fontRef>
-    <cs:spPr>
-      <a:ln w="9525" cap="flat" cmpd="sng" algn="ctr">
-        <a:solidFill>
-          <a:schemeClr val="tx1">
-            <a:lumMod val="35000"/>
-            <a:lumOff val="65000"/>
-          </a:schemeClr>
-        </a:solidFill>
-        <a:round/>
-      </a:ln>
-    </cs:spPr>
-  </cs:leaderLine>
-  <cs:legend>
-    <cs:lnRef idx="0"/>
-    <cs:fillRef idx="0"/>
-    <cs:effectRef idx="0"/>
-    <cs:fontRef idx="minor">
-      <a:schemeClr val="tx1">
-        <a:lumMod val="65000"/>
-        <a:lumOff val="35000"/>
-      </a:schemeClr>
-    </cs:fontRef>
-    <cs:defRPr sz="1197" kern="1200"/>
-  </cs:legend>
-  <cs:plotArea mods="allowNoFillOverride allowNoLineOverride">
-    <cs:lnRef idx="0"/>
-    <cs:fillRef idx="0"/>
-    <cs:effectRef idx="0"/>
-    <cs:fontRef idx="minor">
-      <a:schemeClr val="tx1"/>
-    </cs:fontRef>
-  </cs:plotArea>
-  <cs:plotArea3D mods="allowNoFillOverride allowNoLineOverride">
-    <cs:lnRef idx="0"/>
-    <cs:fillRef idx="0"/>
-    <cs:effectRef idx="0"/>
-    <cs:fontRef idx="minor">
-      <a:schemeClr val="tx1"/>
-    </cs:fontRef>
-  </cs:plotArea3D>
-  <cs:seriesAxis>
-    <cs:lnRef idx="0"/>
-    <cs:fillRef idx="0"/>
-    <cs:effectRef idx="0"/>
-    <cs:fontRef idx="minor">
-      <a:schemeClr val="tx1">
-        <a:lumMod val="65000"/>
-        <a:lumOff val="35000"/>
-      </a:schemeClr>
-    </cs:fontRef>
-    <cs:defRPr sz="1197" kern="1200"/>
-  </cs:seriesAxis>
-  <cs:seriesLine>
-    <cs:lnRef idx="0"/>
-    <cs:fillRef idx="0"/>
-    <cs:effectRef idx="0"/>
-    <cs:fontRef idx="minor">
-      <a:schemeClr val="tx1"/>
-    </cs:fontRef>
-    <cs:spPr>
-      <a:ln w="9525" cap="flat" cmpd="sng" algn="ctr">
-        <a:solidFill>
-          <a:schemeClr val="tx1">
-            <a:lumMod val="35000"/>
-            <a:lumOff val="65000"/>
-          </a:schemeClr>
-        </a:solidFill>
-        <a:round/>
-      </a:ln>
-    </cs:spPr>
-  </cs:seriesLine>
-  <cs:title>
-    <cs:lnRef idx="0"/>
-    <cs:fillRef idx="0"/>
-    <cs:effectRef idx="0"/>
-    <cs:fontRef idx="minor">
-      <a:schemeClr val="tx1">
-        <a:lumMod val="65000"/>
-        <a:lumOff val="35000"/>
-      </a:schemeClr>
-    </cs:fontRef>
-    <cs:defRPr sz="1862" b="0" kern="1200" spc="0" baseline="0"/>
-  </cs:title>
-  <cs:trendline>
-    <cs:lnRef idx="0">
-      <cs:styleClr val="auto"/>
-    </cs:lnRef>
-    <cs:fillRef idx="0"/>
-    <cs:effectRef idx="0"/>
-    <cs:fontRef idx="minor">
-      <a:schemeClr val="tx1"/>
-    </cs:fontRef>
-    <cs:spPr>
-      <a:ln w="19050" cap="rnd">
-        <a:solidFill>
-          <a:schemeClr val="phClr"/>
-        </a:solidFill>
-        <a:prstDash val="sysDot"/>
-      </a:ln>
-    </cs:spPr>
-  </cs:trendline>
-  <cs:trendlineLabel>
-    <cs:lnRef idx="0"/>
-    <cs:fillRef idx="0"/>
-    <cs:effectRef idx="0"/>
-    <cs:fontRef idx="minor">
-      <a:schemeClr val="tx1">
-        <a:lumMod val="65000"/>
-        <a:lumOff val="35000"/>
-      </a:schemeClr>
-    </cs:fontRef>
-    <cs:defRPr sz="1197" kern="1200"/>
-  </cs:trendlineLabel>
-  <cs:upBar>
-    <cs:lnRef idx="0"/>
-    <cs:fillRef idx="0"/>
-    <cs:effectRef idx="0"/>
-    <cs:fontRef idx="minor">
-      <a:schemeClr val="tx1"/>
-    </cs:fontRef>
-    <cs:spPr>
-      <a:solidFill>
-        <a:schemeClr val="lt1"/>
-      </a:solidFill>
-      <a:ln w="9525" cap="flat" cmpd="sng" algn="ctr">
-        <a:solidFill>
-          <a:schemeClr val="tx1">
-            <a:lumMod val="65000"/>
-            <a:lumOff val="35000"/>
-          </a:schemeClr>
-        </a:solidFill>
-        <a:round/>
-      </a:ln>
-    </cs:spPr>
-  </cs:upBar>
-  <cs:valueAxis>
-    <cs:lnRef idx="0"/>
-    <cs:fillRef idx="0"/>
-    <cs:effectRef idx="0"/>
-    <cs:fontRef idx="minor">
-      <a:schemeClr val="tx1">
-        <a:lumMod val="65000"/>
-        <a:lumOff val="35000"/>
-      </a:schemeClr>
-    </cs:fontRef>
-    <cs:defRPr sz="1197" kern="1200"/>
-  </cs:valueAxis>
-  <cs:wall>
-    <cs:lnRef idx="0"/>
-    <cs:fillRef idx="0"/>
-    <cs:effectRef idx="0"/>
-    <cs:fontRef idx="minor">
-      <a:schemeClr val="tx1"/>
-    </cs:fontRef>
-    <cs:spPr>
-      <a:noFill/>
-      <a:ln>
-        <a:noFill/>
-      </a:ln>
-    </cs:spPr>
-  </cs:wall>
-</cs:chartStyle>
 </file>
 
 <file path=ppt/notesMasters/notesMaster1.xml><?xml version="1.0" encoding="utf-8"?>
@@ -1518,7 +548,7 @@
           <a:p>
             <a:fld id="{A89C7E07-3C67-C64C-8DA0-0404F6303970}" type="slidenum">
               <a:rPr lang="en-US" smtClean="0"/>
-              <a:t>6</a:t>
+              <a:t>3</a:t>
             </a:fld>
             <a:endParaRPr lang="en-US" dirty="0"/>
           </a:p>
@@ -1528,6 +558,90 @@
     <p:extLst>
       <p:ext uri="{BB962C8B-B14F-4D97-AF65-F5344CB8AC3E}">
         <p14:creationId xmlns:p14="http://schemas.microsoft.com/office/powerpoint/2010/main" val="1373397985"/>
+      </p:ext>
+    </p:extLst>
+  </p:cSld>
+  <p:clrMapOvr>
+    <a:masterClrMapping/>
+  </p:clrMapOvr>
+</p:notes>
+</file>
+
+<file path=ppt/notesSlides/notesSlide2.xml><?xml version="1.0" encoding="utf-8"?>
+<p:notes xmlns:a="http://schemas.openxmlformats.org/drawingml/2006/main" xmlns:r="http://schemas.openxmlformats.org/officeDocument/2006/relationships" xmlns:p="http://schemas.openxmlformats.org/presentationml/2006/main">
+  <p:cSld>
+    <p:spTree>
+      <p:nvGrpSpPr>
+        <p:cNvPr id="1" name=""/>
+        <p:cNvGrpSpPr/>
+        <p:nvPr/>
+      </p:nvGrpSpPr>
+      <p:grpSpPr>
+        <a:xfrm>
+          <a:off x="0" y="0"/>
+          <a:ext cx="0" cy="0"/>
+          <a:chOff x="0" y="0"/>
+          <a:chExt cx="0" cy="0"/>
+        </a:xfrm>
+      </p:grpSpPr>
+      <p:sp>
+        <p:nvSpPr>
+          <p:cNvPr id="2" name="Slide Image Placeholder 1"/>
+          <p:cNvSpPr>
+            <a:spLocks noGrp="1" noRot="1" noChangeAspect="1"/>
+          </p:cNvSpPr>
+          <p:nvPr>
+            <p:ph type="sldImg"/>
+          </p:nvPr>
+        </p:nvSpPr>
+        <p:spPr/>
+      </p:sp>
+      <p:sp>
+        <p:nvSpPr>
+          <p:cNvPr id="3" name="Notes Placeholder 2"/>
+          <p:cNvSpPr>
+            <a:spLocks noGrp="1"/>
+          </p:cNvSpPr>
+          <p:nvPr>
+            <p:ph type="body" idx="1"/>
+          </p:nvPr>
+        </p:nvSpPr>
+        <p:spPr/>
+        <p:txBody>
+          <a:bodyPr/>
+          <a:lstStyle/>
+          <a:p>
+            <a:endParaRPr lang="en-US" dirty="0"/>
+          </a:p>
+        </p:txBody>
+      </p:sp>
+      <p:sp>
+        <p:nvSpPr>
+          <p:cNvPr id="4" name="Slide Number Placeholder 3"/>
+          <p:cNvSpPr>
+            <a:spLocks noGrp="1"/>
+          </p:cNvSpPr>
+          <p:nvPr>
+            <p:ph type="sldNum" sz="quarter" idx="5"/>
+          </p:nvPr>
+        </p:nvSpPr>
+        <p:spPr/>
+        <p:txBody>
+          <a:bodyPr/>
+          <a:lstStyle/>
+          <a:p>
+            <a:fld id="{A89C7E07-3C67-C64C-8DA0-0404F6303970}" type="slidenum">
+              <a:rPr lang="en-US" smtClean="0"/>
+              <a:t>4</a:t>
+            </a:fld>
+            <a:endParaRPr lang="en-US" dirty="0"/>
+          </a:p>
+        </p:txBody>
+      </p:sp>
+    </p:spTree>
+    <p:extLst>
+      <p:ext uri="{BB962C8B-B14F-4D97-AF65-F5344CB8AC3E}">
+        <p14:creationId xmlns:p14="http://schemas.microsoft.com/office/powerpoint/2010/main" val="3589319030"/>
       </p:ext>
     </p:extLst>
   </p:cSld>
@@ -7265,8 +6379,8 @@
           <a:lstStyle/>
           <a:p>
             <a:r>
-              <a:rPr lang="en-US" dirty="0"/>
-              <a:t>Annual Review</a:t>
+              <a:rPr lang="en-US" sz="4800" dirty="0"/>
+              <a:t>Drivable Area Segmentation and Lane Detection</a:t>
             </a:r>
           </a:p>
         </p:txBody>
@@ -7293,15 +6407,25 @@
           <a:lstStyle/>
           <a:p>
             <a:r>
-              <a:rPr lang="en-US" b="1" dirty="0"/>
-              <a:t>Contoso</a:t>
-            </a:r>
+              <a:rPr lang="en-US" sz="1800" b="1" dirty="0"/>
+              <a:t>Team Members:</a:t>
+            </a:r>
+          </a:p>
+          <a:p>
             <a:r>
               <a:rPr lang="en-US" dirty="0"/>
-              <a:t>      Customer Success Team      September 3, 20XX </a:t>
-            </a:r>
-          </a:p>
-          <a:p>
+              <a:t>Bal Narendra Sapa</a:t>
+            </a:r>
+          </a:p>
+          <a:p>
+            <a:r>
+              <a:rPr lang="en-US" dirty="0"/>
+              <a:t>Ajay Kumar </a:t>
+            </a:r>
+            <a:r>
+              <a:rPr lang="en-US" dirty="0" err="1"/>
+              <a:t>Jagu</a:t>
+            </a:r>
             <a:endParaRPr lang="en-US" dirty="0"/>
           </a:p>
         </p:txBody>
@@ -7310,1354 +6434,6 @@
     <p:extLst>
       <p:ext uri="{BB962C8B-B14F-4D97-AF65-F5344CB8AC3E}">
         <p14:creationId xmlns:p14="http://schemas.microsoft.com/office/powerpoint/2010/main" val="2605473726"/>
-      </p:ext>
-    </p:extLst>
-  </p:cSld>
-  <p:clrMapOvr>
-    <a:masterClrMapping/>
-  </p:clrMapOvr>
-</p:sld>
-</file>
-
-<file path=ppt/slides/slide10.xml><?xml version="1.0" encoding="utf-8"?>
-<p:sld xmlns:a="http://schemas.openxmlformats.org/drawingml/2006/main" xmlns:r="http://schemas.openxmlformats.org/officeDocument/2006/relationships" xmlns:p="http://schemas.openxmlformats.org/presentationml/2006/main">
-  <p:cSld>
-    <p:spTree>
-      <p:nvGrpSpPr>
-        <p:cNvPr id="1" name=""/>
-        <p:cNvGrpSpPr/>
-        <p:nvPr/>
-      </p:nvGrpSpPr>
-      <p:grpSpPr>
-        <a:xfrm>
-          <a:off x="0" y="0"/>
-          <a:ext cx="0" cy="0"/>
-          <a:chOff x="0" y="0"/>
-          <a:chExt cx="0" cy="0"/>
-        </a:xfrm>
-      </p:grpSpPr>
-      <p:sp>
-        <p:nvSpPr>
-          <p:cNvPr id="4" name="Title 3">
-            <a:extLst>
-              <a:ext uri="{FF2B5EF4-FFF2-40B4-BE49-F238E27FC236}">
-                <a16:creationId xmlns:a16="http://schemas.microsoft.com/office/drawing/2014/main" id="{084A840E-9000-7441-BEB7-FFEE48A4F70D}"/>
-              </a:ext>
-            </a:extLst>
-          </p:cNvPr>
-          <p:cNvSpPr>
-            <a:spLocks noGrp="1"/>
-          </p:cNvSpPr>
-          <p:nvPr>
-            <p:ph type="title"/>
-          </p:nvPr>
-        </p:nvSpPr>
-        <p:spPr/>
-        <p:txBody>
-          <a:bodyPr/>
-          <a:lstStyle/>
-          <a:p>
-            <a:r>
-              <a:rPr lang="en-US" dirty="0"/>
-              <a:t>Goals for Q1</a:t>
-            </a:r>
-          </a:p>
-        </p:txBody>
-      </p:sp>
-      <p:sp>
-        <p:nvSpPr>
-          <p:cNvPr id="5" name="Text Placeholder 4">
-            <a:extLst>
-              <a:ext uri="{FF2B5EF4-FFF2-40B4-BE49-F238E27FC236}">
-                <a16:creationId xmlns:a16="http://schemas.microsoft.com/office/drawing/2014/main" id="{0403419F-491F-7841-848A-9A87CA471520}"/>
-              </a:ext>
-            </a:extLst>
-          </p:cNvPr>
-          <p:cNvSpPr>
-            <a:spLocks noGrp="1"/>
-          </p:cNvSpPr>
-          <p:nvPr>
-            <p:ph type="body" sz="quarter" idx="17"/>
-          </p:nvPr>
-        </p:nvSpPr>
-        <p:spPr/>
-        <p:txBody>
-          <a:bodyPr/>
-          <a:lstStyle/>
-          <a:p>
-            <a:r>
-              <a:rPr lang="en-US" dirty="0"/>
-              <a:t>Business priorities</a:t>
-            </a:r>
-          </a:p>
-        </p:txBody>
-      </p:sp>
-      <p:sp>
-        <p:nvSpPr>
-          <p:cNvPr id="2" name="Content Placeholder 1">
-            <a:extLst>
-              <a:ext uri="{FF2B5EF4-FFF2-40B4-BE49-F238E27FC236}">
-                <a16:creationId xmlns:a16="http://schemas.microsoft.com/office/drawing/2014/main" id="{48529241-5517-094D-8365-77164D7362C0}"/>
-              </a:ext>
-            </a:extLst>
-          </p:cNvPr>
-          <p:cNvSpPr>
-            <a:spLocks noGrp="1"/>
-          </p:cNvSpPr>
-          <p:nvPr>
-            <p:ph sz="half" idx="2"/>
-          </p:nvPr>
-        </p:nvSpPr>
-        <p:spPr/>
-        <p:txBody>
-          <a:bodyPr/>
-          <a:lstStyle/>
-          <a:p>
-            <a:r>
-              <a:rPr lang="en-US" dirty="0"/>
-              <a:t>Increase customer satisfaction by 2%</a:t>
-            </a:r>
-          </a:p>
-          <a:p>
-            <a:r>
-              <a:rPr lang="en-US" dirty="0"/>
-              <a:t>Maintain growth</a:t>
-            </a:r>
-          </a:p>
-          <a:p>
-            <a:r>
-              <a:rPr lang="en-US" dirty="0"/>
-              <a:t>Diversify investment in sector 2</a:t>
-            </a:r>
-          </a:p>
-          <a:p>
-            <a:r>
-              <a:rPr lang="en-US" dirty="0"/>
-              <a:t>Initiative partnership with 3</a:t>
-            </a:r>
-            <a:r>
-              <a:rPr lang="en-US" baseline="30000" dirty="0"/>
-              <a:t>rd</a:t>
-            </a:r>
-            <a:r>
-              <a:rPr lang="en-US" dirty="0"/>
-              <a:t> party organizations</a:t>
-            </a:r>
-          </a:p>
-          <a:p>
-            <a:pPr marL="0" indent="0">
-              <a:buNone/>
-            </a:pPr>
-            <a:endParaRPr lang="en-US" dirty="0"/>
-          </a:p>
-          <a:p>
-            <a:endParaRPr lang="en-US" dirty="0"/>
-          </a:p>
-        </p:txBody>
-      </p:sp>
-      <p:sp>
-        <p:nvSpPr>
-          <p:cNvPr id="6" name="Text Placeholder 5">
-            <a:extLst>
-              <a:ext uri="{FF2B5EF4-FFF2-40B4-BE49-F238E27FC236}">
-                <a16:creationId xmlns:a16="http://schemas.microsoft.com/office/drawing/2014/main" id="{DD49E377-69FC-6B46-BF8A-82373088B4BC}"/>
-              </a:ext>
-            </a:extLst>
-          </p:cNvPr>
-          <p:cNvSpPr>
-            <a:spLocks noGrp="1"/>
-          </p:cNvSpPr>
-          <p:nvPr>
-            <p:ph type="body" sz="quarter" idx="18"/>
-          </p:nvPr>
-        </p:nvSpPr>
-        <p:spPr/>
-        <p:txBody>
-          <a:bodyPr/>
-          <a:lstStyle/>
-          <a:p>
-            <a:r>
-              <a:rPr lang="en-US" dirty="0"/>
-              <a:t>Employee opportunities</a:t>
-            </a:r>
-          </a:p>
-        </p:txBody>
-      </p:sp>
-      <p:sp>
-        <p:nvSpPr>
-          <p:cNvPr id="3" name="Content Placeholder 2">
-            <a:extLst>
-              <a:ext uri="{FF2B5EF4-FFF2-40B4-BE49-F238E27FC236}">
-                <a16:creationId xmlns:a16="http://schemas.microsoft.com/office/drawing/2014/main" id="{79B94149-777B-A542-AC15-9DF98E21D24F}"/>
-              </a:ext>
-            </a:extLst>
-          </p:cNvPr>
-          <p:cNvSpPr>
-            <a:spLocks noGrp="1"/>
-          </p:cNvSpPr>
-          <p:nvPr>
-            <p:ph sz="half" idx="11"/>
-          </p:nvPr>
-        </p:nvSpPr>
-        <p:spPr/>
-        <p:txBody>
-          <a:bodyPr/>
-          <a:lstStyle/>
-          <a:p>
-            <a:r>
-              <a:rPr lang="en-US" dirty="0"/>
-              <a:t>End of fiscal celebration on July 15</a:t>
-            </a:r>
-            <a:r>
-              <a:rPr lang="en-US" baseline="30000" dirty="0"/>
-              <a:t>th</a:t>
-            </a:r>
-            <a:r>
-              <a:rPr lang="en-US" dirty="0"/>
-              <a:t> </a:t>
-            </a:r>
-          </a:p>
-          <a:p>
-            <a:r>
-              <a:rPr lang="en-US" dirty="0"/>
-              <a:t>Employee day of learning on August 14</a:t>
-            </a:r>
-            <a:r>
-              <a:rPr lang="en-US" baseline="30000" dirty="0"/>
-              <a:t>th </a:t>
-            </a:r>
-          </a:p>
-          <a:p>
-            <a:r>
-              <a:rPr lang="en-US" dirty="0"/>
-              <a:t>Employee Yoga on September 3</a:t>
-            </a:r>
-            <a:r>
-              <a:rPr lang="en-US" baseline="30000" dirty="0"/>
-              <a:t>rd</a:t>
-            </a:r>
-            <a:r>
-              <a:rPr lang="en-US" dirty="0"/>
-              <a:t> </a:t>
-            </a:r>
-          </a:p>
-          <a:p>
-            <a:r>
-              <a:rPr lang="en-US" dirty="0"/>
-              <a:t>Seminar series begins September 10</a:t>
-            </a:r>
-            <a:r>
-              <a:rPr lang="en-US" baseline="30000" dirty="0"/>
-              <a:t>th</a:t>
-            </a:r>
-            <a:r>
-              <a:rPr lang="en-US" dirty="0"/>
-              <a:t> </a:t>
-            </a:r>
-          </a:p>
-          <a:p>
-            <a:pPr marL="0" indent="0">
-              <a:buNone/>
-            </a:pPr>
-            <a:endParaRPr lang="en-US" dirty="0"/>
-          </a:p>
-        </p:txBody>
-      </p:sp>
-      <p:sp>
-        <p:nvSpPr>
-          <p:cNvPr id="7" name="Date Placeholder 6">
-            <a:extLst>
-              <a:ext uri="{FF2B5EF4-FFF2-40B4-BE49-F238E27FC236}">
-                <a16:creationId xmlns:a16="http://schemas.microsoft.com/office/drawing/2014/main" id="{2C924FD0-A561-4F4E-B8B3-C2D2E29AC4B9}"/>
-              </a:ext>
-            </a:extLst>
-          </p:cNvPr>
-          <p:cNvSpPr>
-            <a:spLocks noGrp="1"/>
-          </p:cNvSpPr>
-          <p:nvPr>
-            <p:ph type="dt" sz="half" idx="19"/>
-          </p:nvPr>
-        </p:nvSpPr>
-        <p:spPr>
-          <a:xfrm>
-            <a:off x="9830818" y="6292334"/>
-            <a:ext cx="1522982" cy="182880"/>
-          </a:xfrm>
-        </p:spPr>
-        <p:txBody>
-          <a:bodyPr/>
-          <a:lstStyle/>
-          <a:p>
-            <a:r>
-              <a:rPr lang="en-US"/>
-              <a:t>September 3, 20XX </a:t>
-            </a:r>
-            <a:endParaRPr lang="en-US" dirty="0"/>
-          </a:p>
-        </p:txBody>
-      </p:sp>
-      <p:sp>
-        <p:nvSpPr>
-          <p:cNvPr id="8" name="Footer Placeholder 7">
-            <a:extLst>
-              <a:ext uri="{FF2B5EF4-FFF2-40B4-BE49-F238E27FC236}">
-                <a16:creationId xmlns:a16="http://schemas.microsoft.com/office/drawing/2014/main" id="{47AD1E5F-3782-4812-98F3-60BDB803DB78}"/>
-              </a:ext>
-            </a:extLst>
-          </p:cNvPr>
-          <p:cNvSpPr>
-            <a:spLocks noGrp="1"/>
-          </p:cNvSpPr>
-          <p:nvPr>
-            <p:ph type="ftr" sz="quarter" idx="20"/>
-          </p:nvPr>
-        </p:nvSpPr>
-        <p:spPr>
-          <a:xfrm>
-            <a:off x="8298180" y="6294120"/>
-            <a:ext cx="1462788" cy="182880"/>
-          </a:xfrm>
-        </p:spPr>
-        <p:txBody>
-          <a:bodyPr/>
-          <a:lstStyle/>
-          <a:p>
-            <a:r>
-              <a:rPr lang="en-US">
-                <a:solidFill>
-                  <a:schemeClr val="bg1"/>
-                </a:solidFill>
-              </a:rPr>
-              <a:t>Annual Review</a:t>
-            </a:r>
-            <a:endParaRPr lang="en-US" dirty="0">
-              <a:solidFill>
-                <a:schemeClr val="bg1"/>
-              </a:solidFill>
-            </a:endParaRPr>
-          </a:p>
-        </p:txBody>
-      </p:sp>
-      <p:sp>
-        <p:nvSpPr>
-          <p:cNvPr id="9" name="Slide Number Placeholder 8">
-            <a:extLst>
-              <a:ext uri="{FF2B5EF4-FFF2-40B4-BE49-F238E27FC236}">
-                <a16:creationId xmlns:a16="http://schemas.microsoft.com/office/drawing/2014/main" id="{4EA07C02-54FF-4B71-8E0D-7F4BCFC6A69E}"/>
-              </a:ext>
-            </a:extLst>
-          </p:cNvPr>
-          <p:cNvSpPr>
-            <a:spLocks noGrp="1"/>
-          </p:cNvSpPr>
-          <p:nvPr>
-            <p:ph type="sldNum" sz="quarter" idx="21"/>
-          </p:nvPr>
-        </p:nvSpPr>
-        <p:spPr>
-          <a:xfrm>
-            <a:off x="11493500" y="6292334"/>
-            <a:ext cx="412750" cy="182880"/>
-          </a:xfrm>
-        </p:spPr>
-        <p:txBody>
-          <a:bodyPr/>
-          <a:lstStyle/>
-          <a:p>
-            <a:fld id="{7782931A-7D25-4B4B-9464-57AE418934A3}" type="slidenum">
-              <a:rPr lang="en-US" smtClean="0"/>
-              <a:pPr/>
-              <a:t>10</a:t>
-            </a:fld>
-            <a:endParaRPr lang="en-US"/>
-          </a:p>
-        </p:txBody>
-      </p:sp>
-    </p:spTree>
-    <p:extLst>
-      <p:ext uri="{BB962C8B-B14F-4D97-AF65-F5344CB8AC3E}">
-        <p14:creationId xmlns:p14="http://schemas.microsoft.com/office/powerpoint/2010/main" val="244918457"/>
-      </p:ext>
-    </p:extLst>
-  </p:cSld>
-  <p:clrMapOvr>
-    <a:masterClrMapping/>
-  </p:clrMapOvr>
-</p:sld>
-</file>
-
-<file path=ppt/slides/slide11.xml><?xml version="1.0" encoding="utf-8"?>
-<p:sld xmlns:a="http://schemas.openxmlformats.org/drawingml/2006/main" xmlns:r="http://schemas.openxmlformats.org/officeDocument/2006/relationships" xmlns:p="http://schemas.openxmlformats.org/presentationml/2006/main">
-  <p:cSld>
-    <p:spTree>
-      <p:nvGrpSpPr>
-        <p:cNvPr id="1" name=""/>
-        <p:cNvGrpSpPr/>
-        <p:nvPr/>
-      </p:nvGrpSpPr>
-      <p:grpSpPr>
-        <a:xfrm>
-          <a:off x="0" y="0"/>
-          <a:ext cx="0" cy="0"/>
-          <a:chOff x="0" y="0"/>
-          <a:chExt cx="0" cy="0"/>
-        </a:xfrm>
-      </p:grpSpPr>
-      <p:sp>
-        <p:nvSpPr>
-          <p:cNvPr id="5" name="Title 4">
-            <a:extLst>
-              <a:ext uri="{FF2B5EF4-FFF2-40B4-BE49-F238E27FC236}">
-                <a16:creationId xmlns:a16="http://schemas.microsoft.com/office/drawing/2014/main" id="{AD04CBC4-0243-204C-B5D8-F76B92BCD4CA}"/>
-              </a:ext>
-            </a:extLst>
-          </p:cNvPr>
-          <p:cNvSpPr>
-            <a:spLocks noGrp="1"/>
-          </p:cNvSpPr>
-          <p:nvPr>
-            <p:ph type="title"/>
-          </p:nvPr>
-        </p:nvSpPr>
-        <p:spPr/>
-        <p:txBody>
-          <a:bodyPr/>
-          <a:lstStyle/>
-          <a:p>
-            <a:r>
-              <a:rPr lang="en-US" dirty="0"/>
-              <a:t>Goals for Q2</a:t>
-            </a:r>
-          </a:p>
-        </p:txBody>
-      </p:sp>
-      <p:sp>
-        <p:nvSpPr>
-          <p:cNvPr id="6" name="Text Placeholder 5">
-            <a:extLst>
-              <a:ext uri="{FF2B5EF4-FFF2-40B4-BE49-F238E27FC236}">
-                <a16:creationId xmlns:a16="http://schemas.microsoft.com/office/drawing/2014/main" id="{15AB5605-B3B7-E141-AB5F-398267B9504E}"/>
-              </a:ext>
-            </a:extLst>
-          </p:cNvPr>
-          <p:cNvSpPr>
-            <a:spLocks noGrp="1"/>
-          </p:cNvSpPr>
-          <p:nvPr>
-            <p:ph type="body" sz="quarter" idx="17"/>
-          </p:nvPr>
-        </p:nvSpPr>
-        <p:spPr/>
-        <p:txBody>
-          <a:bodyPr/>
-          <a:lstStyle/>
-          <a:p>
-            <a:r>
-              <a:rPr lang="en-US" dirty="0"/>
-              <a:t>Business priorities</a:t>
-            </a:r>
-          </a:p>
-        </p:txBody>
-      </p:sp>
-      <p:sp>
-        <p:nvSpPr>
-          <p:cNvPr id="2" name="Content Placeholder 1">
-            <a:extLst>
-              <a:ext uri="{FF2B5EF4-FFF2-40B4-BE49-F238E27FC236}">
-                <a16:creationId xmlns:a16="http://schemas.microsoft.com/office/drawing/2014/main" id="{9934F9B4-D8A5-7345-ABD7-6E978706215F}"/>
-              </a:ext>
-            </a:extLst>
-          </p:cNvPr>
-          <p:cNvSpPr>
-            <a:spLocks noGrp="1"/>
-          </p:cNvSpPr>
-          <p:nvPr>
-            <p:ph sz="half" idx="2"/>
-          </p:nvPr>
-        </p:nvSpPr>
-        <p:spPr/>
-        <p:txBody>
-          <a:bodyPr/>
-          <a:lstStyle/>
-          <a:p>
-            <a:r>
-              <a:rPr lang="en-US" dirty="0"/>
-              <a:t>Increase customer satisfaction by 2%</a:t>
-            </a:r>
-          </a:p>
-          <a:p>
-            <a:r>
-              <a:rPr lang="en-US" dirty="0"/>
-              <a:t>Maintain growth</a:t>
-            </a:r>
-          </a:p>
-        </p:txBody>
-      </p:sp>
-      <p:sp>
-        <p:nvSpPr>
-          <p:cNvPr id="7" name="Text Placeholder 6">
-            <a:extLst>
-              <a:ext uri="{FF2B5EF4-FFF2-40B4-BE49-F238E27FC236}">
-                <a16:creationId xmlns:a16="http://schemas.microsoft.com/office/drawing/2014/main" id="{13A13E55-320B-5B41-907F-2547EC4F810C}"/>
-              </a:ext>
-            </a:extLst>
-          </p:cNvPr>
-          <p:cNvSpPr>
-            <a:spLocks noGrp="1"/>
-          </p:cNvSpPr>
-          <p:nvPr>
-            <p:ph type="body" sz="quarter" idx="18"/>
-          </p:nvPr>
-        </p:nvSpPr>
-        <p:spPr/>
-        <p:txBody>
-          <a:bodyPr/>
-          <a:lstStyle/>
-          <a:p>
-            <a:r>
-              <a:rPr lang="en-US" dirty="0"/>
-              <a:t>Added priorities</a:t>
-            </a:r>
-          </a:p>
-          <a:p>
-            <a:endParaRPr lang="en-US" dirty="0"/>
-          </a:p>
-        </p:txBody>
-      </p:sp>
-      <p:sp>
-        <p:nvSpPr>
-          <p:cNvPr id="4" name="Content Placeholder 3">
-            <a:extLst>
-              <a:ext uri="{FF2B5EF4-FFF2-40B4-BE49-F238E27FC236}">
-                <a16:creationId xmlns:a16="http://schemas.microsoft.com/office/drawing/2014/main" id="{757BD433-F753-A14C-A622-12DF34E81632}"/>
-              </a:ext>
-            </a:extLst>
-          </p:cNvPr>
-          <p:cNvSpPr>
-            <a:spLocks noGrp="1"/>
-          </p:cNvSpPr>
-          <p:nvPr>
-            <p:ph sz="half" idx="13"/>
-          </p:nvPr>
-        </p:nvSpPr>
-        <p:spPr/>
-        <p:txBody>
-          <a:bodyPr/>
-          <a:lstStyle/>
-          <a:p>
-            <a:r>
-              <a:rPr lang="en-US" dirty="0"/>
-              <a:t>Decrease the number of rotations by at least 2</a:t>
-            </a:r>
-          </a:p>
-          <a:p>
-            <a:r>
-              <a:rPr lang="en-US" dirty="0"/>
-              <a:t>Ensure the cost of development stays below budget</a:t>
-            </a:r>
-          </a:p>
-          <a:p>
-            <a:endParaRPr lang="en-US" dirty="0"/>
-          </a:p>
-        </p:txBody>
-      </p:sp>
-      <p:sp>
-        <p:nvSpPr>
-          <p:cNvPr id="8" name="Text Placeholder 7">
-            <a:extLst>
-              <a:ext uri="{FF2B5EF4-FFF2-40B4-BE49-F238E27FC236}">
-                <a16:creationId xmlns:a16="http://schemas.microsoft.com/office/drawing/2014/main" id="{0B9BC2B0-6360-2647-AEA6-8AC95387A92E}"/>
-              </a:ext>
-            </a:extLst>
-          </p:cNvPr>
-          <p:cNvSpPr>
-            <a:spLocks noGrp="1"/>
-          </p:cNvSpPr>
-          <p:nvPr>
-            <p:ph type="body" sz="quarter" idx="19"/>
-          </p:nvPr>
-        </p:nvSpPr>
-        <p:spPr/>
-        <p:txBody>
-          <a:bodyPr/>
-          <a:lstStyle/>
-          <a:p>
-            <a:r>
-              <a:rPr lang="en-US" dirty="0"/>
-              <a:t>Employee opportunities</a:t>
-            </a:r>
-          </a:p>
-        </p:txBody>
-      </p:sp>
-      <p:sp>
-        <p:nvSpPr>
-          <p:cNvPr id="3" name="Content Placeholder 2">
-            <a:extLst>
-              <a:ext uri="{FF2B5EF4-FFF2-40B4-BE49-F238E27FC236}">
-                <a16:creationId xmlns:a16="http://schemas.microsoft.com/office/drawing/2014/main" id="{D9EAFE77-0444-B246-AEBE-5CA581CFE60B}"/>
-              </a:ext>
-            </a:extLst>
-          </p:cNvPr>
-          <p:cNvSpPr>
-            <a:spLocks noGrp="1"/>
-          </p:cNvSpPr>
-          <p:nvPr>
-            <p:ph sz="half" idx="11"/>
-          </p:nvPr>
-        </p:nvSpPr>
-        <p:spPr/>
-        <p:txBody>
-          <a:bodyPr/>
-          <a:lstStyle/>
-          <a:p>
-            <a:r>
-              <a:rPr lang="en-US" dirty="0"/>
-              <a:t>Interns begin</a:t>
-            </a:r>
-          </a:p>
-          <a:p>
-            <a:r>
-              <a:rPr lang="en-US" dirty="0"/>
-              <a:t>Indoor rec leagues</a:t>
-            </a:r>
-          </a:p>
-          <a:p>
-            <a:r>
-              <a:rPr lang="en-US" dirty="0"/>
-              <a:t>Chess tournaments</a:t>
-            </a:r>
-          </a:p>
-          <a:p>
-            <a:r>
-              <a:rPr lang="en-US" dirty="0"/>
-              <a:t>Big Game watching party</a:t>
-            </a:r>
-          </a:p>
-          <a:p>
-            <a:r>
-              <a:rPr lang="en-US" dirty="0"/>
-              <a:t>Food drive</a:t>
-            </a:r>
-          </a:p>
-          <a:p>
-            <a:endParaRPr lang="en-US" dirty="0"/>
-          </a:p>
-          <a:p>
-            <a:endParaRPr lang="en-US" dirty="0"/>
-          </a:p>
-          <a:p>
-            <a:endParaRPr lang="en-US" dirty="0"/>
-          </a:p>
-        </p:txBody>
-      </p:sp>
-      <p:sp>
-        <p:nvSpPr>
-          <p:cNvPr id="9" name="Date Placeholder 8">
-            <a:extLst>
-              <a:ext uri="{FF2B5EF4-FFF2-40B4-BE49-F238E27FC236}">
-                <a16:creationId xmlns:a16="http://schemas.microsoft.com/office/drawing/2014/main" id="{97CF5EB7-692B-4869-9AF2-3B67AC2B7061}"/>
-              </a:ext>
-            </a:extLst>
-          </p:cNvPr>
-          <p:cNvSpPr>
-            <a:spLocks noGrp="1"/>
-          </p:cNvSpPr>
-          <p:nvPr>
-            <p:ph type="dt" sz="half" idx="20"/>
-          </p:nvPr>
-        </p:nvSpPr>
-        <p:spPr>
-          <a:xfrm>
-            <a:off x="9830818" y="6292334"/>
-            <a:ext cx="1522982" cy="182880"/>
-          </a:xfrm>
-        </p:spPr>
-        <p:txBody>
-          <a:bodyPr/>
-          <a:lstStyle/>
-          <a:p>
-            <a:r>
-              <a:rPr lang="en-US"/>
-              <a:t>September 3, 20XX </a:t>
-            </a:r>
-            <a:endParaRPr lang="en-US" dirty="0"/>
-          </a:p>
-        </p:txBody>
-      </p:sp>
-      <p:sp>
-        <p:nvSpPr>
-          <p:cNvPr id="10" name="Footer Placeholder 9">
-            <a:extLst>
-              <a:ext uri="{FF2B5EF4-FFF2-40B4-BE49-F238E27FC236}">
-                <a16:creationId xmlns:a16="http://schemas.microsoft.com/office/drawing/2014/main" id="{210A34DD-3CAE-410D-BA09-9E4DE2EEC040}"/>
-              </a:ext>
-            </a:extLst>
-          </p:cNvPr>
-          <p:cNvSpPr>
-            <a:spLocks noGrp="1"/>
-          </p:cNvSpPr>
-          <p:nvPr>
-            <p:ph type="ftr" sz="quarter" idx="21"/>
-          </p:nvPr>
-        </p:nvSpPr>
-        <p:spPr>
-          <a:xfrm>
-            <a:off x="8298180" y="6294120"/>
-            <a:ext cx="1462788" cy="182880"/>
-          </a:xfrm>
-        </p:spPr>
-        <p:txBody>
-          <a:bodyPr/>
-          <a:lstStyle/>
-          <a:p>
-            <a:r>
-              <a:rPr lang="en-US">
-                <a:solidFill>
-                  <a:schemeClr val="bg1"/>
-                </a:solidFill>
-              </a:rPr>
-              <a:t>Annual Review</a:t>
-            </a:r>
-            <a:endParaRPr lang="en-US" dirty="0">
-              <a:solidFill>
-                <a:schemeClr val="bg1"/>
-              </a:solidFill>
-            </a:endParaRPr>
-          </a:p>
-        </p:txBody>
-      </p:sp>
-      <p:sp>
-        <p:nvSpPr>
-          <p:cNvPr id="11" name="Slide Number Placeholder 10">
-            <a:extLst>
-              <a:ext uri="{FF2B5EF4-FFF2-40B4-BE49-F238E27FC236}">
-                <a16:creationId xmlns:a16="http://schemas.microsoft.com/office/drawing/2014/main" id="{00166BBA-67F2-4018-A96E-8101731B482D}"/>
-              </a:ext>
-            </a:extLst>
-          </p:cNvPr>
-          <p:cNvSpPr>
-            <a:spLocks noGrp="1"/>
-          </p:cNvSpPr>
-          <p:nvPr>
-            <p:ph type="sldNum" sz="quarter" idx="22"/>
-          </p:nvPr>
-        </p:nvSpPr>
-        <p:spPr>
-          <a:xfrm>
-            <a:off x="11493500" y="6292334"/>
-            <a:ext cx="412750" cy="182880"/>
-          </a:xfrm>
-        </p:spPr>
-        <p:txBody>
-          <a:bodyPr/>
-          <a:lstStyle/>
-          <a:p>
-            <a:fld id="{7782931A-7D25-4B4B-9464-57AE418934A3}" type="slidenum">
-              <a:rPr lang="en-US" smtClean="0"/>
-              <a:pPr/>
-              <a:t>11</a:t>
-            </a:fld>
-            <a:endParaRPr lang="en-US"/>
-          </a:p>
-        </p:txBody>
-      </p:sp>
-    </p:spTree>
-    <p:extLst>
-      <p:ext uri="{BB962C8B-B14F-4D97-AF65-F5344CB8AC3E}">
-        <p14:creationId xmlns:p14="http://schemas.microsoft.com/office/powerpoint/2010/main" val="3466443543"/>
-      </p:ext>
-    </p:extLst>
-  </p:cSld>
-  <p:clrMapOvr>
-    <a:masterClrMapping/>
-  </p:clrMapOvr>
-</p:sld>
-</file>
-
-<file path=ppt/slides/slide12.xml><?xml version="1.0" encoding="utf-8"?>
-<p:sld xmlns:a="http://schemas.openxmlformats.org/drawingml/2006/main" xmlns:r="http://schemas.openxmlformats.org/officeDocument/2006/relationships" xmlns:p="http://schemas.openxmlformats.org/presentationml/2006/main">
-  <p:cSld>
-    <p:spTree>
-      <p:nvGrpSpPr>
-        <p:cNvPr id="1" name=""/>
-        <p:cNvGrpSpPr/>
-        <p:nvPr/>
-      </p:nvGrpSpPr>
-      <p:grpSpPr>
-        <a:xfrm>
-          <a:off x="0" y="0"/>
-          <a:ext cx="0" cy="0"/>
-          <a:chOff x="0" y="0"/>
-          <a:chExt cx="0" cy="0"/>
-        </a:xfrm>
-      </p:grpSpPr>
-      <p:sp>
-        <p:nvSpPr>
-          <p:cNvPr id="2" name="Title 1">
-            <a:extLst>
-              <a:ext uri="{FF2B5EF4-FFF2-40B4-BE49-F238E27FC236}">
-                <a16:creationId xmlns:a16="http://schemas.microsoft.com/office/drawing/2014/main" id="{B2A49BF9-BE3A-8444-BD4C-97AF8ABBD74E}"/>
-              </a:ext>
-            </a:extLst>
-          </p:cNvPr>
-          <p:cNvSpPr>
-            <a:spLocks noGrp="1"/>
-          </p:cNvSpPr>
-          <p:nvPr>
-            <p:ph type="title"/>
-          </p:nvPr>
-        </p:nvSpPr>
-        <p:spPr/>
-        <p:txBody>
-          <a:bodyPr/>
-          <a:lstStyle/>
-          <a:p>
-            <a:r>
-              <a:rPr lang="en-US" dirty="0"/>
-              <a:t>Summary</a:t>
-            </a:r>
-          </a:p>
-        </p:txBody>
-      </p:sp>
-      <p:sp>
-        <p:nvSpPr>
-          <p:cNvPr id="3" name="Text Placeholder 2">
-            <a:extLst>
-              <a:ext uri="{FF2B5EF4-FFF2-40B4-BE49-F238E27FC236}">
-                <a16:creationId xmlns:a16="http://schemas.microsoft.com/office/drawing/2014/main" id="{8117664B-4754-7F4E-ADCF-6AF266499213}"/>
-              </a:ext>
-            </a:extLst>
-          </p:cNvPr>
-          <p:cNvSpPr>
-            <a:spLocks noGrp="1"/>
-          </p:cNvSpPr>
-          <p:nvPr>
-            <p:ph type="body" sz="quarter" idx="10"/>
-          </p:nvPr>
-        </p:nvSpPr>
-        <p:spPr/>
-        <p:txBody>
-          <a:bodyPr/>
-          <a:lstStyle/>
-          <a:p>
-            <a:pPr marL="0" indent="0">
-              <a:lnSpc>
-                <a:spcPct val="100000"/>
-              </a:lnSpc>
-            </a:pPr>
-            <a:r>
-              <a:rPr lang="en-US" b="1" dirty="0"/>
-              <a:t>Our business is good</a:t>
-            </a:r>
-          </a:p>
-          <a:p>
-            <a:pPr marL="0" indent="0">
-              <a:lnSpc>
-                <a:spcPct val="100000"/>
-              </a:lnSpc>
-            </a:pPr>
-            <a:r>
-              <a:rPr lang="en-US" dirty="0"/>
-              <a:t>Profits are up in the last quarter by 3%</a:t>
-            </a:r>
-          </a:p>
-          <a:p>
-            <a:pPr marL="0" indent="0">
-              <a:lnSpc>
-                <a:spcPct val="100000"/>
-              </a:lnSpc>
-            </a:pPr>
-            <a:endParaRPr lang="en-US" dirty="0"/>
-          </a:p>
-          <a:p>
-            <a:pPr marL="0" indent="0">
-              <a:lnSpc>
-                <a:spcPct val="100000"/>
-              </a:lnSpc>
-            </a:pPr>
-            <a:r>
-              <a:rPr lang="en-US" b="1" dirty="0"/>
-              <a:t>We’re delivering for our customers</a:t>
-            </a:r>
-          </a:p>
-          <a:p>
-            <a:pPr marL="0" indent="0">
-              <a:lnSpc>
-                <a:spcPct val="100000"/>
-              </a:lnSpc>
-            </a:pPr>
-            <a:r>
-              <a:rPr lang="en-US" dirty="0"/>
-              <a:t>Last year we supported thousands of customers and sold 60,000 units</a:t>
-            </a:r>
-          </a:p>
-          <a:p>
-            <a:pPr marL="0" indent="0">
-              <a:lnSpc>
-                <a:spcPct val="100000"/>
-              </a:lnSpc>
-            </a:pPr>
-            <a:endParaRPr lang="en-US" dirty="0"/>
-          </a:p>
-          <a:p>
-            <a:pPr marL="0" indent="0">
-              <a:lnSpc>
-                <a:spcPct val="100000"/>
-              </a:lnSpc>
-            </a:pPr>
-            <a:r>
-              <a:rPr lang="en-US" b="1" dirty="0"/>
-              <a:t>We’re getting our work done</a:t>
-            </a:r>
-          </a:p>
-          <a:p>
-            <a:pPr marL="0" indent="0">
-              <a:lnSpc>
-                <a:spcPct val="100000"/>
-              </a:lnSpc>
-            </a:pPr>
-            <a:r>
-              <a:rPr lang="en-US" dirty="0"/>
-              <a:t>We finished the consolidation project</a:t>
-            </a:r>
-          </a:p>
-        </p:txBody>
-      </p:sp>
-      <p:sp>
-        <p:nvSpPr>
-          <p:cNvPr id="4" name="Text Placeholder 3">
-            <a:extLst>
-              <a:ext uri="{FF2B5EF4-FFF2-40B4-BE49-F238E27FC236}">
-                <a16:creationId xmlns:a16="http://schemas.microsoft.com/office/drawing/2014/main" id="{8B92D30E-08D1-F34C-AC54-52AB7886031F}"/>
-              </a:ext>
-            </a:extLst>
-          </p:cNvPr>
-          <p:cNvSpPr>
-            <a:spLocks noGrp="1"/>
-          </p:cNvSpPr>
-          <p:nvPr>
-            <p:ph type="body" sz="quarter" idx="11"/>
-          </p:nvPr>
-        </p:nvSpPr>
-        <p:spPr/>
-        <p:txBody>
-          <a:bodyPr/>
-          <a:lstStyle/>
-          <a:p>
-            <a:r>
-              <a:rPr lang="en-US" b="1" dirty="0"/>
-              <a:t>Our customers keep coming back</a:t>
-            </a:r>
-          </a:p>
-          <a:p>
-            <a:r>
-              <a:rPr lang="en-US" dirty="0"/>
-              <a:t>We increased customer retention by 4%</a:t>
-            </a:r>
-          </a:p>
-          <a:p>
-            <a:endParaRPr lang="en-US" dirty="0"/>
-          </a:p>
-          <a:p>
-            <a:r>
-              <a:rPr lang="en-US" b="1" dirty="0"/>
-              <a:t>We’re leaders</a:t>
-            </a:r>
-          </a:p>
-          <a:p>
-            <a:pPr marL="0" indent="0"/>
-            <a:r>
-              <a:rPr lang="en-US" dirty="0"/>
-              <a:t>We are top leaders in the industry across the board</a:t>
-            </a:r>
-          </a:p>
-        </p:txBody>
-      </p:sp>
-      <p:sp>
-        <p:nvSpPr>
-          <p:cNvPr id="5" name="Date Placeholder 4">
-            <a:extLst>
-              <a:ext uri="{FF2B5EF4-FFF2-40B4-BE49-F238E27FC236}">
-                <a16:creationId xmlns:a16="http://schemas.microsoft.com/office/drawing/2014/main" id="{99C74868-91C9-40B6-8069-D320F26E51F5}"/>
-              </a:ext>
-            </a:extLst>
-          </p:cNvPr>
-          <p:cNvSpPr>
-            <a:spLocks noGrp="1"/>
-          </p:cNvSpPr>
-          <p:nvPr>
-            <p:ph type="dt" sz="half" idx="12"/>
-          </p:nvPr>
-        </p:nvSpPr>
-        <p:spPr/>
-        <p:txBody>
-          <a:bodyPr/>
-          <a:lstStyle/>
-          <a:p>
-            <a:r>
-              <a:rPr lang="en-US"/>
-              <a:t>September 3, 20XX </a:t>
-            </a:r>
-            <a:endParaRPr lang="en-US" dirty="0"/>
-          </a:p>
-        </p:txBody>
-      </p:sp>
-      <p:sp>
-        <p:nvSpPr>
-          <p:cNvPr id="6" name="Footer Placeholder 5">
-            <a:extLst>
-              <a:ext uri="{FF2B5EF4-FFF2-40B4-BE49-F238E27FC236}">
-                <a16:creationId xmlns:a16="http://schemas.microsoft.com/office/drawing/2014/main" id="{FB8B588C-90A8-4A3F-AE4F-BB5E476D20B9}"/>
-              </a:ext>
-            </a:extLst>
-          </p:cNvPr>
-          <p:cNvSpPr>
-            <a:spLocks noGrp="1"/>
-          </p:cNvSpPr>
-          <p:nvPr>
-            <p:ph type="ftr" sz="quarter" idx="13"/>
-          </p:nvPr>
-        </p:nvSpPr>
-        <p:spPr/>
-        <p:txBody>
-          <a:bodyPr/>
-          <a:lstStyle/>
-          <a:p>
-            <a:r>
-              <a:rPr lang="en-US">
-                <a:solidFill>
-                  <a:schemeClr val="bg1"/>
-                </a:solidFill>
-              </a:rPr>
-              <a:t>Annual Review</a:t>
-            </a:r>
-            <a:endParaRPr lang="en-US" dirty="0">
-              <a:solidFill>
-                <a:schemeClr val="bg1"/>
-              </a:solidFill>
-            </a:endParaRPr>
-          </a:p>
-        </p:txBody>
-      </p:sp>
-      <p:sp>
-        <p:nvSpPr>
-          <p:cNvPr id="7" name="Slide Number Placeholder 6">
-            <a:extLst>
-              <a:ext uri="{FF2B5EF4-FFF2-40B4-BE49-F238E27FC236}">
-                <a16:creationId xmlns:a16="http://schemas.microsoft.com/office/drawing/2014/main" id="{F3B054C5-D38D-4250-8FB9-1381546143D5}"/>
-              </a:ext>
-            </a:extLst>
-          </p:cNvPr>
-          <p:cNvSpPr>
-            <a:spLocks noGrp="1"/>
-          </p:cNvSpPr>
-          <p:nvPr>
-            <p:ph type="sldNum" sz="quarter" idx="14"/>
-          </p:nvPr>
-        </p:nvSpPr>
-        <p:spPr/>
-        <p:txBody>
-          <a:bodyPr/>
-          <a:lstStyle/>
-          <a:p>
-            <a:fld id="{7782931A-7D25-4B4B-9464-57AE418934A3}" type="slidenum">
-              <a:rPr lang="en-US" smtClean="0"/>
-              <a:pPr/>
-              <a:t>12</a:t>
-            </a:fld>
-            <a:endParaRPr lang="en-US"/>
-          </a:p>
-        </p:txBody>
-      </p:sp>
-    </p:spTree>
-    <p:extLst>
-      <p:ext uri="{BB962C8B-B14F-4D97-AF65-F5344CB8AC3E}">
-        <p14:creationId xmlns:p14="http://schemas.microsoft.com/office/powerpoint/2010/main" val="1696792912"/>
-      </p:ext>
-    </p:extLst>
-  </p:cSld>
-  <p:clrMapOvr>
-    <a:masterClrMapping/>
-  </p:clrMapOvr>
-</p:sld>
-</file>
-
-<file path=ppt/slides/slide13.xml><?xml version="1.0" encoding="utf-8"?>
-<p:sld xmlns:a="http://schemas.openxmlformats.org/drawingml/2006/main" xmlns:r="http://schemas.openxmlformats.org/officeDocument/2006/relationships" xmlns:p="http://schemas.openxmlformats.org/presentationml/2006/main">
-  <p:cSld>
-    <p:spTree>
-      <p:nvGrpSpPr>
-        <p:cNvPr id="1" name=""/>
-        <p:cNvGrpSpPr/>
-        <p:nvPr/>
-      </p:nvGrpSpPr>
-      <p:grpSpPr>
-        <a:xfrm>
-          <a:off x="0" y="0"/>
-          <a:ext cx="0" cy="0"/>
-          <a:chOff x="0" y="0"/>
-          <a:chExt cx="0" cy="0"/>
-        </a:xfrm>
-      </p:grpSpPr>
-      <p:sp>
-        <p:nvSpPr>
-          <p:cNvPr id="2" name="Title 1">
-            <a:extLst>
-              <a:ext uri="{FF2B5EF4-FFF2-40B4-BE49-F238E27FC236}">
-                <a16:creationId xmlns:a16="http://schemas.microsoft.com/office/drawing/2014/main" id="{2AB67F85-B014-E54D-AC82-A789515E821B}"/>
-              </a:ext>
-            </a:extLst>
-          </p:cNvPr>
-          <p:cNvSpPr>
-            <a:spLocks noGrp="1"/>
-          </p:cNvSpPr>
-          <p:nvPr>
-            <p:ph type="title"/>
-          </p:nvPr>
-        </p:nvSpPr>
-        <p:spPr/>
-        <p:txBody>
-          <a:bodyPr/>
-          <a:lstStyle/>
-          <a:p>
-            <a:r>
-              <a:rPr lang="en-US" dirty="0"/>
-              <a:t>Thank you</a:t>
-            </a:r>
-          </a:p>
-        </p:txBody>
-      </p:sp>
-      <p:pic>
-        <p:nvPicPr>
-          <p:cNvPr id="7" name="Picture Placeholder 6" descr="White Darts">
-            <a:extLst>
-              <a:ext uri="{FF2B5EF4-FFF2-40B4-BE49-F238E27FC236}">
-                <a16:creationId xmlns:a16="http://schemas.microsoft.com/office/drawing/2014/main" id="{8A7A839A-FCAC-2F45-B138-DD0DC7C61FB3}"/>
-              </a:ext>
-            </a:extLst>
-          </p:cNvPr>
-          <p:cNvPicPr>
-            <a:picLocks noGrp="1" noChangeAspect="1"/>
-          </p:cNvPicPr>
-          <p:nvPr>
-            <p:ph type="pic" sz="quarter" idx="10"/>
-          </p:nvPr>
-        </p:nvPicPr>
-        <p:blipFill>
-          <a:blip r:embed="rId2">
-            <a:extLst>
-              <a:ext uri="{28A0092B-C50C-407E-A947-70E740481C1C}">
-                <a14:useLocalDpi xmlns:a14="http://schemas.microsoft.com/office/drawing/2010/main" val="0"/>
-              </a:ext>
-            </a:extLst>
-          </a:blip>
-          <a:srcRect/>
-          <a:stretch>
-            <a:fillRect/>
-          </a:stretch>
-        </p:blipFill>
-        <p:spPr/>
-      </p:pic>
-      <p:sp>
-        <p:nvSpPr>
-          <p:cNvPr id="3" name="Content Placeholder 2">
-            <a:extLst>
-              <a:ext uri="{FF2B5EF4-FFF2-40B4-BE49-F238E27FC236}">
-                <a16:creationId xmlns:a16="http://schemas.microsoft.com/office/drawing/2014/main" id="{8D87CE19-F795-8240-B223-A5CA7C9DE0E5}"/>
-              </a:ext>
-            </a:extLst>
-          </p:cNvPr>
-          <p:cNvSpPr>
-            <a:spLocks noGrp="1"/>
-          </p:cNvSpPr>
-          <p:nvPr>
-            <p:ph sz="half" idx="1"/>
-          </p:nvPr>
-        </p:nvSpPr>
-        <p:spPr/>
-        <p:txBody>
-          <a:bodyPr/>
-          <a:lstStyle/>
-          <a:p>
-            <a:r>
-              <a:rPr lang="en-US" dirty="0">
-                <a:cs typeface="Biome Light" panose="020B0303030204020804" pitchFamily="34" charset="0"/>
-              </a:rPr>
-              <a:t>Thanks to your commitment and strong work ethic, we know next year will be even better than the last. </a:t>
-            </a:r>
-          </a:p>
-          <a:p>
-            <a:endParaRPr lang="en-US" dirty="0">
-              <a:cs typeface="Biome Light" panose="020B0303030204020804" pitchFamily="34" charset="0"/>
-            </a:endParaRPr>
-          </a:p>
-          <a:p>
-            <a:r>
-              <a:rPr lang="en-US" dirty="0">
-                <a:cs typeface="Biome Light" panose="020B0303030204020804" pitchFamily="34" charset="0"/>
-              </a:rPr>
-              <a:t>We look forward to working together. </a:t>
-            </a:r>
-          </a:p>
-          <a:p>
-            <a:endParaRPr lang="en-US" dirty="0"/>
-          </a:p>
-        </p:txBody>
-      </p:sp>
-      <p:sp>
-        <p:nvSpPr>
-          <p:cNvPr id="5" name="Content Placeholder 4">
-            <a:extLst>
-              <a:ext uri="{FF2B5EF4-FFF2-40B4-BE49-F238E27FC236}">
-                <a16:creationId xmlns:a16="http://schemas.microsoft.com/office/drawing/2014/main" id="{788D6534-C18A-6F43-BFAE-88E2F83FD9B4}"/>
-              </a:ext>
-            </a:extLst>
-          </p:cNvPr>
-          <p:cNvSpPr>
-            <a:spLocks noGrp="1"/>
-          </p:cNvSpPr>
-          <p:nvPr>
-            <p:ph sz="quarter" idx="12"/>
-          </p:nvPr>
-        </p:nvSpPr>
-        <p:spPr/>
-        <p:txBody>
-          <a:bodyPr/>
-          <a:lstStyle/>
-          <a:p>
-            <a:r>
-              <a:rPr lang="en-US" b="1" dirty="0"/>
-              <a:t>Contoso</a:t>
-            </a:r>
-            <a:r>
-              <a:rPr lang="en-US" dirty="0"/>
-              <a:t>      </a:t>
-            </a:r>
-          </a:p>
-          <a:p>
-            <a:r>
-              <a:rPr lang="en-US" dirty="0"/>
-              <a:t>sales@contoso.com</a:t>
-            </a:r>
-          </a:p>
-        </p:txBody>
-      </p:sp>
-      <p:sp>
-        <p:nvSpPr>
-          <p:cNvPr id="4" name="Date Placeholder 3">
-            <a:extLst>
-              <a:ext uri="{FF2B5EF4-FFF2-40B4-BE49-F238E27FC236}">
-                <a16:creationId xmlns:a16="http://schemas.microsoft.com/office/drawing/2014/main" id="{D4137C36-233D-4261-A151-481DEB983F84}"/>
-              </a:ext>
-            </a:extLst>
-          </p:cNvPr>
-          <p:cNvSpPr>
-            <a:spLocks noGrp="1"/>
-          </p:cNvSpPr>
-          <p:nvPr>
-            <p:ph type="dt" sz="half" idx="13"/>
-          </p:nvPr>
-        </p:nvSpPr>
-        <p:spPr>
-          <a:xfrm>
-            <a:off x="9830818" y="6292334"/>
-            <a:ext cx="1522982" cy="182880"/>
-          </a:xfrm>
-        </p:spPr>
-        <p:txBody>
-          <a:bodyPr/>
-          <a:lstStyle/>
-          <a:p>
-            <a:r>
-              <a:rPr lang="en-US"/>
-              <a:t>September 3, 20XX </a:t>
-            </a:r>
-            <a:endParaRPr lang="en-US" dirty="0"/>
-          </a:p>
-        </p:txBody>
-      </p:sp>
-      <p:sp>
-        <p:nvSpPr>
-          <p:cNvPr id="6" name="Footer Placeholder 5">
-            <a:extLst>
-              <a:ext uri="{FF2B5EF4-FFF2-40B4-BE49-F238E27FC236}">
-                <a16:creationId xmlns:a16="http://schemas.microsoft.com/office/drawing/2014/main" id="{7F17CE90-6DC0-4BAD-AFD2-6566038ECD03}"/>
-              </a:ext>
-            </a:extLst>
-          </p:cNvPr>
-          <p:cNvSpPr>
-            <a:spLocks noGrp="1"/>
-          </p:cNvSpPr>
-          <p:nvPr>
-            <p:ph type="ftr" sz="quarter" idx="14"/>
-          </p:nvPr>
-        </p:nvSpPr>
-        <p:spPr>
-          <a:xfrm>
-            <a:off x="8298180" y="6294120"/>
-            <a:ext cx="1462788" cy="182880"/>
-          </a:xfrm>
-        </p:spPr>
-        <p:txBody>
-          <a:bodyPr/>
-          <a:lstStyle/>
-          <a:p>
-            <a:r>
-              <a:rPr lang="en-US">
-                <a:solidFill>
-                  <a:schemeClr val="bg1"/>
-                </a:solidFill>
-              </a:rPr>
-              <a:t>Annual Review</a:t>
-            </a:r>
-            <a:endParaRPr lang="en-US" dirty="0">
-              <a:solidFill>
-                <a:schemeClr val="bg1"/>
-              </a:solidFill>
-            </a:endParaRPr>
-          </a:p>
-        </p:txBody>
-      </p:sp>
-      <p:sp>
-        <p:nvSpPr>
-          <p:cNvPr id="8" name="Slide Number Placeholder 7">
-            <a:extLst>
-              <a:ext uri="{FF2B5EF4-FFF2-40B4-BE49-F238E27FC236}">
-                <a16:creationId xmlns:a16="http://schemas.microsoft.com/office/drawing/2014/main" id="{8A0CAF6B-5914-4E2F-90A1-4B2D92D5ADC0}"/>
-              </a:ext>
-            </a:extLst>
-          </p:cNvPr>
-          <p:cNvSpPr>
-            <a:spLocks noGrp="1"/>
-          </p:cNvSpPr>
-          <p:nvPr>
-            <p:ph type="sldNum" sz="quarter" idx="15"/>
-          </p:nvPr>
-        </p:nvSpPr>
-        <p:spPr>
-          <a:xfrm>
-            <a:off x="11493500" y="6292334"/>
-            <a:ext cx="412750" cy="182880"/>
-          </a:xfrm>
-        </p:spPr>
-        <p:txBody>
-          <a:bodyPr/>
-          <a:lstStyle/>
-          <a:p>
-            <a:fld id="{7782931A-7D25-4B4B-9464-57AE418934A3}" type="slidenum">
-              <a:rPr lang="en-US" smtClean="0"/>
-              <a:pPr/>
-              <a:t>13</a:t>
-            </a:fld>
-            <a:endParaRPr lang="en-US"/>
-          </a:p>
-        </p:txBody>
-      </p:sp>
-    </p:spTree>
-    <p:extLst>
-      <p:ext uri="{BB962C8B-B14F-4D97-AF65-F5344CB8AC3E}">
-        <p14:creationId xmlns:p14="http://schemas.microsoft.com/office/powerpoint/2010/main" val="1743235640"/>
       </p:ext>
     </p:extLst>
   </p:cSld>
@@ -8707,7 +6483,7 @@
           <a:p>
             <a:r>
               <a:rPr lang="en-US" dirty="0"/>
-              <a:t>Agenda</a:t>
+              <a:t>Content</a:t>
             </a:r>
           </a:p>
         </p:txBody>
@@ -8728,7 +6504,12 @@
             <p:ph type="body" sz="quarter" idx="10"/>
           </p:nvPr>
         </p:nvSpPr>
-        <p:spPr/>
+        <p:spPr>
+          <a:xfrm>
+            <a:off x="1028700" y="2286000"/>
+            <a:ext cx="7810499" cy="2071991"/>
+          </a:xfrm>
+        </p:spPr>
         <p:txBody>
           <a:bodyPr/>
           <a:lstStyle/>
@@ -8748,7 +6529,7 @@
               <a:rPr lang="en-US" dirty="0">
                 <a:cs typeface="Calibri"/>
               </a:rPr>
-              <a:t>Introduction</a:t>
+              <a:t>Dataset Preprocessing</a:t>
             </a:r>
           </a:p>
           <a:p>
@@ -8767,7 +6548,7 @@
               <a:rPr lang="en-US" dirty="0">
                 <a:cs typeface="Calibri"/>
               </a:rPr>
-              <a:t>Results from last year</a:t>
+              <a:t>Method (Architecture, Loss)</a:t>
             </a:r>
           </a:p>
           <a:p>
@@ -8786,50 +6567,8 @@
               <a:rPr lang="en-US" dirty="0">
                 <a:cs typeface="Calibri"/>
               </a:rPr>
-              <a:t>Team</a:t>
-            </a:r>
-          </a:p>
-          <a:p>
-            <a:pPr>
-              <a:lnSpc>
-                <a:spcPct val="110000"/>
-              </a:lnSpc>
-            </a:pPr>
-            <a:r>
-              <a:rPr lang="en-US" b="1" dirty="0">
-                <a:cs typeface="Calibri"/>
-              </a:rPr>
-              <a:t>04. </a:t>
-            </a:r>
-            <a:r>
-              <a:rPr lang="en-US" dirty="0">
-                <a:cs typeface="Calibri"/>
-              </a:rPr>
-              <a:t>What's next</a:t>
-            </a:r>
-          </a:p>
-          <a:p>
-            <a:pPr>
-              <a:lnSpc>
-                <a:spcPct val="110000"/>
-              </a:lnSpc>
-            </a:pPr>
-            <a:r>
-              <a:rPr lang="en-US" b="1" dirty="0">
-                <a:cs typeface="Calibri"/>
-              </a:rPr>
-              <a:t>05. </a:t>
-            </a:r>
-            <a:r>
-              <a:rPr lang="en-US" dirty="0">
-                <a:cs typeface="Calibri"/>
-              </a:rPr>
-              <a:t>Closing</a:t>
-            </a:r>
-            <a:endParaRPr lang="en-US" dirty="0"/>
-          </a:p>
-          <a:p>
-            <a:endParaRPr lang="en-US" dirty="0"/>
+              <a:t>Experiments</a:t>
+            </a:r>
           </a:p>
         </p:txBody>
       </p:sp>
@@ -8976,10 +6715,10 @@
       </p:grpSpPr>
       <p:sp>
         <p:nvSpPr>
-          <p:cNvPr id="2" name="Title 1">
-            <a:extLst>
-              <a:ext uri="{FF2B5EF4-FFF2-40B4-BE49-F238E27FC236}">
-                <a16:creationId xmlns:a16="http://schemas.microsoft.com/office/drawing/2014/main" id="{A8E966EE-4FBD-534E-AAED-6C54465EF91C}"/>
+          <p:cNvPr id="4" name="Title 3">
+            <a:extLst>
+              <a:ext uri="{FF2B5EF4-FFF2-40B4-BE49-F238E27FC236}">
+                <a16:creationId xmlns:a16="http://schemas.microsoft.com/office/drawing/2014/main" id="{BC9BB335-2462-3D47-A2A8-85BA2D85C19B}"/>
               </a:ext>
             </a:extLst>
           </p:cNvPr>
@@ -8997,100 +6736,38 @@
           <a:p>
             <a:r>
               <a:rPr lang="en-US" dirty="0"/>
-              <a:t>Introduction</a:t>
-            </a:r>
-          </a:p>
-        </p:txBody>
-      </p:sp>
-      <p:sp>
-        <p:nvSpPr>
-          <p:cNvPr id="3" name="Content Placeholder 2">
-            <a:extLst>
-              <a:ext uri="{FF2B5EF4-FFF2-40B4-BE49-F238E27FC236}">
-                <a16:creationId xmlns:a16="http://schemas.microsoft.com/office/drawing/2014/main" id="{0EC737E2-1EBF-6244-8E0A-274D170CCCE9}"/>
-              </a:ext>
-            </a:extLst>
-          </p:cNvPr>
-          <p:cNvSpPr>
-            <a:spLocks noGrp="1"/>
-          </p:cNvSpPr>
-          <p:nvPr>
-            <p:ph sz="half" idx="1"/>
-          </p:nvPr>
-        </p:nvSpPr>
-        <p:spPr/>
+              <a:t>Dataset Preprocessing</a:t>
+            </a:r>
+          </a:p>
+        </p:txBody>
+      </p:sp>
+      <p:sp>
+        <p:nvSpPr>
+          <p:cNvPr id="2" name="Date Placeholder 1">
+            <a:extLst>
+              <a:ext uri="{FF2B5EF4-FFF2-40B4-BE49-F238E27FC236}">
+                <a16:creationId xmlns:a16="http://schemas.microsoft.com/office/drawing/2014/main" id="{EB7C1C1C-2E16-451A-BC65-4BE897152D13}"/>
+              </a:ext>
+            </a:extLst>
+          </p:cNvPr>
+          <p:cNvSpPr>
+            <a:spLocks noGrp="1"/>
+          </p:cNvSpPr>
+          <p:nvPr>
+            <p:ph type="dt" sz="half" idx="11"/>
+          </p:nvPr>
+        </p:nvSpPr>
+        <p:spPr>
+          <a:xfrm>
+            <a:off x="9830818" y="6292334"/>
+            <a:ext cx="1522982" cy="182880"/>
+          </a:xfrm>
+        </p:spPr>
         <p:txBody>
           <a:bodyPr/>
           <a:lstStyle/>
           <a:p>
             <a:r>
-              <a:rPr lang="en-US" dirty="0"/>
-              <a:t>Profits are up, and losses are down! We are very proud of the progress our team has made. Today we’ll review our wins and losses from last year and give you an overview of what you can expect for next year.</a:t>
-            </a:r>
-          </a:p>
-          <a:p>
-            <a:endParaRPr lang="en-US" dirty="0"/>
-          </a:p>
-        </p:txBody>
-      </p:sp>
-      <p:pic>
-        <p:nvPicPr>
-          <p:cNvPr id="11" name="Picture Placeholder 10" descr="Paper Boats">
-            <a:extLst>
-              <a:ext uri="{FF2B5EF4-FFF2-40B4-BE49-F238E27FC236}">
-                <a16:creationId xmlns:a16="http://schemas.microsoft.com/office/drawing/2014/main" id="{30FDF0A1-337F-4901-B663-86681B2274C8}"/>
-              </a:ext>
-            </a:extLst>
-          </p:cNvPr>
-          <p:cNvPicPr>
-            <a:picLocks noGrp="1" noChangeAspect="1"/>
-          </p:cNvPicPr>
-          <p:nvPr>
-            <p:ph type="pic" sz="quarter" idx="10"/>
-          </p:nvPr>
-        </p:nvPicPr>
-        <p:blipFill>
-          <a:blip r:embed="rId2">
-            <a:extLst>
-              <a:ext uri="{28A0092B-C50C-407E-A947-70E740481C1C}">
-                <a14:useLocalDpi xmlns:a14="http://schemas.microsoft.com/office/drawing/2010/main" val="0"/>
-              </a:ext>
-            </a:extLst>
-          </a:blip>
-          <a:srcRect/>
-          <a:stretch>
-            <a:fillRect/>
-          </a:stretch>
-        </p:blipFill>
-        <p:spPr/>
-      </p:pic>
-      <p:sp>
-        <p:nvSpPr>
-          <p:cNvPr id="4" name="Date Placeholder 3">
-            <a:extLst>
-              <a:ext uri="{FF2B5EF4-FFF2-40B4-BE49-F238E27FC236}">
-                <a16:creationId xmlns:a16="http://schemas.microsoft.com/office/drawing/2014/main" id="{D8E5B39E-73CB-4B96-BBFA-E350F71F2E1F}"/>
-              </a:ext>
-            </a:extLst>
-          </p:cNvPr>
-          <p:cNvSpPr>
-            <a:spLocks noGrp="1"/>
-          </p:cNvSpPr>
-          <p:nvPr>
-            <p:ph type="dt" sz="half" idx="11"/>
-          </p:nvPr>
-        </p:nvSpPr>
-        <p:spPr>
-          <a:xfrm>
-            <a:off x="9830818" y="6292334"/>
-            <a:ext cx="1522982" cy="182880"/>
-          </a:xfrm>
-        </p:spPr>
-        <p:txBody>
-          <a:bodyPr/>
-          <a:lstStyle/>
-          <a:p>
-            <a:r>
               <a:rPr lang="en-US"/>
               <a:t>September 3, 20XX </a:t>
             </a:r>
@@ -9100,10 +6777,10 @@
       </p:sp>
       <p:sp>
         <p:nvSpPr>
-          <p:cNvPr id="5" name="Footer Placeholder 4">
-            <a:extLst>
-              <a:ext uri="{FF2B5EF4-FFF2-40B4-BE49-F238E27FC236}">
-                <a16:creationId xmlns:a16="http://schemas.microsoft.com/office/drawing/2014/main" id="{CD9C25C0-C28C-43A9-A830-FCBFC8BAA610}"/>
+          <p:cNvPr id="3" name="Footer Placeholder 2">
+            <a:extLst>
+              <a:ext uri="{FF2B5EF4-FFF2-40B4-BE49-F238E27FC236}">
+                <a16:creationId xmlns:a16="http://schemas.microsoft.com/office/drawing/2014/main" id="{B41A22DE-90F3-4C5C-921E-00BF1BD68B9B}"/>
               </a:ext>
             </a:extLst>
           </p:cNvPr>
@@ -9142,10 +6819,10 @@
       </p:sp>
       <p:sp>
         <p:nvSpPr>
-          <p:cNvPr id="6" name="Slide Number Placeholder 5">
-            <a:extLst>
-              <a:ext uri="{FF2B5EF4-FFF2-40B4-BE49-F238E27FC236}">
-                <a16:creationId xmlns:a16="http://schemas.microsoft.com/office/drawing/2014/main" id="{2ADE5F9E-39DA-49B7-8AA0-FF8E2B15DEEB}"/>
+          <p:cNvPr id="5" name="Slide Number Placeholder 4">
+            <a:extLst>
+              <a:ext uri="{FF2B5EF4-FFF2-40B4-BE49-F238E27FC236}">
+                <a16:creationId xmlns:a16="http://schemas.microsoft.com/office/drawing/2014/main" id="{031A4ADA-7998-4A9D-939E-3A1B16A0F2F1}"/>
               </a:ext>
             </a:extLst>
           </p:cNvPr>
@@ -9175,10 +6852,179 @@
           </a:p>
         </p:txBody>
       </p:sp>
+      <p:sp>
+        <p:nvSpPr>
+          <p:cNvPr id="8" name="TextBox 7">
+            <a:extLst>
+              <a:ext uri="{FF2B5EF4-FFF2-40B4-BE49-F238E27FC236}">
+                <a16:creationId xmlns:a16="http://schemas.microsoft.com/office/drawing/2014/main" id="{B856779F-BBE6-0C9B-4C5F-91093C05A61E}"/>
+              </a:ext>
+            </a:extLst>
+          </p:cNvPr>
+          <p:cNvSpPr txBox="1"/>
+          <p:nvPr/>
+        </p:nvSpPr>
+        <p:spPr>
+          <a:xfrm>
+            <a:off x="1028700" y="2169268"/>
+            <a:ext cx="9992738" cy="3139321"/>
+          </a:xfrm>
+          <a:prstGeom prst="rect">
+            <a:avLst/>
+          </a:prstGeom>
+          <a:noFill/>
+        </p:spPr>
+        <p:txBody>
+          <a:bodyPr wrap="square" rtlCol="0">
+            <a:spAutoFit/>
+          </a:bodyPr>
+          <a:lstStyle/>
+          <a:p>
+            <a:pPr marL="285750" indent="-285750">
+              <a:buFont typeface="Arial" panose="020B0604020202020204" pitchFamily="34" charset="0"/>
+              <a:buChar char="•"/>
+            </a:pPr>
+            <a:r>
+              <a:rPr lang="en-US" dirty="0">
+                <a:solidFill>
+                  <a:schemeClr val="bg1"/>
+                </a:solidFill>
+              </a:rPr>
+              <a:t>We have used stable diffusion to generate the samples.</a:t>
+            </a:r>
+          </a:p>
+          <a:p>
+            <a:pPr marL="285750" indent="-285750">
+              <a:buFont typeface="Arial" panose="020B0604020202020204" pitchFamily="34" charset="0"/>
+              <a:buChar char="•"/>
+            </a:pPr>
+            <a:r>
+              <a:rPr lang="en-US" dirty="0">
+                <a:solidFill>
+                  <a:schemeClr val="bg1"/>
+                </a:solidFill>
+              </a:rPr>
+              <a:t>Number of Samples: 200</a:t>
+            </a:r>
+          </a:p>
+          <a:p>
+            <a:pPr marL="285750" indent="-285750">
+              <a:buFont typeface="Arial" panose="020B0604020202020204" pitchFamily="34" charset="0"/>
+              <a:buChar char="•"/>
+            </a:pPr>
+            <a:r>
+              <a:rPr lang="en-US" dirty="0">
+                <a:solidFill>
+                  <a:schemeClr val="bg1"/>
+                </a:solidFill>
+              </a:rPr>
+              <a:t>Image Size: 640x360</a:t>
+            </a:r>
+          </a:p>
+          <a:p>
+            <a:pPr marL="285750" indent="-285750">
+              <a:buFont typeface="Arial" panose="020B0604020202020204" pitchFamily="34" charset="0"/>
+              <a:buChar char="•"/>
+            </a:pPr>
+            <a:r>
+              <a:rPr lang="en-US" dirty="0">
+                <a:solidFill>
+                  <a:schemeClr val="bg1"/>
+                </a:solidFill>
+              </a:rPr>
+              <a:t>Annotation:</a:t>
+            </a:r>
+          </a:p>
+          <a:p>
+            <a:pPr marL="742950" lvl="1" indent="-285750">
+              <a:buFont typeface="Arial" panose="020B0604020202020204" pitchFamily="34" charset="0"/>
+              <a:buChar char="•"/>
+            </a:pPr>
+            <a:r>
+              <a:rPr lang="en-US" dirty="0">
+                <a:solidFill>
+                  <a:schemeClr val="bg1"/>
+                </a:solidFill>
+              </a:rPr>
+              <a:t>LabelMe tool was used to annotate the samples.</a:t>
+            </a:r>
+          </a:p>
+          <a:p>
+            <a:pPr marL="742950" lvl="1" indent="-285750">
+              <a:buFont typeface="Arial" panose="020B0604020202020204" pitchFamily="34" charset="0"/>
+              <a:buChar char="•"/>
+            </a:pPr>
+            <a:r>
+              <a:rPr lang="en-US" dirty="0">
+                <a:solidFill>
+                  <a:schemeClr val="bg1"/>
+                </a:solidFill>
+              </a:rPr>
+              <a:t>Each Image is annotated twice one for Drivable Area Segmentation and another for Lane Detection</a:t>
+            </a:r>
+          </a:p>
+          <a:p>
+            <a:pPr marL="285750" indent="-285750">
+              <a:buFont typeface="Arial" panose="020B0604020202020204" pitchFamily="34" charset="0"/>
+              <a:buChar char="•"/>
+            </a:pPr>
+            <a:r>
+              <a:rPr lang="en-US" dirty="0">
+                <a:solidFill>
+                  <a:schemeClr val="bg1"/>
+                </a:solidFill>
+              </a:rPr>
+              <a:t>Dataset Partitioning:</a:t>
+            </a:r>
+          </a:p>
+          <a:p>
+            <a:pPr marL="742950" lvl="1" indent="-285750">
+              <a:buFont typeface="Arial" panose="020B0604020202020204" pitchFamily="34" charset="0"/>
+              <a:buChar char="•"/>
+            </a:pPr>
+            <a:r>
+              <a:rPr lang="en-US" dirty="0">
+                <a:solidFill>
+                  <a:schemeClr val="bg1"/>
+                </a:solidFill>
+              </a:rPr>
+              <a:t>Training: 80% (160 Samples)</a:t>
+            </a:r>
+          </a:p>
+          <a:p>
+            <a:pPr marL="742950" lvl="1" indent="-285750">
+              <a:buFont typeface="Arial" panose="020B0604020202020204" pitchFamily="34" charset="0"/>
+              <a:buChar char="•"/>
+            </a:pPr>
+            <a:r>
+              <a:rPr lang="en-US" dirty="0">
+                <a:solidFill>
+                  <a:schemeClr val="bg1"/>
+                </a:solidFill>
+              </a:rPr>
+              <a:t>Validation: 10% (20 Samples)</a:t>
+            </a:r>
+          </a:p>
+          <a:p>
+            <a:pPr marL="742950" lvl="1" indent="-285750">
+              <a:buFont typeface="Arial" panose="020B0604020202020204" pitchFamily="34" charset="0"/>
+              <a:buChar char="•"/>
+            </a:pPr>
+            <a:r>
+              <a:rPr lang="en-US" dirty="0">
+                <a:solidFill>
+                  <a:schemeClr val="bg1"/>
+                </a:solidFill>
+              </a:rPr>
+              <a:t>Testing: 10% (20 Samples)</a:t>
+            </a:r>
+          </a:p>
+        </p:txBody>
+      </p:sp>
     </p:spTree>
     <p:extLst>
       <p:ext uri="{BB962C8B-B14F-4D97-AF65-F5344CB8AC3E}">
-        <p14:creationId xmlns:p14="http://schemas.microsoft.com/office/powerpoint/2010/main" val="4017832845"/>
+        <p14:creationId xmlns:p14="http://schemas.microsoft.com/office/powerpoint/2010/main" val="3622761875"/>
       </p:ext>
     </p:extLst>
   </p:cSld>
@@ -9205,61 +7051,12 @@
           <a:chExt cx="0" cy="0"/>
         </a:xfrm>
       </p:grpSpPr>
-      <p:pic>
-        <p:nvPicPr>
-          <p:cNvPr id="7" name="Picture Placeholder 4" descr="image of ladders against a wall.">
-            <a:extLst>
-              <a:ext uri="{FF2B5EF4-FFF2-40B4-BE49-F238E27FC236}">
-                <a16:creationId xmlns:a16="http://schemas.microsoft.com/office/drawing/2014/main" id="{00F47B26-6646-4859-AAEF-1DC4DE3FD88F}"/>
-              </a:ext>
-            </a:extLst>
-          </p:cNvPr>
-          <p:cNvPicPr>
-            <a:picLocks noGrp="1" noChangeAspect="1"/>
-          </p:cNvPicPr>
-          <p:nvPr>
-            <p:ph type="pic" sz="quarter" idx="10"/>
-          </p:nvPr>
-        </p:nvPicPr>
-        <p:blipFill>
-          <a:blip r:embed="rId2">
-            <a:grayscl/>
-            <a:extLst>
-              <a:ext uri="{BEBA8EAE-BF5A-486C-A8C5-ECC9F3942E4B}">
-                <a14:imgProps xmlns:a14="http://schemas.microsoft.com/office/drawing/2010/main">
-                  <a14:imgLayer r:embed="rId3">
-                    <a14:imgEffect>
-                      <a14:colorTemperature colorTemp="1500"/>
-                    </a14:imgEffect>
-                    <a14:imgEffect>
-                      <a14:saturation sat="21000"/>
-                    </a14:imgEffect>
-                  </a14:imgLayer>
-                </a14:imgProps>
-              </a:ext>
-              <a:ext uri="{28A0092B-C50C-407E-A947-70E740481C1C}">
-                <a14:useLocalDpi xmlns:a14="http://schemas.microsoft.com/office/drawing/2010/main" val="0"/>
-              </a:ext>
-            </a:extLst>
-          </a:blip>
-          <a:srcRect/>
-          <a:stretch>
-            <a:fillRect/>
-          </a:stretch>
-        </p:blipFill>
-        <p:spPr>
-          <a:xfrm>
-            <a:off x="0" y="0"/>
-            <a:ext cx="12192000" cy="6858000"/>
-          </a:xfrm>
-        </p:spPr>
-      </p:pic>
-      <p:sp>
-        <p:nvSpPr>
-          <p:cNvPr id="10" name="Title 9">
-            <a:extLst>
-              <a:ext uri="{FF2B5EF4-FFF2-40B4-BE49-F238E27FC236}">
-                <a16:creationId xmlns:a16="http://schemas.microsoft.com/office/drawing/2014/main" id="{F253E442-C966-BF47-A022-DDAA2A6FEA48}"/>
+      <p:sp>
+        <p:nvSpPr>
+          <p:cNvPr id="4" name="Title 3">
+            <a:extLst>
+              <a:ext uri="{FF2B5EF4-FFF2-40B4-BE49-F238E27FC236}">
+                <a16:creationId xmlns:a16="http://schemas.microsoft.com/office/drawing/2014/main" id="{BC9BB335-2462-3D47-A2A8-85BA2D85C19B}"/>
               </a:ext>
             </a:extLst>
           </p:cNvPr>
@@ -9277,57 +7074,255 @@
           <a:p>
             <a:r>
               <a:rPr lang="en-US" dirty="0"/>
-              <a:t>Last year</a:t>
-            </a:r>
-          </a:p>
-        </p:txBody>
-      </p:sp>
-      <p:cxnSp>
-        <p:nvCxnSpPr>
-          <p:cNvPr id="6" name="Straight Connector 5">
-            <a:extLst>
-              <a:ext uri="{FF2B5EF4-FFF2-40B4-BE49-F238E27FC236}">
-                <a16:creationId xmlns:a16="http://schemas.microsoft.com/office/drawing/2014/main" id="{FAD7BE2C-4E52-6E40-83F8-6BB9BB0244A2}"/>
-              </a:ext>
-              <a:ext uri="{C183D7F6-B498-43B3-948B-1728B52AA6E4}">
-                <adec:decorative xmlns:adec="http://schemas.microsoft.com/office/drawing/2017/decorative" val="1"/>
-              </a:ext>
-            </a:extLst>
-          </p:cNvPr>
-          <p:cNvCxnSpPr>
-            <a:cxnSpLocks/>
-          </p:cNvCxnSpPr>
+              <a:t>Dataset Preprocessing</a:t>
+            </a:r>
+          </a:p>
+        </p:txBody>
+      </p:sp>
+      <p:sp>
+        <p:nvSpPr>
+          <p:cNvPr id="2" name="Date Placeholder 1">
+            <a:extLst>
+              <a:ext uri="{FF2B5EF4-FFF2-40B4-BE49-F238E27FC236}">
+                <a16:creationId xmlns:a16="http://schemas.microsoft.com/office/drawing/2014/main" id="{EB7C1C1C-2E16-451A-BC65-4BE897152D13}"/>
+              </a:ext>
+            </a:extLst>
+          </p:cNvPr>
+          <p:cNvSpPr>
+            <a:spLocks noGrp="1"/>
+          </p:cNvSpPr>
+          <p:nvPr>
+            <p:ph type="dt" sz="half" idx="11"/>
+          </p:nvPr>
+        </p:nvSpPr>
+        <p:spPr>
+          <a:xfrm>
+            <a:off x="9830818" y="6292334"/>
+            <a:ext cx="1522982" cy="182880"/>
+          </a:xfrm>
+        </p:spPr>
+        <p:txBody>
+          <a:bodyPr/>
+          <a:lstStyle/>
+          <a:p>
+            <a:r>
+              <a:rPr lang="en-US"/>
+              <a:t>September 3, 20XX </a:t>
+            </a:r>
+            <a:endParaRPr lang="en-US" dirty="0"/>
+          </a:p>
+        </p:txBody>
+      </p:sp>
+      <p:sp>
+        <p:nvSpPr>
+          <p:cNvPr id="3" name="Footer Placeholder 2">
+            <a:extLst>
+              <a:ext uri="{FF2B5EF4-FFF2-40B4-BE49-F238E27FC236}">
+                <a16:creationId xmlns:a16="http://schemas.microsoft.com/office/drawing/2014/main" id="{B41A22DE-90F3-4C5C-921E-00BF1BD68B9B}"/>
+              </a:ext>
+            </a:extLst>
+          </p:cNvPr>
+          <p:cNvSpPr>
+            <a:spLocks noGrp="1"/>
+          </p:cNvSpPr>
+          <p:nvPr>
+            <p:ph type="ftr" sz="quarter" idx="12"/>
+          </p:nvPr>
+        </p:nvSpPr>
+        <p:spPr>
+          <a:xfrm>
+            <a:off x="8298180" y="6294120"/>
+            <a:ext cx="1462788" cy="182880"/>
+          </a:xfrm>
+        </p:spPr>
+        <p:txBody>
+          <a:bodyPr/>
+          <a:lstStyle/>
+          <a:p>
+            <a:r>
+              <a:rPr lang="en-US">
+                <a:solidFill>
+                  <a:schemeClr val="bg1"/>
+                </a:solidFill>
+              </a:rPr>
+              <a:t>Annual Review</a:t>
+            </a:r>
+            <a:endParaRPr lang="en-US" dirty="0">
+              <a:solidFill>
+                <a:schemeClr val="bg1"/>
+              </a:solidFill>
+            </a:endParaRPr>
+          </a:p>
+        </p:txBody>
+      </p:sp>
+      <p:sp>
+        <p:nvSpPr>
+          <p:cNvPr id="5" name="Slide Number Placeholder 4">
+            <a:extLst>
+              <a:ext uri="{FF2B5EF4-FFF2-40B4-BE49-F238E27FC236}">
+                <a16:creationId xmlns:a16="http://schemas.microsoft.com/office/drawing/2014/main" id="{031A4ADA-7998-4A9D-939E-3A1B16A0F2F1}"/>
+              </a:ext>
+            </a:extLst>
+          </p:cNvPr>
+          <p:cNvSpPr>
+            <a:spLocks noGrp="1"/>
+          </p:cNvSpPr>
+          <p:nvPr>
+            <p:ph type="sldNum" sz="quarter" idx="13"/>
+          </p:nvPr>
+        </p:nvSpPr>
+        <p:spPr>
+          <a:xfrm>
+            <a:off x="11493500" y="6292334"/>
+            <a:ext cx="412750" cy="182880"/>
+          </a:xfrm>
+        </p:spPr>
+        <p:txBody>
+          <a:bodyPr/>
+          <a:lstStyle/>
+          <a:p>
+            <a:fld id="{7782931A-7D25-4B4B-9464-57AE418934A3}" type="slidenum">
+              <a:rPr lang="en-US" smtClean="0"/>
+              <a:pPr/>
+              <a:t>4</a:t>
+            </a:fld>
+            <a:endParaRPr lang="en-US"/>
+          </a:p>
+        </p:txBody>
+      </p:sp>
+      <p:sp>
+        <p:nvSpPr>
+          <p:cNvPr id="8" name="TextBox 7">
+            <a:extLst>
+              <a:ext uri="{FF2B5EF4-FFF2-40B4-BE49-F238E27FC236}">
+                <a16:creationId xmlns:a16="http://schemas.microsoft.com/office/drawing/2014/main" id="{B856779F-BBE6-0C9B-4C5F-91093C05A61E}"/>
+              </a:ext>
+            </a:extLst>
+          </p:cNvPr>
+          <p:cNvSpPr txBox="1"/>
           <p:nvPr/>
-        </p:nvCxnSpPr>
-        <p:spPr>
-          <a:xfrm>
-            <a:off x="1036261" y="1876617"/>
-            <a:ext cx="10122586" cy="0"/>
-          </a:xfrm>
-          <a:prstGeom prst="line">
-            <a:avLst/>
-          </a:prstGeom>
-          <a:ln w="76200"/>
-        </p:spPr>
-        <p:style>
-          <a:lnRef idx="1">
-            <a:schemeClr val="dk1"/>
-          </a:lnRef>
-          <a:fillRef idx="0">
-            <a:schemeClr val="dk1"/>
-          </a:fillRef>
-          <a:effectRef idx="0">
-            <a:schemeClr val="dk1"/>
-          </a:effectRef>
-          <a:fontRef idx="minor">
-            <a:schemeClr val="tx1"/>
-          </a:fontRef>
-        </p:style>
-      </p:cxnSp>
+        </p:nvSpPr>
+        <p:spPr>
+          <a:xfrm>
+            <a:off x="1028700" y="2169268"/>
+            <a:ext cx="9992738" cy="1754326"/>
+          </a:xfrm>
+          <a:prstGeom prst="rect">
+            <a:avLst/>
+          </a:prstGeom>
+          <a:noFill/>
+        </p:spPr>
+        <p:txBody>
+          <a:bodyPr wrap="square" rtlCol="0">
+            <a:spAutoFit/>
+          </a:bodyPr>
+          <a:lstStyle/>
+          <a:p>
+            <a:pPr marL="285750" indent="-285750">
+              <a:buFont typeface="Arial" panose="020B0604020202020204" pitchFamily="34" charset="0"/>
+              <a:buChar char="•"/>
+            </a:pPr>
+            <a:r>
+              <a:rPr lang="en-US" dirty="0">
+                <a:solidFill>
+                  <a:schemeClr val="bg1"/>
+                </a:solidFill>
+              </a:rPr>
+              <a:t>Transformations: Randomly given below methods are chosen to make the model more robust</a:t>
+            </a:r>
+          </a:p>
+          <a:p>
+            <a:pPr marL="742950" lvl="1" indent="-285750">
+              <a:buFont typeface="Arial" panose="020B0604020202020204" pitchFamily="34" charset="0"/>
+              <a:buChar char="•"/>
+            </a:pPr>
+            <a:r>
+              <a:rPr lang="en-US" dirty="0">
+                <a:solidFill>
+                  <a:schemeClr val="bg1"/>
+                </a:solidFill>
+              </a:rPr>
+              <a:t>Random Perspective Transformation: Random Rotation, Translation</a:t>
+            </a:r>
+          </a:p>
+          <a:p>
+            <a:pPr marL="742950" lvl="1" indent="-285750">
+              <a:buFont typeface="Arial" panose="020B0604020202020204" pitchFamily="34" charset="0"/>
+              <a:buChar char="•"/>
+            </a:pPr>
+            <a:r>
+              <a:rPr lang="en-US" dirty="0">
+                <a:solidFill>
+                  <a:schemeClr val="bg1"/>
+                </a:solidFill>
+              </a:rPr>
+              <a:t>HSV Color Augmentation: This changes the hue, saturation, and value of the image.</a:t>
+            </a:r>
+          </a:p>
+          <a:p>
+            <a:pPr marL="742950" lvl="1" indent="-285750">
+              <a:buFont typeface="Arial" panose="020B0604020202020204" pitchFamily="34" charset="0"/>
+              <a:buChar char="•"/>
+            </a:pPr>
+            <a:r>
+              <a:rPr lang="en-US" dirty="0">
+                <a:solidFill>
+                  <a:schemeClr val="bg1"/>
+                </a:solidFill>
+              </a:rPr>
+              <a:t>Image Resizing: If the input image is not in 640x360 size, it will be resized to this size.</a:t>
+            </a:r>
+          </a:p>
+          <a:p>
+            <a:pPr marL="742950" lvl="1" indent="-285750">
+              <a:buFont typeface="Arial" panose="020B0604020202020204" pitchFamily="34" charset="0"/>
+              <a:buChar char="•"/>
+            </a:pPr>
+            <a:r>
+              <a:rPr lang="en-US" dirty="0">
+                <a:solidFill>
+                  <a:schemeClr val="bg1"/>
+                </a:solidFill>
+              </a:rPr>
+              <a:t>Label Preprocessing: The label images are </a:t>
+            </a:r>
+            <a:r>
+              <a:rPr lang="en-US" dirty="0" err="1">
+                <a:solidFill>
+                  <a:schemeClr val="bg1"/>
+                </a:solidFill>
+              </a:rPr>
+              <a:t>thresholded</a:t>
+            </a:r>
+            <a:r>
+              <a:rPr lang="en-US" dirty="0">
+                <a:solidFill>
+                  <a:schemeClr val="bg1"/>
+                </a:solidFill>
+              </a:rPr>
+              <a:t> to create binary masks.</a:t>
+            </a:r>
+          </a:p>
+          <a:p>
+            <a:pPr marL="742950" lvl="1" indent="-285750">
+              <a:buFont typeface="Arial" panose="020B0604020202020204" pitchFamily="34" charset="0"/>
+              <a:buChar char="•"/>
+            </a:pPr>
+            <a:r>
+              <a:rPr lang="en-US" dirty="0">
+                <a:solidFill>
+                  <a:schemeClr val="bg1"/>
+                </a:solidFill>
+              </a:rPr>
+              <a:t>The output is a binary mask.</a:t>
+            </a:r>
+          </a:p>
+        </p:txBody>
+      </p:sp>
     </p:spTree>
     <p:extLst>
       <p:ext uri="{BB962C8B-B14F-4D97-AF65-F5344CB8AC3E}">
-        <p14:creationId xmlns:p14="http://schemas.microsoft.com/office/powerpoint/2010/main" val="2072174477"/>
+        <p14:creationId xmlns:p14="http://schemas.microsoft.com/office/powerpoint/2010/main" val="4048139103"/>
       </p:ext>
     </p:extLst>
   </p:cSld>
@@ -9359,7 +7354,7 @@
           <p:cNvPr id="3" name="Title 2">
             <a:extLst>
               <a:ext uri="{FF2B5EF4-FFF2-40B4-BE49-F238E27FC236}">
-                <a16:creationId xmlns:a16="http://schemas.microsoft.com/office/drawing/2014/main" id="{4B4391A8-86CF-7246-9C31-CC6670044FDA}"/>
+                <a16:creationId xmlns:a16="http://schemas.microsoft.com/office/drawing/2014/main" id="{AB324FA0-0DB4-3942-B6B8-27D09C4FFA0C}"/>
               </a:ext>
             </a:extLst>
           </p:cNvPr>
@@ -9377,115 +7372,8 @@
           <a:p>
             <a:r>
               <a:rPr lang="en-US" dirty="0"/>
-              <a:t>Growth by sector chart</a:t>
-            </a:r>
-          </a:p>
-        </p:txBody>
-      </p:sp>
-      <p:graphicFrame>
-        <p:nvGraphicFramePr>
-          <p:cNvPr id="4" name="Chart Placeholder 3" descr="Growth Chart">
-            <a:extLst>
-              <a:ext uri="{FF2B5EF4-FFF2-40B4-BE49-F238E27FC236}">
-                <a16:creationId xmlns:a16="http://schemas.microsoft.com/office/drawing/2014/main" id="{C666B7B5-0DD0-1F41-89D4-5604B093912F}"/>
-              </a:ext>
-            </a:extLst>
-          </p:cNvPr>
-          <p:cNvGraphicFramePr>
-            <a:graphicFrameLocks noGrp="1"/>
-          </p:cNvGraphicFramePr>
-          <p:nvPr>
-            <p:ph type="chart" sz="quarter" idx="11"/>
-            <p:extLst>
-              <p:ext uri="{D42A27DB-BD31-4B8C-83A1-F6EECF244321}">
-                <p14:modId xmlns:p14="http://schemas.microsoft.com/office/powerpoint/2010/main" val="3997076516"/>
-              </p:ext>
-            </p:extLst>
-          </p:nvPr>
-        </p:nvGraphicFramePr>
-        <p:xfrm>
-          <a:off x="950913" y="2286000"/>
-          <a:ext cx="9145587" cy="3165475"/>
-        </p:xfrm>
-        <a:graphic>
-          <a:graphicData uri="http://schemas.openxmlformats.org/drawingml/2006/chart">
-            <c:chart xmlns:c="http://schemas.openxmlformats.org/drawingml/2006/chart" xmlns:r="http://schemas.openxmlformats.org/officeDocument/2006/relationships" r:id="rId2"/>
-          </a:graphicData>
-        </a:graphic>
-      </p:graphicFrame>
-      <p:sp>
-        <p:nvSpPr>
-          <p:cNvPr id="2" name="Date Placeholder 1">
-            <a:extLst>
-              <a:ext uri="{FF2B5EF4-FFF2-40B4-BE49-F238E27FC236}">
-                <a16:creationId xmlns:a16="http://schemas.microsoft.com/office/drawing/2014/main" id="{37D75E85-59EF-445E-8928-63AC7377D2C2}"/>
-              </a:ext>
-            </a:extLst>
-          </p:cNvPr>
-          <p:cNvSpPr>
-            <a:spLocks noGrp="1"/>
-          </p:cNvSpPr>
-          <p:nvPr>
-            <p:ph type="dt" sz="half" idx="12"/>
-          </p:nvPr>
-        </p:nvSpPr>
-        <p:spPr>
-          <a:xfrm>
-            <a:off x="9830818" y="6292334"/>
-            <a:ext cx="1522982" cy="182880"/>
-          </a:xfrm>
-        </p:spPr>
-        <p:txBody>
-          <a:bodyPr/>
-          <a:lstStyle/>
-          <a:p>
-            <a:r>
-              <a:rPr lang="en-US"/>
-              <a:t>September 3, 20XX </a:t>
-            </a:r>
-            <a:endParaRPr lang="en-US" dirty="0"/>
-          </a:p>
-        </p:txBody>
-      </p:sp>
-      <p:sp>
-        <p:nvSpPr>
-          <p:cNvPr id="5" name="Footer Placeholder 4">
-            <a:extLst>
-              <a:ext uri="{FF2B5EF4-FFF2-40B4-BE49-F238E27FC236}">
-                <a16:creationId xmlns:a16="http://schemas.microsoft.com/office/drawing/2014/main" id="{B26F5772-47E8-412F-A4E9-2F4CECCBF51E}"/>
-              </a:ext>
-            </a:extLst>
-          </p:cNvPr>
-          <p:cNvSpPr>
-            <a:spLocks noGrp="1"/>
-          </p:cNvSpPr>
-          <p:nvPr>
-            <p:ph type="ftr" sz="quarter" idx="13"/>
-          </p:nvPr>
-        </p:nvSpPr>
-        <p:spPr>
-          <a:xfrm>
-            <a:off x="8298180" y="6294120"/>
-            <a:ext cx="1462788" cy="182880"/>
-          </a:xfrm>
-        </p:spPr>
-        <p:txBody>
-          <a:bodyPr/>
-          <a:lstStyle/>
-          <a:p>
-            <a:r>
-              <a:rPr lang="en-US">
-                <a:solidFill>
-                  <a:schemeClr val="bg1"/>
-                </a:solidFill>
-              </a:rPr>
-              <a:t>Annual Review</a:t>
-            </a:r>
-            <a:endParaRPr lang="en-US" dirty="0">
-              <a:solidFill>
-                <a:schemeClr val="bg1"/>
-              </a:solidFill>
-            </a:endParaRPr>
+              <a:t>Method – Architecture, Loss</a:t>
+            </a:r>
           </a:p>
         </p:txBody>
       </p:sp>
@@ -9494,15 +7382,15 @@
           <p:cNvPr id="6" name="Slide Number Placeholder 5">
             <a:extLst>
               <a:ext uri="{FF2B5EF4-FFF2-40B4-BE49-F238E27FC236}">
-                <a16:creationId xmlns:a16="http://schemas.microsoft.com/office/drawing/2014/main" id="{5D82835A-A332-4647-B267-D78B14BFA4A8}"/>
-              </a:ext>
-            </a:extLst>
-          </p:cNvPr>
-          <p:cNvSpPr>
-            <a:spLocks noGrp="1"/>
-          </p:cNvSpPr>
-          <p:nvPr>
-            <p:ph type="sldNum" sz="quarter" idx="14"/>
+                <a16:creationId xmlns:a16="http://schemas.microsoft.com/office/drawing/2014/main" id="{6841C65C-0714-4BCD-8550-1DD2C44FAD8F}"/>
+              </a:ext>
+            </a:extLst>
+          </p:cNvPr>
+          <p:cNvSpPr>
+            <a:spLocks noGrp="1"/>
+          </p:cNvSpPr>
+          <p:nvPr>
+            <p:ph type="sldNum" sz="quarter" idx="13"/>
           </p:nvPr>
         </p:nvSpPr>
         <p:spPr>
@@ -9524,10 +7412,46 @@
           </a:p>
         </p:txBody>
       </p:sp>
+      <p:pic>
+        <p:nvPicPr>
+          <p:cNvPr id="10" name="Picture 9" descr="A diagram of a dual attention node&#10;&#10;Description automatically generated">
+            <a:extLst>
+              <a:ext uri="{FF2B5EF4-FFF2-40B4-BE49-F238E27FC236}">
+                <a16:creationId xmlns:a16="http://schemas.microsoft.com/office/drawing/2014/main" id="{7D117982-2034-4DF2-626C-EE3D94601DFA}"/>
+              </a:ext>
+            </a:extLst>
+          </p:cNvPr>
+          <p:cNvPicPr>
+            <a:picLocks noChangeAspect="1"/>
+          </p:cNvPicPr>
+          <p:nvPr/>
+        </p:nvPicPr>
+        <p:blipFill>
+          <a:blip r:embed="rId2">
+            <a:extLst>
+              <a:ext uri="{28A0092B-C50C-407E-A947-70E740481C1C}">
+                <a14:useLocalDpi xmlns:a14="http://schemas.microsoft.com/office/drawing/2010/main" val="0"/>
+              </a:ext>
+            </a:extLst>
+          </a:blip>
+          <a:stretch>
+            <a:fillRect/>
+          </a:stretch>
+        </p:blipFill>
+        <p:spPr>
+          <a:xfrm>
+            <a:off x="682051" y="2319642"/>
+            <a:ext cx="10010775" cy="2705100"/>
+          </a:xfrm>
+          <a:prstGeom prst="rect">
+            <a:avLst/>
+          </a:prstGeom>
+        </p:spPr>
+      </p:pic>
     </p:spTree>
     <p:extLst>
       <p:ext uri="{BB962C8B-B14F-4D97-AF65-F5344CB8AC3E}">
-        <p14:creationId xmlns:p14="http://schemas.microsoft.com/office/powerpoint/2010/main" val="2351439976"/>
+        <p14:creationId xmlns:p14="http://schemas.microsoft.com/office/powerpoint/2010/main" val="3933384790"/>
       </p:ext>
     </p:extLst>
   </p:cSld>
@@ -9556,10 +7480,10 @@
       </p:grpSpPr>
       <p:sp>
         <p:nvSpPr>
-          <p:cNvPr id="4" name="Title 3">
-            <a:extLst>
-              <a:ext uri="{FF2B5EF4-FFF2-40B4-BE49-F238E27FC236}">
-                <a16:creationId xmlns:a16="http://schemas.microsoft.com/office/drawing/2014/main" id="{BC9BB335-2462-3D47-A2A8-85BA2D85C19B}"/>
+          <p:cNvPr id="3" name="Title 2">
+            <a:extLst>
+              <a:ext uri="{FF2B5EF4-FFF2-40B4-BE49-F238E27FC236}">
+                <a16:creationId xmlns:a16="http://schemas.microsoft.com/office/drawing/2014/main" id="{AB324FA0-0DB4-3942-B6B8-27D09C4FFA0C}"/>
               </a:ext>
             </a:extLst>
           </p:cNvPr>
@@ -9577,1180 +7501,17 @@
           <a:p>
             <a:r>
               <a:rPr lang="en-US" dirty="0"/>
-              <a:t>Growth by sector table</a:t>
-            </a:r>
-          </a:p>
-        </p:txBody>
-      </p:sp>
-      <p:graphicFrame>
-        <p:nvGraphicFramePr>
-          <p:cNvPr id="10" name="Table 10">
-            <a:extLst>
-              <a:ext uri="{FF2B5EF4-FFF2-40B4-BE49-F238E27FC236}">
-                <a16:creationId xmlns:a16="http://schemas.microsoft.com/office/drawing/2014/main" id="{964C0837-F213-47AB-A5B5-63EB1CECC465}"/>
-              </a:ext>
-            </a:extLst>
-          </p:cNvPr>
-          <p:cNvGraphicFramePr>
-            <a:graphicFrameLocks noGrp="1"/>
-          </p:cNvGraphicFramePr>
-          <p:nvPr>
-            <p:ph type="tbl" sz="quarter" idx="10"/>
-            <p:extLst>
-              <p:ext uri="{D42A27DB-BD31-4B8C-83A1-F6EECF244321}">
-                <p14:modId xmlns:p14="http://schemas.microsoft.com/office/powerpoint/2010/main" val="1465910403"/>
-              </p:ext>
-            </p:extLst>
-          </p:nvPr>
-        </p:nvGraphicFramePr>
-        <p:xfrm>
-          <a:off x="1028700" y="2422525"/>
-          <a:ext cx="9067800" cy="2231136"/>
-        </p:xfrm>
-        <a:graphic>
-          <a:graphicData uri="http://schemas.openxmlformats.org/drawingml/2006/table">
-            <a:tbl>
-              <a:tblPr firstRow="1" bandRow="1">
-                <a:tableStyleId>{2D5ABB26-0587-4C30-8999-92F81FD0307C}</a:tableStyleId>
-              </a:tblPr>
-              <a:tblGrid>
-                <a:gridCol w="1813560">
-                  <a:extLst>
-                    <a:ext uri="{9D8B030D-6E8A-4147-A177-3AD203B41FA5}">
-                      <a16:colId xmlns:a16="http://schemas.microsoft.com/office/drawing/2014/main" val="3066388131"/>
-                    </a:ext>
-                  </a:extLst>
-                </a:gridCol>
-                <a:gridCol w="1813560">
-                  <a:extLst>
-                    <a:ext uri="{9D8B030D-6E8A-4147-A177-3AD203B41FA5}">
-                      <a16:colId xmlns:a16="http://schemas.microsoft.com/office/drawing/2014/main" val="3448344683"/>
-                    </a:ext>
-                  </a:extLst>
-                </a:gridCol>
-                <a:gridCol w="1813560">
-                  <a:extLst>
-                    <a:ext uri="{9D8B030D-6E8A-4147-A177-3AD203B41FA5}">
-                      <a16:colId xmlns:a16="http://schemas.microsoft.com/office/drawing/2014/main" val="217594576"/>
-                    </a:ext>
-                  </a:extLst>
-                </a:gridCol>
-                <a:gridCol w="1813560">
-                  <a:extLst>
-                    <a:ext uri="{9D8B030D-6E8A-4147-A177-3AD203B41FA5}">
-                      <a16:colId xmlns:a16="http://schemas.microsoft.com/office/drawing/2014/main" val="2077066712"/>
-                    </a:ext>
-                  </a:extLst>
-                </a:gridCol>
-                <a:gridCol w="1813560">
-                  <a:extLst>
-                    <a:ext uri="{9D8B030D-6E8A-4147-A177-3AD203B41FA5}">
-                      <a16:colId xmlns:a16="http://schemas.microsoft.com/office/drawing/2014/main" val="2549506781"/>
-                    </a:ext>
-                  </a:extLst>
-                </a:gridCol>
-              </a:tblGrid>
-              <a:tr h="557784">
-                <a:tc>
-                  <a:txBody>
-                    <a:bodyPr/>
-                    <a:lstStyle/>
-                    <a:p>
-                      <a:pPr algn="ctr"/>
-                      <a:endParaRPr lang="en-US" sz="1400" dirty="0">
-                        <a:solidFill>
-                          <a:schemeClr val="bg1"/>
-                        </a:solidFill>
-                      </a:endParaRPr>
-                    </a:p>
-                  </a:txBody>
-                  <a:tcPr anchor="ctr">
-                    <a:lnR w="12700" cap="flat" cmpd="sng" algn="ctr">
-                      <a:solidFill>
-                        <a:schemeClr val="tx1"/>
-                      </a:solidFill>
-                      <a:prstDash val="solid"/>
-                      <a:round/>
-                      <a:headEnd type="none" w="med" len="med"/>
-                      <a:tailEnd type="none" w="med" len="med"/>
-                    </a:lnR>
-                    <a:lnB w="12700" cap="flat" cmpd="sng" algn="ctr">
-                      <a:solidFill>
-                        <a:schemeClr val="bg1"/>
-                      </a:solidFill>
-                      <a:prstDash val="solid"/>
-                      <a:round/>
-                      <a:headEnd type="none" w="med" len="med"/>
-                      <a:tailEnd type="none" w="med" len="med"/>
-                    </a:lnB>
-                  </a:tcPr>
-                </a:tc>
-                <a:tc>
-                  <a:txBody>
-                    <a:bodyPr/>
-                    <a:lstStyle/>
-                    <a:p>
-                      <a:pPr marL="0" marR="0" lvl="0" indent="0" algn="ctr" defTabSz="914400" rtl="0" eaLnBrk="1" fontAlgn="auto" latinLnBrk="0" hangingPunct="1">
-                        <a:lnSpc>
-                          <a:spcPct val="100000"/>
-                        </a:lnSpc>
-                        <a:spcBef>
-                          <a:spcPts val="0"/>
-                        </a:spcBef>
-                        <a:spcAft>
-                          <a:spcPts val="0"/>
-                        </a:spcAft>
-                        <a:buClrTx/>
-                        <a:buSzTx/>
-                        <a:buFontTx/>
-                        <a:buNone/>
-                        <a:tabLst/>
-                        <a:defRPr/>
-                      </a:pPr>
-                      <a:r>
-                        <a:rPr lang="en-US" sz="1400" b="1" dirty="0">
-                          <a:solidFill>
-                            <a:schemeClr val="bg1"/>
-                          </a:solidFill>
-                        </a:rPr>
-                        <a:t>Q1</a:t>
-                      </a:r>
-                    </a:p>
-                  </a:txBody>
-                  <a:tcPr anchor="ctr">
-                    <a:lnL w="12700" cap="flat" cmpd="sng" algn="ctr">
-                      <a:solidFill>
-                        <a:schemeClr val="tx1"/>
-                      </a:solidFill>
-                      <a:prstDash val="solid"/>
-                      <a:round/>
-                      <a:headEnd type="none" w="med" len="med"/>
-                      <a:tailEnd type="none" w="med" len="med"/>
-                    </a:lnL>
-                    <a:lnR w="12700" cap="flat" cmpd="sng" algn="ctr">
-                      <a:solidFill>
-                        <a:schemeClr val="tx1"/>
-                      </a:solidFill>
-                      <a:prstDash val="solid"/>
-                      <a:round/>
-                      <a:headEnd type="none" w="med" len="med"/>
-                      <a:tailEnd type="none" w="med" len="med"/>
-                    </a:lnR>
-                    <a:lnB w="12700" cap="flat" cmpd="sng" algn="ctr">
-                      <a:solidFill>
-                        <a:schemeClr val="bg1"/>
-                      </a:solidFill>
-                      <a:prstDash val="solid"/>
-                      <a:round/>
-                      <a:headEnd type="none" w="med" len="med"/>
-                      <a:tailEnd type="none" w="med" len="med"/>
-                    </a:lnB>
-                  </a:tcPr>
-                </a:tc>
-                <a:tc>
-                  <a:txBody>
-                    <a:bodyPr/>
-                    <a:lstStyle/>
-                    <a:p>
-                      <a:pPr algn="ctr"/>
-                      <a:r>
-                        <a:rPr lang="en-US" sz="1400" b="1" dirty="0">
-                          <a:solidFill>
-                            <a:schemeClr val="bg1"/>
-                          </a:solidFill>
-                        </a:rPr>
-                        <a:t>Q2</a:t>
-                      </a:r>
-                    </a:p>
-                  </a:txBody>
-                  <a:tcPr anchor="ctr">
-                    <a:lnL w="12700" cap="flat" cmpd="sng" algn="ctr">
-                      <a:solidFill>
-                        <a:schemeClr val="tx1"/>
-                      </a:solidFill>
-                      <a:prstDash val="solid"/>
-                      <a:round/>
-                      <a:headEnd type="none" w="med" len="med"/>
-                      <a:tailEnd type="none" w="med" len="med"/>
-                    </a:lnL>
-                    <a:lnR w="12700" cap="flat" cmpd="sng" algn="ctr">
-                      <a:solidFill>
-                        <a:schemeClr val="tx1"/>
-                      </a:solidFill>
-                      <a:prstDash val="solid"/>
-                      <a:round/>
-                      <a:headEnd type="none" w="med" len="med"/>
-                      <a:tailEnd type="none" w="med" len="med"/>
-                    </a:lnR>
-                    <a:lnB w="12700" cap="flat" cmpd="sng" algn="ctr">
-                      <a:solidFill>
-                        <a:schemeClr val="bg1"/>
-                      </a:solidFill>
-                      <a:prstDash val="solid"/>
-                      <a:round/>
-                      <a:headEnd type="none" w="med" len="med"/>
-                      <a:tailEnd type="none" w="med" len="med"/>
-                    </a:lnB>
-                  </a:tcPr>
-                </a:tc>
-                <a:tc>
-                  <a:txBody>
-                    <a:bodyPr/>
-                    <a:lstStyle/>
-                    <a:p>
-                      <a:pPr algn="ctr"/>
-                      <a:r>
-                        <a:rPr lang="en-US" sz="1400" b="1" dirty="0">
-                          <a:solidFill>
-                            <a:schemeClr val="bg1"/>
-                          </a:solidFill>
-                        </a:rPr>
-                        <a:t>Q3</a:t>
-                      </a:r>
-                    </a:p>
-                  </a:txBody>
-                  <a:tcPr anchor="ctr">
-                    <a:lnL w="12700" cap="flat" cmpd="sng" algn="ctr">
-                      <a:solidFill>
-                        <a:schemeClr val="tx1"/>
-                      </a:solidFill>
-                      <a:prstDash val="solid"/>
-                      <a:round/>
-                      <a:headEnd type="none" w="med" len="med"/>
-                      <a:tailEnd type="none" w="med" len="med"/>
-                    </a:lnL>
-                    <a:lnR w="12700" cap="flat" cmpd="sng" algn="ctr">
-                      <a:solidFill>
-                        <a:schemeClr val="tx1"/>
-                      </a:solidFill>
-                      <a:prstDash val="solid"/>
-                      <a:round/>
-                      <a:headEnd type="none" w="med" len="med"/>
-                      <a:tailEnd type="none" w="med" len="med"/>
-                    </a:lnR>
-                    <a:lnB w="12700" cap="flat" cmpd="sng" algn="ctr">
-                      <a:solidFill>
-                        <a:schemeClr val="bg1"/>
-                      </a:solidFill>
-                      <a:prstDash val="solid"/>
-                      <a:round/>
-                      <a:headEnd type="none" w="med" len="med"/>
-                      <a:tailEnd type="none" w="med" len="med"/>
-                    </a:lnB>
-                  </a:tcPr>
-                </a:tc>
-                <a:tc>
-                  <a:txBody>
-                    <a:bodyPr/>
-                    <a:lstStyle/>
-                    <a:p>
-                      <a:pPr algn="ctr"/>
-                      <a:r>
-                        <a:rPr lang="en-US" sz="1400" b="1" dirty="0">
-                          <a:solidFill>
-                            <a:schemeClr val="bg1"/>
-                          </a:solidFill>
-                        </a:rPr>
-                        <a:t>Q4</a:t>
-                      </a:r>
-                    </a:p>
-                  </a:txBody>
-                  <a:tcPr anchor="ctr">
-                    <a:lnL w="12700" cap="flat" cmpd="sng" algn="ctr">
-                      <a:solidFill>
-                        <a:schemeClr val="tx1"/>
-                      </a:solidFill>
-                      <a:prstDash val="solid"/>
-                      <a:round/>
-                      <a:headEnd type="none" w="med" len="med"/>
-                      <a:tailEnd type="none" w="med" len="med"/>
-                    </a:lnL>
-                    <a:lnR w="12700" cap="flat" cmpd="sng" algn="ctr">
-                      <a:solidFill>
-                        <a:schemeClr val="tx1"/>
-                      </a:solidFill>
-                      <a:prstDash val="solid"/>
-                      <a:round/>
-                      <a:headEnd type="none" w="med" len="med"/>
-                      <a:tailEnd type="none" w="med" len="med"/>
-                    </a:lnR>
-                    <a:lnB w="12700" cap="flat" cmpd="sng" algn="ctr">
-                      <a:solidFill>
-                        <a:schemeClr val="bg1"/>
-                      </a:solidFill>
-                      <a:prstDash val="solid"/>
-                      <a:round/>
-                      <a:headEnd type="none" w="med" len="med"/>
-                      <a:tailEnd type="none" w="med" len="med"/>
-                    </a:lnB>
-                  </a:tcPr>
-                </a:tc>
-                <a:extLst>
-                  <a:ext uri="{0D108BD9-81ED-4DB2-BD59-A6C34878D82A}">
-                    <a16:rowId xmlns:a16="http://schemas.microsoft.com/office/drawing/2014/main" val="2717906268"/>
-                  </a:ext>
-                </a:extLst>
-              </a:tr>
-              <a:tr h="557784">
-                <a:tc>
-                  <a:txBody>
-                    <a:bodyPr/>
-                    <a:lstStyle/>
-                    <a:p>
-                      <a:pPr algn="ctr"/>
-                      <a:r>
-                        <a:rPr lang="en-US" sz="1400" b="1" dirty="0">
-                          <a:solidFill>
-                            <a:schemeClr val="bg1"/>
-                          </a:solidFill>
-                        </a:rPr>
-                        <a:t>Series 1</a:t>
-                      </a:r>
-                    </a:p>
-                  </a:txBody>
-                  <a:tcPr anchor="ctr">
-                    <a:lnR w="12700" cap="flat" cmpd="sng" algn="ctr">
-                      <a:solidFill>
-                        <a:schemeClr val="tx1"/>
-                      </a:solidFill>
-                      <a:prstDash val="solid"/>
-                      <a:round/>
-                      <a:headEnd type="none" w="med" len="med"/>
-                      <a:tailEnd type="none" w="med" len="med"/>
-                    </a:lnR>
-                    <a:lnT w="12700" cap="flat" cmpd="sng" algn="ctr">
-                      <a:solidFill>
-                        <a:schemeClr val="bg1"/>
-                      </a:solidFill>
-                      <a:prstDash val="solid"/>
-                      <a:round/>
-                      <a:headEnd type="none" w="med" len="med"/>
-                      <a:tailEnd type="none" w="med" len="med"/>
-                    </a:lnT>
-                    <a:lnB w="12700" cap="flat" cmpd="sng" algn="ctr">
-                      <a:solidFill>
-                        <a:schemeClr val="bg1"/>
-                      </a:solidFill>
-                      <a:prstDash val="solid"/>
-                      <a:round/>
-                      <a:headEnd type="none" w="med" len="med"/>
-                      <a:tailEnd type="none" w="med" len="med"/>
-                    </a:lnB>
-                  </a:tcPr>
-                </a:tc>
-                <a:tc>
-                  <a:txBody>
-                    <a:bodyPr/>
-                    <a:lstStyle/>
-                    <a:p>
-                      <a:pPr algn="ctr"/>
-                      <a:r>
-                        <a:rPr lang="en-US" sz="1400" dirty="0">
-                          <a:solidFill>
-                            <a:schemeClr val="bg1"/>
-                          </a:solidFill>
-                        </a:rPr>
-                        <a:t>4.3</a:t>
-                      </a:r>
-                    </a:p>
-                  </a:txBody>
-                  <a:tcPr anchor="ctr">
-                    <a:lnL w="12700" cap="flat" cmpd="sng" algn="ctr">
-                      <a:solidFill>
-                        <a:schemeClr val="tx1"/>
-                      </a:solidFill>
-                      <a:prstDash val="solid"/>
-                      <a:round/>
-                      <a:headEnd type="none" w="med" len="med"/>
-                      <a:tailEnd type="none" w="med" len="med"/>
-                    </a:lnL>
-                    <a:lnR w="12700" cap="flat" cmpd="sng" algn="ctr">
-                      <a:solidFill>
-                        <a:schemeClr val="tx1"/>
-                      </a:solidFill>
-                      <a:prstDash val="solid"/>
-                      <a:round/>
-                      <a:headEnd type="none" w="med" len="med"/>
-                      <a:tailEnd type="none" w="med" len="med"/>
-                    </a:lnR>
-                    <a:lnT w="12700" cap="flat" cmpd="sng" algn="ctr">
-                      <a:solidFill>
-                        <a:schemeClr val="bg1"/>
-                      </a:solidFill>
-                      <a:prstDash val="solid"/>
-                      <a:round/>
-                      <a:headEnd type="none" w="med" len="med"/>
-                      <a:tailEnd type="none" w="med" len="med"/>
-                    </a:lnT>
-                    <a:lnB w="12700" cap="flat" cmpd="sng" algn="ctr">
-                      <a:solidFill>
-                        <a:schemeClr val="bg1"/>
-                      </a:solidFill>
-                      <a:prstDash val="solid"/>
-                      <a:round/>
-                      <a:headEnd type="none" w="med" len="med"/>
-                      <a:tailEnd type="none" w="med" len="med"/>
-                    </a:lnB>
-                  </a:tcPr>
-                </a:tc>
-                <a:tc>
-                  <a:txBody>
-                    <a:bodyPr/>
-                    <a:lstStyle/>
-                    <a:p>
-                      <a:pPr algn="ctr"/>
-                      <a:r>
-                        <a:rPr lang="en-US" sz="1400" dirty="0">
-                          <a:solidFill>
-                            <a:schemeClr val="bg1"/>
-                          </a:solidFill>
-                        </a:rPr>
-                        <a:t>2.5</a:t>
-                      </a:r>
-                    </a:p>
-                  </a:txBody>
-                  <a:tcPr anchor="ctr">
-                    <a:lnL w="12700" cap="flat" cmpd="sng" algn="ctr">
-                      <a:solidFill>
-                        <a:schemeClr val="tx1"/>
-                      </a:solidFill>
-                      <a:prstDash val="solid"/>
-                      <a:round/>
-                      <a:headEnd type="none" w="med" len="med"/>
-                      <a:tailEnd type="none" w="med" len="med"/>
-                    </a:lnL>
-                    <a:lnR w="12700" cap="flat" cmpd="sng" algn="ctr">
-                      <a:solidFill>
-                        <a:schemeClr val="tx1"/>
-                      </a:solidFill>
-                      <a:prstDash val="solid"/>
-                      <a:round/>
-                      <a:headEnd type="none" w="med" len="med"/>
-                      <a:tailEnd type="none" w="med" len="med"/>
-                    </a:lnR>
-                    <a:lnT w="12700" cap="flat" cmpd="sng" algn="ctr">
-                      <a:solidFill>
-                        <a:schemeClr val="bg1"/>
-                      </a:solidFill>
-                      <a:prstDash val="solid"/>
-                      <a:round/>
-                      <a:headEnd type="none" w="med" len="med"/>
-                      <a:tailEnd type="none" w="med" len="med"/>
-                    </a:lnT>
-                    <a:lnB w="12700" cap="flat" cmpd="sng" algn="ctr">
-                      <a:solidFill>
-                        <a:schemeClr val="bg1"/>
-                      </a:solidFill>
-                      <a:prstDash val="solid"/>
-                      <a:round/>
-                      <a:headEnd type="none" w="med" len="med"/>
-                      <a:tailEnd type="none" w="med" len="med"/>
-                    </a:lnB>
-                  </a:tcPr>
-                </a:tc>
-                <a:tc>
-                  <a:txBody>
-                    <a:bodyPr/>
-                    <a:lstStyle/>
-                    <a:p>
-                      <a:pPr algn="ctr"/>
-                      <a:r>
-                        <a:rPr lang="en-US" sz="1400" dirty="0">
-                          <a:solidFill>
-                            <a:schemeClr val="bg1"/>
-                          </a:solidFill>
-                        </a:rPr>
-                        <a:t>3.5</a:t>
-                      </a:r>
-                    </a:p>
-                  </a:txBody>
-                  <a:tcPr anchor="ctr">
-                    <a:lnL w="12700" cap="flat" cmpd="sng" algn="ctr">
-                      <a:solidFill>
-                        <a:schemeClr val="tx1"/>
-                      </a:solidFill>
-                      <a:prstDash val="solid"/>
-                      <a:round/>
-                      <a:headEnd type="none" w="med" len="med"/>
-                      <a:tailEnd type="none" w="med" len="med"/>
-                    </a:lnL>
-                    <a:lnR w="12700" cap="flat" cmpd="sng" algn="ctr">
-                      <a:solidFill>
-                        <a:schemeClr val="tx1"/>
-                      </a:solidFill>
-                      <a:prstDash val="solid"/>
-                      <a:round/>
-                      <a:headEnd type="none" w="med" len="med"/>
-                      <a:tailEnd type="none" w="med" len="med"/>
-                    </a:lnR>
-                    <a:lnT w="12700" cap="flat" cmpd="sng" algn="ctr">
-                      <a:solidFill>
-                        <a:schemeClr val="bg1"/>
-                      </a:solidFill>
-                      <a:prstDash val="solid"/>
-                      <a:round/>
-                      <a:headEnd type="none" w="med" len="med"/>
-                      <a:tailEnd type="none" w="med" len="med"/>
-                    </a:lnT>
-                    <a:lnB w="12700" cap="flat" cmpd="sng" algn="ctr">
-                      <a:solidFill>
-                        <a:schemeClr val="bg1"/>
-                      </a:solidFill>
-                      <a:prstDash val="solid"/>
-                      <a:round/>
-                      <a:headEnd type="none" w="med" len="med"/>
-                      <a:tailEnd type="none" w="med" len="med"/>
-                    </a:lnB>
-                  </a:tcPr>
-                </a:tc>
-                <a:tc>
-                  <a:txBody>
-                    <a:bodyPr/>
-                    <a:lstStyle/>
-                    <a:p>
-                      <a:pPr algn="ctr"/>
-                      <a:r>
-                        <a:rPr lang="en-US" sz="1400" dirty="0">
-                          <a:solidFill>
-                            <a:schemeClr val="bg1"/>
-                          </a:solidFill>
-                        </a:rPr>
-                        <a:t>4.5</a:t>
-                      </a:r>
-                    </a:p>
-                  </a:txBody>
-                  <a:tcPr anchor="ctr">
-                    <a:lnL w="12700" cap="flat" cmpd="sng" algn="ctr">
-                      <a:solidFill>
-                        <a:schemeClr val="tx1"/>
-                      </a:solidFill>
-                      <a:prstDash val="solid"/>
-                      <a:round/>
-                      <a:headEnd type="none" w="med" len="med"/>
-                      <a:tailEnd type="none" w="med" len="med"/>
-                    </a:lnL>
-                    <a:lnR w="12700" cap="flat" cmpd="sng" algn="ctr">
-                      <a:solidFill>
-                        <a:schemeClr val="tx1"/>
-                      </a:solidFill>
-                      <a:prstDash val="solid"/>
-                      <a:round/>
-                      <a:headEnd type="none" w="med" len="med"/>
-                      <a:tailEnd type="none" w="med" len="med"/>
-                    </a:lnR>
-                    <a:lnT w="12700" cap="flat" cmpd="sng" algn="ctr">
-                      <a:solidFill>
-                        <a:schemeClr val="bg1"/>
-                      </a:solidFill>
-                      <a:prstDash val="solid"/>
-                      <a:round/>
-                      <a:headEnd type="none" w="med" len="med"/>
-                      <a:tailEnd type="none" w="med" len="med"/>
-                    </a:lnT>
-                    <a:lnB w="12700" cap="flat" cmpd="sng" algn="ctr">
-                      <a:solidFill>
-                        <a:schemeClr val="bg1"/>
-                      </a:solidFill>
-                      <a:prstDash val="solid"/>
-                      <a:round/>
-                      <a:headEnd type="none" w="med" len="med"/>
-                      <a:tailEnd type="none" w="med" len="med"/>
-                    </a:lnB>
-                  </a:tcPr>
-                </a:tc>
-                <a:extLst>
-                  <a:ext uri="{0D108BD9-81ED-4DB2-BD59-A6C34878D82A}">
-                    <a16:rowId xmlns:a16="http://schemas.microsoft.com/office/drawing/2014/main" val="1831469555"/>
-                  </a:ext>
-                </a:extLst>
-              </a:tr>
-              <a:tr h="557784">
-                <a:tc>
-                  <a:txBody>
-                    <a:bodyPr/>
-                    <a:lstStyle/>
-                    <a:p>
-                      <a:pPr algn="ctr"/>
-                      <a:r>
-                        <a:rPr lang="en-US" sz="1400" b="1" dirty="0">
-                          <a:solidFill>
-                            <a:schemeClr val="bg1"/>
-                          </a:solidFill>
-                        </a:rPr>
-                        <a:t>Series 2</a:t>
-                      </a:r>
-                    </a:p>
-                  </a:txBody>
-                  <a:tcPr anchor="ctr">
-                    <a:lnR w="12700" cap="flat" cmpd="sng" algn="ctr">
-                      <a:solidFill>
-                        <a:schemeClr val="tx1"/>
-                      </a:solidFill>
-                      <a:prstDash val="solid"/>
-                      <a:round/>
-                      <a:headEnd type="none" w="med" len="med"/>
-                      <a:tailEnd type="none" w="med" len="med"/>
-                    </a:lnR>
-                    <a:lnT w="12700" cap="flat" cmpd="sng" algn="ctr">
-                      <a:solidFill>
-                        <a:schemeClr val="bg1"/>
-                      </a:solidFill>
-                      <a:prstDash val="solid"/>
-                      <a:round/>
-                      <a:headEnd type="none" w="med" len="med"/>
-                      <a:tailEnd type="none" w="med" len="med"/>
-                    </a:lnT>
-                    <a:lnB w="12700" cap="flat" cmpd="sng" algn="ctr">
-                      <a:solidFill>
-                        <a:schemeClr val="bg1"/>
-                      </a:solidFill>
-                      <a:prstDash val="solid"/>
-                      <a:round/>
-                      <a:headEnd type="none" w="med" len="med"/>
-                      <a:tailEnd type="none" w="med" len="med"/>
-                    </a:lnB>
-                  </a:tcPr>
-                </a:tc>
-                <a:tc>
-                  <a:txBody>
-                    <a:bodyPr/>
-                    <a:lstStyle/>
-                    <a:p>
-                      <a:pPr algn="ctr"/>
-                      <a:r>
-                        <a:rPr lang="en-US" sz="1400" dirty="0">
-                          <a:solidFill>
-                            <a:schemeClr val="bg1"/>
-                          </a:solidFill>
-                        </a:rPr>
-                        <a:t>2.4</a:t>
-                      </a:r>
-                    </a:p>
-                  </a:txBody>
-                  <a:tcPr anchor="ctr">
-                    <a:lnL w="12700" cap="flat" cmpd="sng" algn="ctr">
-                      <a:solidFill>
-                        <a:schemeClr val="tx1"/>
-                      </a:solidFill>
-                      <a:prstDash val="solid"/>
-                      <a:round/>
-                      <a:headEnd type="none" w="med" len="med"/>
-                      <a:tailEnd type="none" w="med" len="med"/>
-                    </a:lnL>
-                    <a:lnR w="12700" cap="flat" cmpd="sng" algn="ctr">
-                      <a:solidFill>
-                        <a:schemeClr val="tx1"/>
-                      </a:solidFill>
-                      <a:prstDash val="solid"/>
-                      <a:round/>
-                      <a:headEnd type="none" w="med" len="med"/>
-                      <a:tailEnd type="none" w="med" len="med"/>
-                    </a:lnR>
-                    <a:lnT w="12700" cap="flat" cmpd="sng" algn="ctr">
-                      <a:solidFill>
-                        <a:schemeClr val="bg1"/>
-                      </a:solidFill>
-                      <a:prstDash val="solid"/>
-                      <a:round/>
-                      <a:headEnd type="none" w="med" len="med"/>
-                      <a:tailEnd type="none" w="med" len="med"/>
-                    </a:lnT>
-                    <a:lnB w="12700" cap="flat" cmpd="sng" algn="ctr">
-                      <a:solidFill>
-                        <a:schemeClr val="bg1"/>
-                      </a:solidFill>
-                      <a:prstDash val="solid"/>
-                      <a:round/>
-                      <a:headEnd type="none" w="med" len="med"/>
-                      <a:tailEnd type="none" w="med" len="med"/>
-                    </a:lnB>
-                  </a:tcPr>
-                </a:tc>
-                <a:tc>
-                  <a:txBody>
-                    <a:bodyPr/>
-                    <a:lstStyle/>
-                    <a:p>
-                      <a:pPr algn="ctr"/>
-                      <a:r>
-                        <a:rPr lang="en-US" sz="1400" dirty="0">
-                          <a:solidFill>
-                            <a:schemeClr val="bg1"/>
-                          </a:solidFill>
-                        </a:rPr>
-                        <a:t>4.4</a:t>
-                      </a:r>
-                    </a:p>
-                  </a:txBody>
-                  <a:tcPr anchor="ctr">
-                    <a:lnL w="12700" cap="flat" cmpd="sng" algn="ctr">
-                      <a:solidFill>
-                        <a:schemeClr val="tx1"/>
-                      </a:solidFill>
-                      <a:prstDash val="solid"/>
-                      <a:round/>
-                      <a:headEnd type="none" w="med" len="med"/>
-                      <a:tailEnd type="none" w="med" len="med"/>
-                    </a:lnL>
-                    <a:lnR w="12700" cap="flat" cmpd="sng" algn="ctr">
-                      <a:solidFill>
-                        <a:schemeClr val="tx1"/>
-                      </a:solidFill>
-                      <a:prstDash val="solid"/>
-                      <a:round/>
-                      <a:headEnd type="none" w="med" len="med"/>
-                      <a:tailEnd type="none" w="med" len="med"/>
-                    </a:lnR>
-                    <a:lnT w="12700" cap="flat" cmpd="sng" algn="ctr">
-                      <a:solidFill>
-                        <a:schemeClr val="bg1"/>
-                      </a:solidFill>
-                      <a:prstDash val="solid"/>
-                      <a:round/>
-                      <a:headEnd type="none" w="med" len="med"/>
-                      <a:tailEnd type="none" w="med" len="med"/>
-                    </a:lnT>
-                    <a:lnB w="12700" cap="flat" cmpd="sng" algn="ctr">
-                      <a:solidFill>
-                        <a:schemeClr val="bg1"/>
-                      </a:solidFill>
-                      <a:prstDash val="solid"/>
-                      <a:round/>
-                      <a:headEnd type="none" w="med" len="med"/>
-                      <a:tailEnd type="none" w="med" len="med"/>
-                    </a:lnB>
-                  </a:tcPr>
-                </a:tc>
-                <a:tc>
-                  <a:txBody>
-                    <a:bodyPr/>
-                    <a:lstStyle/>
-                    <a:p>
-                      <a:pPr algn="ctr"/>
-                      <a:r>
-                        <a:rPr lang="en-US" sz="1400" dirty="0">
-                          <a:solidFill>
-                            <a:schemeClr val="bg1"/>
-                          </a:solidFill>
-                        </a:rPr>
-                        <a:t>1.8</a:t>
-                      </a:r>
-                    </a:p>
-                  </a:txBody>
-                  <a:tcPr anchor="ctr">
-                    <a:lnL w="12700" cap="flat" cmpd="sng" algn="ctr">
-                      <a:solidFill>
-                        <a:schemeClr val="tx1"/>
-                      </a:solidFill>
-                      <a:prstDash val="solid"/>
-                      <a:round/>
-                      <a:headEnd type="none" w="med" len="med"/>
-                      <a:tailEnd type="none" w="med" len="med"/>
-                    </a:lnL>
-                    <a:lnR w="12700" cap="flat" cmpd="sng" algn="ctr">
-                      <a:solidFill>
-                        <a:schemeClr val="tx1"/>
-                      </a:solidFill>
-                      <a:prstDash val="solid"/>
-                      <a:round/>
-                      <a:headEnd type="none" w="med" len="med"/>
-                      <a:tailEnd type="none" w="med" len="med"/>
-                    </a:lnR>
-                    <a:lnT w="12700" cap="flat" cmpd="sng" algn="ctr">
-                      <a:solidFill>
-                        <a:schemeClr val="bg1"/>
-                      </a:solidFill>
-                      <a:prstDash val="solid"/>
-                      <a:round/>
-                      <a:headEnd type="none" w="med" len="med"/>
-                      <a:tailEnd type="none" w="med" len="med"/>
-                    </a:lnT>
-                    <a:lnB w="12700" cap="flat" cmpd="sng" algn="ctr">
-                      <a:solidFill>
-                        <a:schemeClr val="bg1"/>
-                      </a:solidFill>
-                      <a:prstDash val="solid"/>
-                      <a:round/>
-                      <a:headEnd type="none" w="med" len="med"/>
-                      <a:tailEnd type="none" w="med" len="med"/>
-                    </a:lnB>
-                  </a:tcPr>
-                </a:tc>
-                <a:tc>
-                  <a:txBody>
-                    <a:bodyPr/>
-                    <a:lstStyle/>
-                    <a:p>
-                      <a:pPr algn="ctr"/>
-                      <a:r>
-                        <a:rPr lang="en-US" sz="1400" dirty="0">
-                          <a:solidFill>
-                            <a:schemeClr val="bg1"/>
-                          </a:solidFill>
-                        </a:rPr>
-                        <a:t>2.8</a:t>
-                      </a:r>
-                    </a:p>
-                  </a:txBody>
-                  <a:tcPr anchor="ctr">
-                    <a:lnL w="12700" cap="flat" cmpd="sng" algn="ctr">
-                      <a:solidFill>
-                        <a:schemeClr val="tx1"/>
-                      </a:solidFill>
-                      <a:prstDash val="solid"/>
-                      <a:round/>
-                      <a:headEnd type="none" w="med" len="med"/>
-                      <a:tailEnd type="none" w="med" len="med"/>
-                    </a:lnL>
-                    <a:lnR w="12700" cap="flat" cmpd="sng" algn="ctr">
-                      <a:solidFill>
-                        <a:schemeClr val="tx1"/>
-                      </a:solidFill>
-                      <a:prstDash val="solid"/>
-                      <a:round/>
-                      <a:headEnd type="none" w="med" len="med"/>
-                      <a:tailEnd type="none" w="med" len="med"/>
-                    </a:lnR>
-                    <a:lnT w="12700" cap="flat" cmpd="sng" algn="ctr">
-                      <a:solidFill>
-                        <a:schemeClr val="bg1"/>
-                      </a:solidFill>
-                      <a:prstDash val="solid"/>
-                      <a:round/>
-                      <a:headEnd type="none" w="med" len="med"/>
-                      <a:tailEnd type="none" w="med" len="med"/>
-                    </a:lnT>
-                    <a:lnB w="12700" cap="flat" cmpd="sng" algn="ctr">
-                      <a:solidFill>
-                        <a:schemeClr val="bg1"/>
-                      </a:solidFill>
-                      <a:prstDash val="solid"/>
-                      <a:round/>
-                      <a:headEnd type="none" w="med" len="med"/>
-                      <a:tailEnd type="none" w="med" len="med"/>
-                    </a:lnB>
-                  </a:tcPr>
-                </a:tc>
-                <a:extLst>
-                  <a:ext uri="{0D108BD9-81ED-4DB2-BD59-A6C34878D82A}">
-                    <a16:rowId xmlns:a16="http://schemas.microsoft.com/office/drawing/2014/main" val="2800508379"/>
-                  </a:ext>
-                </a:extLst>
-              </a:tr>
-              <a:tr h="557784">
-                <a:tc>
-                  <a:txBody>
-                    <a:bodyPr/>
-                    <a:lstStyle/>
-                    <a:p>
-                      <a:pPr algn="ctr"/>
-                      <a:r>
-                        <a:rPr lang="en-US" sz="1400" b="1" dirty="0">
-                          <a:solidFill>
-                            <a:schemeClr val="bg1"/>
-                          </a:solidFill>
-                        </a:rPr>
-                        <a:t>Series 3</a:t>
-                      </a:r>
-                    </a:p>
-                  </a:txBody>
-                  <a:tcPr anchor="ctr">
-                    <a:lnR w="12700" cap="flat" cmpd="sng" algn="ctr">
-                      <a:solidFill>
-                        <a:schemeClr val="tx1"/>
-                      </a:solidFill>
-                      <a:prstDash val="solid"/>
-                      <a:round/>
-                      <a:headEnd type="none" w="med" len="med"/>
-                      <a:tailEnd type="none" w="med" len="med"/>
-                    </a:lnR>
-                    <a:lnT w="12700" cap="flat" cmpd="sng" algn="ctr">
-                      <a:solidFill>
-                        <a:schemeClr val="bg1"/>
-                      </a:solidFill>
-                      <a:prstDash val="solid"/>
-                      <a:round/>
-                      <a:headEnd type="none" w="med" len="med"/>
-                      <a:tailEnd type="none" w="med" len="med"/>
-                    </a:lnT>
-                  </a:tcPr>
-                </a:tc>
-                <a:tc>
-                  <a:txBody>
-                    <a:bodyPr/>
-                    <a:lstStyle/>
-                    <a:p>
-                      <a:pPr algn="ctr"/>
-                      <a:r>
-                        <a:rPr lang="en-US" sz="1400" dirty="0">
-                          <a:solidFill>
-                            <a:schemeClr val="bg1"/>
-                          </a:solidFill>
-                        </a:rPr>
-                        <a:t>2</a:t>
-                      </a:r>
-                    </a:p>
-                  </a:txBody>
-                  <a:tcPr anchor="ctr">
-                    <a:lnL w="12700" cap="flat" cmpd="sng" algn="ctr">
-                      <a:solidFill>
-                        <a:schemeClr val="tx1"/>
-                      </a:solidFill>
-                      <a:prstDash val="solid"/>
-                      <a:round/>
-                      <a:headEnd type="none" w="med" len="med"/>
-                      <a:tailEnd type="none" w="med" len="med"/>
-                    </a:lnL>
-                    <a:lnR w="12700" cap="flat" cmpd="sng" algn="ctr">
-                      <a:solidFill>
-                        <a:schemeClr val="tx1"/>
-                      </a:solidFill>
-                      <a:prstDash val="solid"/>
-                      <a:round/>
-                      <a:headEnd type="none" w="med" len="med"/>
-                      <a:tailEnd type="none" w="med" len="med"/>
-                    </a:lnR>
-                    <a:lnT w="12700" cap="flat" cmpd="sng" algn="ctr">
-                      <a:solidFill>
-                        <a:schemeClr val="bg1"/>
-                      </a:solidFill>
-                      <a:prstDash val="solid"/>
-                      <a:round/>
-                      <a:headEnd type="none" w="med" len="med"/>
-                      <a:tailEnd type="none" w="med" len="med"/>
-                    </a:lnT>
-                  </a:tcPr>
-                </a:tc>
-                <a:tc>
-                  <a:txBody>
-                    <a:bodyPr/>
-                    <a:lstStyle/>
-                    <a:p>
-                      <a:pPr algn="ctr"/>
-                      <a:r>
-                        <a:rPr lang="en-US" sz="1400" dirty="0">
-                          <a:solidFill>
-                            <a:schemeClr val="bg1"/>
-                          </a:solidFill>
-                        </a:rPr>
-                        <a:t>2</a:t>
-                      </a:r>
-                    </a:p>
-                  </a:txBody>
-                  <a:tcPr anchor="ctr">
-                    <a:lnL w="12700" cap="flat" cmpd="sng" algn="ctr">
-                      <a:solidFill>
-                        <a:schemeClr val="tx1"/>
-                      </a:solidFill>
-                      <a:prstDash val="solid"/>
-                      <a:round/>
-                      <a:headEnd type="none" w="med" len="med"/>
-                      <a:tailEnd type="none" w="med" len="med"/>
-                    </a:lnL>
-                    <a:lnR w="12700" cap="flat" cmpd="sng" algn="ctr">
-                      <a:solidFill>
-                        <a:schemeClr val="tx1"/>
-                      </a:solidFill>
-                      <a:prstDash val="solid"/>
-                      <a:round/>
-                      <a:headEnd type="none" w="med" len="med"/>
-                      <a:tailEnd type="none" w="med" len="med"/>
-                    </a:lnR>
-                    <a:lnT w="12700" cap="flat" cmpd="sng" algn="ctr">
-                      <a:solidFill>
-                        <a:schemeClr val="bg1"/>
-                      </a:solidFill>
-                      <a:prstDash val="solid"/>
-                      <a:round/>
-                      <a:headEnd type="none" w="med" len="med"/>
-                      <a:tailEnd type="none" w="med" len="med"/>
-                    </a:lnT>
-                  </a:tcPr>
-                </a:tc>
-                <a:tc>
-                  <a:txBody>
-                    <a:bodyPr/>
-                    <a:lstStyle/>
-                    <a:p>
-                      <a:pPr algn="ctr"/>
-                      <a:r>
-                        <a:rPr lang="en-US" sz="1400" dirty="0">
-                          <a:solidFill>
-                            <a:schemeClr val="bg1"/>
-                          </a:solidFill>
-                        </a:rPr>
-                        <a:t>3</a:t>
-                      </a:r>
-                    </a:p>
-                  </a:txBody>
-                  <a:tcPr anchor="ctr">
-                    <a:lnL w="12700" cap="flat" cmpd="sng" algn="ctr">
-                      <a:solidFill>
-                        <a:schemeClr val="tx1"/>
-                      </a:solidFill>
-                      <a:prstDash val="solid"/>
-                      <a:round/>
-                      <a:headEnd type="none" w="med" len="med"/>
-                      <a:tailEnd type="none" w="med" len="med"/>
-                    </a:lnL>
-                    <a:lnR w="12700" cap="flat" cmpd="sng" algn="ctr">
-                      <a:solidFill>
-                        <a:schemeClr val="tx1"/>
-                      </a:solidFill>
-                      <a:prstDash val="solid"/>
-                      <a:round/>
-                      <a:headEnd type="none" w="med" len="med"/>
-                      <a:tailEnd type="none" w="med" len="med"/>
-                    </a:lnR>
-                    <a:lnT w="12700" cap="flat" cmpd="sng" algn="ctr">
-                      <a:solidFill>
-                        <a:schemeClr val="bg1"/>
-                      </a:solidFill>
-                      <a:prstDash val="solid"/>
-                      <a:round/>
-                      <a:headEnd type="none" w="med" len="med"/>
-                      <a:tailEnd type="none" w="med" len="med"/>
-                    </a:lnT>
-                  </a:tcPr>
-                </a:tc>
-                <a:tc>
-                  <a:txBody>
-                    <a:bodyPr/>
-                    <a:lstStyle/>
-                    <a:p>
-                      <a:pPr algn="ctr"/>
-                      <a:r>
-                        <a:rPr lang="en-US" sz="1400" dirty="0">
-                          <a:solidFill>
-                            <a:schemeClr val="bg1"/>
-                          </a:solidFill>
-                        </a:rPr>
-                        <a:t>5</a:t>
-                      </a:r>
-                    </a:p>
-                  </a:txBody>
-                  <a:tcPr anchor="ctr">
-                    <a:lnL w="12700" cap="flat" cmpd="sng" algn="ctr">
-                      <a:solidFill>
-                        <a:schemeClr val="tx1"/>
-                      </a:solidFill>
-                      <a:prstDash val="solid"/>
-                      <a:round/>
-                      <a:headEnd type="none" w="med" len="med"/>
-                      <a:tailEnd type="none" w="med" len="med"/>
-                    </a:lnL>
-                    <a:lnR w="12700" cap="flat" cmpd="sng" algn="ctr">
-                      <a:solidFill>
-                        <a:schemeClr val="tx1"/>
-                      </a:solidFill>
-                      <a:prstDash val="solid"/>
-                      <a:round/>
-                      <a:headEnd type="none" w="med" len="med"/>
-                      <a:tailEnd type="none" w="med" len="med"/>
-                    </a:lnR>
-                    <a:lnT w="12700" cap="flat" cmpd="sng" algn="ctr">
-                      <a:solidFill>
-                        <a:schemeClr val="bg1"/>
-                      </a:solidFill>
-                      <a:prstDash val="solid"/>
-                      <a:round/>
-                      <a:headEnd type="none" w="med" len="med"/>
-                      <a:tailEnd type="none" w="med" len="med"/>
-                    </a:lnT>
-                  </a:tcPr>
-                </a:tc>
-                <a:extLst>
-                  <a:ext uri="{0D108BD9-81ED-4DB2-BD59-A6C34878D82A}">
-                    <a16:rowId xmlns:a16="http://schemas.microsoft.com/office/drawing/2014/main" val="2456788438"/>
-                  </a:ext>
-                </a:extLst>
-              </a:tr>
-            </a:tbl>
-          </a:graphicData>
-        </a:graphic>
-      </p:graphicFrame>
-      <p:sp>
-        <p:nvSpPr>
-          <p:cNvPr id="2" name="Date Placeholder 1">
-            <a:extLst>
-              <a:ext uri="{FF2B5EF4-FFF2-40B4-BE49-F238E27FC236}">
-                <a16:creationId xmlns:a16="http://schemas.microsoft.com/office/drawing/2014/main" id="{EB7C1C1C-2E16-451A-BC65-4BE897152D13}"/>
-              </a:ext>
-            </a:extLst>
-          </p:cNvPr>
-          <p:cNvSpPr>
-            <a:spLocks noGrp="1"/>
-          </p:cNvSpPr>
-          <p:nvPr>
-            <p:ph type="dt" sz="half" idx="11"/>
-          </p:nvPr>
-        </p:nvSpPr>
-        <p:spPr>
-          <a:xfrm>
-            <a:off x="9830818" y="6292334"/>
-            <a:ext cx="1522982" cy="182880"/>
-          </a:xfrm>
-        </p:spPr>
-        <p:txBody>
-          <a:bodyPr/>
-          <a:lstStyle/>
-          <a:p>
-            <a:r>
-              <a:rPr lang="en-US"/>
-              <a:t>September 3, 20XX </a:t>
-            </a:r>
-            <a:endParaRPr lang="en-US" dirty="0"/>
-          </a:p>
-        </p:txBody>
-      </p:sp>
-      <p:sp>
-        <p:nvSpPr>
-          <p:cNvPr id="3" name="Footer Placeholder 2">
-            <a:extLst>
-              <a:ext uri="{FF2B5EF4-FFF2-40B4-BE49-F238E27FC236}">
-                <a16:creationId xmlns:a16="http://schemas.microsoft.com/office/drawing/2014/main" id="{B41A22DE-90F3-4C5C-921E-00BF1BD68B9B}"/>
-              </a:ext>
-            </a:extLst>
-          </p:cNvPr>
-          <p:cNvSpPr>
-            <a:spLocks noGrp="1"/>
-          </p:cNvSpPr>
-          <p:nvPr>
-            <p:ph type="ftr" sz="quarter" idx="12"/>
-          </p:nvPr>
-        </p:nvSpPr>
-        <p:spPr>
-          <a:xfrm>
-            <a:off x="8298180" y="6294120"/>
-            <a:ext cx="1462788" cy="182880"/>
-          </a:xfrm>
-        </p:spPr>
-        <p:txBody>
-          <a:bodyPr/>
-          <a:lstStyle/>
-          <a:p>
-            <a:r>
-              <a:rPr lang="en-US">
-                <a:solidFill>
-                  <a:schemeClr val="bg1"/>
-                </a:solidFill>
-              </a:rPr>
-              <a:t>Annual Review</a:t>
-            </a:r>
-            <a:endParaRPr lang="en-US" dirty="0">
-              <a:solidFill>
-                <a:schemeClr val="bg1"/>
-              </a:solidFill>
-            </a:endParaRPr>
-          </a:p>
-        </p:txBody>
-      </p:sp>
-      <p:sp>
-        <p:nvSpPr>
-          <p:cNvPr id="5" name="Slide Number Placeholder 4">
-            <a:extLst>
-              <a:ext uri="{FF2B5EF4-FFF2-40B4-BE49-F238E27FC236}">
-                <a16:creationId xmlns:a16="http://schemas.microsoft.com/office/drawing/2014/main" id="{031A4ADA-7998-4A9D-939E-3A1B16A0F2F1}"/>
+              <a:t>Method – Architecture, Loss</a:t>
+            </a:r>
+          </a:p>
+        </p:txBody>
+      </p:sp>
+      <p:sp>
+        <p:nvSpPr>
+          <p:cNvPr id="6" name="Slide Number Placeholder 5">
+            <a:extLst>
+              <a:ext uri="{FF2B5EF4-FFF2-40B4-BE49-F238E27FC236}">
+                <a16:creationId xmlns:a16="http://schemas.microsoft.com/office/drawing/2014/main" id="{6841C65C-0714-4BCD-8550-1DD2C44FAD8F}"/>
               </a:ext>
             </a:extLst>
           </p:cNvPr>
@@ -10780,10 +7541,110 @@
           </a:p>
         </p:txBody>
       </p:sp>
+      <p:sp>
+        <p:nvSpPr>
+          <p:cNvPr id="2" name="TextBox 1">
+            <a:extLst>
+              <a:ext uri="{FF2B5EF4-FFF2-40B4-BE49-F238E27FC236}">
+                <a16:creationId xmlns:a16="http://schemas.microsoft.com/office/drawing/2014/main" id="{5CA26864-D605-59B6-AE3C-EDBEA13C6DDF}"/>
+              </a:ext>
+            </a:extLst>
+          </p:cNvPr>
+          <p:cNvSpPr txBox="1"/>
+          <p:nvPr/>
+        </p:nvSpPr>
+        <p:spPr>
+          <a:xfrm>
+            <a:off x="729574" y="2140085"/>
+            <a:ext cx="10155677" cy="923330"/>
+          </a:xfrm>
+          <a:prstGeom prst="rect">
+            <a:avLst/>
+          </a:prstGeom>
+          <a:noFill/>
+        </p:spPr>
+        <p:txBody>
+          <a:bodyPr wrap="square" rtlCol="0">
+            <a:spAutoFit/>
+          </a:bodyPr>
+          <a:lstStyle/>
+          <a:p>
+            <a:pPr marL="285750" indent="-285750">
+              <a:buFont typeface="Arial" panose="020B0604020202020204" pitchFamily="34" charset="0"/>
+              <a:buChar char="•"/>
+            </a:pPr>
+            <a:r>
+              <a:rPr lang="en-US" b="0" i="0" dirty="0">
+                <a:solidFill>
+                  <a:schemeClr val="bg1"/>
+                </a:solidFill>
+                <a:effectLst/>
+                <a:latin typeface="-apple-system"/>
+              </a:rPr>
+              <a:t>Tversky loss and Focal loss are used here. Total loss = Focal Loss + Tversky Loss</a:t>
+            </a:r>
+          </a:p>
+          <a:p>
+            <a:pPr marL="285750" indent="-285750">
+              <a:buFont typeface="Arial" panose="020B0604020202020204" pitchFamily="34" charset="0"/>
+              <a:buChar char="•"/>
+            </a:pPr>
+            <a:endParaRPr lang="en-US" dirty="0">
+              <a:solidFill>
+                <a:schemeClr val="bg1"/>
+              </a:solidFill>
+              <a:latin typeface="-apple-system"/>
+            </a:endParaRPr>
+          </a:p>
+          <a:p>
+            <a:pPr marL="285750" indent="-285750">
+              <a:buFont typeface="Arial" panose="020B0604020202020204" pitchFamily="34" charset="0"/>
+              <a:buChar char="•"/>
+            </a:pPr>
+            <a:endParaRPr lang="en-US" b="0" i="0" dirty="0">
+              <a:solidFill>
+                <a:schemeClr val="bg1"/>
+              </a:solidFill>
+              <a:effectLst/>
+              <a:latin typeface="-apple-system"/>
+            </a:endParaRPr>
+          </a:p>
+        </p:txBody>
+      </p:sp>
+      <p:pic>
+        <p:nvPicPr>
+          <p:cNvPr id="8" name="Picture 7">
+            <a:extLst>
+              <a:ext uri="{FF2B5EF4-FFF2-40B4-BE49-F238E27FC236}">
+                <a16:creationId xmlns:a16="http://schemas.microsoft.com/office/drawing/2014/main" id="{CE185196-544D-2DDF-5875-E621E87F0DA7}"/>
+              </a:ext>
+            </a:extLst>
+          </p:cNvPr>
+          <p:cNvPicPr>
+            <a:picLocks noChangeAspect="1"/>
+          </p:cNvPicPr>
+          <p:nvPr/>
+        </p:nvPicPr>
+        <p:blipFill>
+          <a:blip r:embed="rId2"/>
+          <a:stretch>
+            <a:fillRect/>
+          </a:stretch>
+        </p:blipFill>
+        <p:spPr>
+          <a:xfrm>
+            <a:off x="3480070" y="2708755"/>
+            <a:ext cx="3878916" cy="3055885"/>
+          </a:xfrm>
+          <a:prstGeom prst="rect">
+            <a:avLst/>
+          </a:prstGeom>
+        </p:spPr>
+      </p:pic>
     </p:spTree>
     <p:extLst>
       <p:ext uri="{BB962C8B-B14F-4D97-AF65-F5344CB8AC3E}">
-        <p14:creationId xmlns:p14="http://schemas.microsoft.com/office/powerpoint/2010/main" val="3622761875"/>
+        <p14:creationId xmlns:p14="http://schemas.microsoft.com/office/powerpoint/2010/main" val="918167899"/>
       </p:ext>
     </p:extLst>
   </p:cSld>
@@ -10812,10 +7673,10 @@
       </p:grpSpPr>
       <p:sp>
         <p:nvSpPr>
-          <p:cNvPr id="7" name="Title 6">
-            <a:extLst>
-              <a:ext uri="{FF2B5EF4-FFF2-40B4-BE49-F238E27FC236}">
-                <a16:creationId xmlns:a16="http://schemas.microsoft.com/office/drawing/2014/main" id="{A3DC4DCC-46DD-4ED5-93DF-7D5D252BFF95}"/>
+          <p:cNvPr id="2" name="Title 1">
+            <a:extLst>
+              <a:ext uri="{FF2B5EF4-FFF2-40B4-BE49-F238E27FC236}">
+                <a16:creationId xmlns:a16="http://schemas.microsoft.com/office/drawing/2014/main" id="{B2A49BF9-BE3A-8444-BD4C-97AF8ABBD74E}"/>
               </a:ext>
             </a:extLst>
           </p:cNvPr>
@@ -10833,137 +7694,28 @@
           <a:p>
             <a:r>
               <a:rPr lang="en-US" dirty="0"/>
-              <a:t>“</a:t>
-            </a:r>
-          </a:p>
-        </p:txBody>
-      </p:sp>
-      <p:sp>
-        <p:nvSpPr>
-          <p:cNvPr id="2" name="Text Placeholder 1">
-            <a:extLst>
-              <a:ext uri="{FF2B5EF4-FFF2-40B4-BE49-F238E27FC236}">
-                <a16:creationId xmlns:a16="http://schemas.microsoft.com/office/drawing/2014/main" id="{EDC35020-811A-6347-8ACA-87D6CC930F63}"/>
-              </a:ext>
-            </a:extLst>
-          </p:cNvPr>
-          <p:cNvSpPr>
-            <a:spLocks noGrp="1"/>
-          </p:cNvSpPr>
-          <p:nvPr>
-            <p:ph type="body" sz="quarter" idx="10"/>
+              <a:t>Experiments</a:t>
+            </a:r>
+          </a:p>
+        </p:txBody>
+      </p:sp>
+      <p:sp>
+        <p:nvSpPr>
+          <p:cNvPr id="7" name="Slide Number Placeholder 6">
+            <a:extLst>
+              <a:ext uri="{FF2B5EF4-FFF2-40B4-BE49-F238E27FC236}">
+                <a16:creationId xmlns:a16="http://schemas.microsoft.com/office/drawing/2014/main" id="{F3B054C5-D38D-4250-8FB9-1381546143D5}"/>
+              </a:ext>
+            </a:extLst>
+          </p:cNvPr>
+          <p:cNvSpPr>
+            <a:spLocks noGrp="1"/>
+          </p:cNvSpPr>
+          <p:nvPr>
+            <p:ph type="sldNum" sz="quarter" idx="14"/>
           </p:nvPr>
         </p:nvSpPr>
         <p:spPr/>
-        <p:txBody>
-          <a:bodyPr/>
-          <a:lstStyle/>
-          <a:p>
-            <a:r>
-              <a:rPr lang="en-US" dirty="0"/>
-              <a:t>Contoso was great to work with. Patrice was my representative and she anticipated my needs and worked diligently to fix my issue.</a:t>
-            </a:r>
-          </a:p>
-        </p:txBody>
-      </p:sp>
-      <p:sp>
-        <p:nvSpPr>
-          <p:cNvPr id="3" name="Date Placeholder 2">
-            <a:extLst>
-              <a:ext uri="{FF2B5EF4-FFF2-40B4-BE49-F238E27FC236}">
-                <a16:creationId xmlns:a16="http://schemas.microsoft.com/office/drawing/2014/main" id="{3018A7AB-44FC-4541-8111-0B78B1D74904}"/>
-              </a:ext>
-            </a:extLst>
-          </p:cNvPr>
-          <p:cNvSpPr>
-            <a:spLocks noGrp="1"/>
-          </p:cNvSpPr>
-          <p:nvPr>
-            <p:ph type="dt" sz="half" idx="11"/>
-          </p:nvPr>
-        </p:nvSpPr>
-        <p:spPr>
-          <a:xfrm>
-            <a:off x="9830818" y="6292334"/>
-            <a:ext cx="1522982" cy="182880"/>
-          </a:xfrm>
-        </p:spPr>
-        <p:txBody>
-          <a:bodyPr/>
-          <a:lstStyle/>
-          <a:p>
-            <a:r>
-              <a:rPr lang="en-US"/>
-              <a:t>September 3, 20XX </a:t>
-            </a:r>
-            <a:endParaRPr lang="en-US" dirty="0"/>
-          </a:p>
-        </p:txBody>
-      </p:sp>
-      <p:sp>
-        <p:nvSpPr>
-          <p:cNvPr id="4" name="Footer Placeholder 3">
-            <a:extLst>
-              <a:ext uri="{FF2B5EF4-FFF2-40B4-BE49-F238E27FC236}">
-                <a16:creationId xmlns:a16="http://schemas.microsoft.com/office/drawing/2014/main" id="{9237C169-F2B5-4068-A5B4-805706D81579}"/>
-              </a:ext>
-            </a:extLst>
-          </p:cNvPr>
-          <p:cNvSpPr>
-            <a:spLocks noGrp="1"/>
-          </p:cNvSpPr>
-          <p:nvPr>
-            <p:ph type="ftr" sz="quarter" idx="12"/>
-          </p:nvPr>
-        </p:nvSpPr>
-        <p:spPr>
-          <a:xfrm>
-            <a:off x="8298180" y="6294120"/>
-            <a:ext cx="1462788" cy="182880"/>
-          </a:xfrm>
-        </p:spPr>
-        <p:txBody>
-          <a:bodyPr/>
-          <a:lstStyle/>
-          <a:p>
-            <a:r>
-              <a:rPr lang="en-US">
-                <a:solidFill>
-                  <a:schemeClr val="bg1"/>
-                </a:solidFill>
-              </a:rPr>
-              <a:t>Annual Review</a:t>
-            </a:r>
-            <a:endParaRPr lang="en-US" dirty="0">
-              <a:solidFill>
-                <a:schemeClr val="bg1"/>
-              </a:solidFill>
-            </a:endParaRPr>
-          </a:p>
-        </p:txBody>
-      </p:sp>
-      <p:sp>
-        <p:nvSpPr>
-          <p:cNvPr id="5" name="Slide Number Placeholder 4">
-            <a:extLst>
-              <a:ext uri="{FF2B5EF4-FFF2-40B4-BE49-F238E27FC236}">
-                <a16:creationId xmlns:a16="http://schemas.microsoft.com/office/drawing/2014/main" id="{5978C4B2-02EF-4CCF-8822-E0B9DF4345B4}"/>
-              </a:ext>
-            </a:extLst>
-          </p:cNvPr>
-          <p:cNvSpPr>
-            <a:spLocks noGrp="1"/>
-          </p:cNvSpPr>
-          <p:nvPr>
-            <p:ph type="sldNum" sz="quarter" idx="13"/>
-          </p:nvPr>
-        </p:nvSpPr>
-        <p:spPr>
-          <a:xfrm>
-            <a:off x="11493500" y="6292334"/>
-            <a:ext cx="412750" cy="182880"/>
-          </a:xfrm>
-        </p:spPr>
         <p:txBody>
           <a:bodyPr/>
           <a:lstStyle/>
@@ -10977,10 +7729,206 @@
           </a:p>
         </p:txBody>
       </p:sp>
+      <p:sp>
+        <p:nvSpPr>
+          <p:cNvPr id="12" name="TextBox 11">
+            <a:extLst>
+              <a:ext uri="{FF2B5EF4-FFF2-40B4-BE49-F238E27FC236}">
+                <a16:creationId xmlns:a16="http://schemas.microsoft.com/office/drawing/2014/main" id="{1D96ADEC-9A8A-2EE5-2062-29E8DFB3E024}"/>
+              </a:ext>
+            </a:extLst>
+          </p:cNvPr>
+          <p:cNvSpPr txBox="1"/>
+          <p:nvPr/>
+        </p:nvSpPr>
+        <p:spPr>
+          <a:xfrm>
+            <a:off x="914400" y="2149813"/>
+            <a:ext cx="10223770" cy="3693319"/>
+          </a:xfrm>
+          <a:prstGeom prst="rect">
+            <a:avLst/>
+          </a:prstGeom>
+          <a:noFill/>
+        </p:spPr>
+        <p:txBody>
+          <a:bodyPr wrap="square" rtlCol="0">
+            <a:spAutoFit/>
+          </a:bodyPr>
+          <a:lstStyle/>
+          <a:p>
+            <a:pPr marL="285750" indent="-285750">
+              <a:buFont typeface="Arial" panose="020B0604020202020204" pitchFamily="34" charset="0"/>
+              <a:buChar char="•"/>
+            </a:pPr>
+            <a:r>
+              <a:rPr lang="en-US" dirty="0">
+                <a:solidFill>
+                  <a:schemeClr val="bg1"/>
+                </a:solidFill>
+              </a:rPr>
+              <a:t>Number of Epochs: 8</a:t>
+            </a:r>
+          </a:p>
+          <a:p>
+            <a:pPr marL="285750" indent="-285750">
+              <a:buFont typeface="Arial" panose="020B0604020202020204" pitchFamily="34" charset="0"/>
+              <a:buChar char="•"/>
+            </a:pPr>
+            <a:r>
+              <a:rPr lang="en-US" dirty="0">
+                <a:solidFill>
+                  <a:schemeClr val="bg1"/>
+                </a:solidFill>
+              </a:rPr>
+              <a:t>Learning Rate:</a:t>
+            </a:r>
+          </a:p>
+          <a:p>
+            <a:pPr marL="742950" lvl="1" indent="-285750">
+              <a:buFont typeface="Arial" panose="020B0604020202020204" pitchFamily="34" charset="0"/>
+              <a:buChar char="•"/>
+            </a:pPr>
+            <a:r>
+              <a:rPr lang="en-US" dirty="0">
+                <a:solidFill>
+                  <a:schemeClr val="bg1"/>
+                </a:solidFill>
+              </a:rPr>
+              <a:t>Initial Learning Rate: 5e-4</a:t>
+            </a:r>
+          </a:p>
+          <a:p>
+            <a:pPr marL="742950" lvl="1" indent="-285750">
+              <a:buFont typeface="Arial" panose="020B0604020202020204" pitchFamily="34" charset="0"/>
+              <a:buChar char="•"/>
+            </a:pPr>
+            <a:r>
+              <a:rPr lang="en-US" dirty="0">
+                <a:solidFill>
+                  <a:schemeClr val="bg1"/>
+                </a:solidFill>
+              </a:rPr>
+              <a:t>A polynomial Learning Rate Scheduler is used to dynamically decreases the learning rate across the epochs</a:t>
+            </a:r>
+          </a:p>
+          <a:p>
+            <a:pPr marL="285750" indent="-285750">
+              <a:buFont typeface="Arial" panose="020B0604020202020204" pitchFamily="34" charset="0"/>
+              <a:buChar char="•"/>
+            </a:pPr>
+            <a:r>
+              <a:rPr lang="en-US" dirty="0">
+                <a:solidFill>
+                  <a:schemeClr val="bg1"/>
+                </a:solidFill>
+              </a:rPr>
+              <a:t>Optimization Algorithm: Adam Optimizer</a:t>
+            </a:r>
+          </a:p>
+          <a:p>
+            <a:pPr marL="285750" indent="-285750">
+              <a:buFont typeface="Arial" panose="020B0604020202020204" pitchFamily="34" charset="0"/>
+              <a:buChar char="•"/>
+            </a:pPr>
+            <a:r>
+              <a:rPr lang="en-US" dirty="0">
+                <a:solidFill>
+                  <a:schemeClr val="bg1"/>
+                </a:solidFill>
+              </a:rPr>
+              <a:t>Learning Rate Decay: 5e-4</a:t>
+            </a:r>
+          </a:p>
+          <a:p>
+            <a:pPr marL="285750" indent="-285750">
+              <a:buFont typeface="Arial" panose="020B0604020202020204" pitchFamily="34" charset="0"/>
+              <a:buChar char="•"/>
+            </a:pPr>
+            <a:r>
+              <a:rPr lang="en-US" dirty="0">
+                <a:solidFill>
+                  <a:schemeClr val="bg1"/>
+                </a:solidFill>
+              </a:rPr>
+              <a:t>Hyper-Parameter Search:</a:t>
+            </a:r>
+          </a:p>
+          <a:p>
+            <a:pPr marL="742950" lvl="1" indent="-285750">
+              <a:buFont typeface="Arial" panose="020B0604020202020204" pitchFamily="34" charset="0"/>
+              <a:buChar char="•"/>
+            </a:pPr>
+            <a:r>
+              <a:rPr lang="en-US" dirty="0">
+                <a:solidFill>
+                  <a:schemeClr val="bg1"/>
+                </a:solidFill>
+              </a:rPr>
+              <a:t>Higher epochs(15 Epochs were tested initially) results in increase in validation loss. Hence 8 is chosen.</a:t>
+            </a:r>
+          </a:p>
+          <a:p>
+            <a:pPr marL="285750" indent="-285750">
+              <a:buFont typeface="Arial" panose="020B0604020202020204" pitchFamily="34" charset="0"/>
+              <a:buChar char="•"/>
+            </a:pPr>
+            <a:r>
+              <a:rPr lang="en-US" dirty="0">
+                <a:solidFill>
+                  <a:schemeClr val="bg1"/>
+                </a:solidFill>
+              </a:rPr>
+              <a:t>Performance Metric:</a:t>
+            </a:r>
+          </a:p>
+          <a:p>
+            <a:pPr marL="742950" lvl="1" indent="-285750">
+              <a:buFont typeface="Arial" panose="020B0604020202020204" pitchFamily="34" charset="0"/>
+              <a:buChar char="•"/>
+            </a:pPr>
+            <a:r>
+              <a:rPr lang="en-US" dirty="0">
+                <a:solidFill>
+                  <a:schemeClr val="bg1"/>
+                </a:solidFill>
+              </a:rPr>
+              <a:t>Pixel Accuracy, </a:t>
+            </a:r>
+            <a:r>
+              <a:rPr lang="en-US" dirty="0" err="1">
+                <a:solidFill>
+                  <a:schemeClr val="bg1"/>
+                </a:solidFill>
+              </a:rPr>
+              <a:t>IoU</a:t>
+            </a:r>
+            <a:r>
+              <a:rPr lang="en-US" dirty="0">
+                <a:solidFill>
+                  <a:schemeClr val="bg1"/>
+                </a:solidFill>
+              </a:rPr>
+              <a:t>(Intersection over Union)</a:t>
+            </a:r>
+          </a:p>
+          <a:p>
+            <a:pPr marL="742950" lvl="1" indent="-285750">
+              <a:buFont typeface="Arial" panose="020B0604020202020204" pitchFamily="34" charset="0"/>
+              <a:buChar char="•"/>
+            </a:pPr>
+            <a:endParaRPr lang="en-US" dirty="0">
+              <a:solidFill>
+                <a:schemeClr val="bg1"/>
+              </a:solidFill>
+            </a:endParaRPr>
+          </a:p>
+        </p:txBody>
+      </p:sp>
     </p:spTree>
     <p:extLst>
       <p:ext uri="{BB962C8B-B14F-4D97-AF65-F5344CB8AC3E}">
-        <p14:creationId xmlns:p14="http://schemas.microsoft.com/office/powerpoint/2010/main" val="3398884788"/>
+        <p14:creationId xmlns:p14="http://schemas.microsoft.com/office/powerpoint/2010/main" val="1696792912"/>
       </p:ext>
     </p:extLst>
   </p:cSld>
@@ -11009,10 +7957,10 @@
       </p:grpSpPr>
       <p:sp>
         <p:nvSpPr>
-          <p:cNvPr id="42" name="Title 41">
-            <a:extLst>
-              <a:ext uri="{FF2B5EF4-FFF2-40B4-BE49-F238E27FC236}">
-                <a16:creationId xmlns:a16="http://schemas.microsoft.com/office/drawing/2014/main" id="{0A330894-D0C4-D546-8FD0-57BDEB2A0285}"/>
+          <p:cNvPr id="2" name="Title 1">
+            <a:extLst>
+              <a:ext uri="{FF2B5EF4-FFF2-40B4-BE49-F238E27FC236}">
+                <a16:creationId xmlns:a16="http://schemas.microsoft.com/office/drawing/2014/main" id="{B2A49BF9-BE3A-8444-BD4C-97AF8ABBD74E}"/>
               </a:ext>
             </a:extLst>
           </p:cNvPr>
@@ -11030,459 +7978,28 @@
           <a:p>
             <a:r>
               <a:rPr lang="en-US" dirty="0"/>
-              <a:t>Our team</a:t>
-            </a:r>
-          </a:p>
-        </p:txBody>
-      </p:sp>
-      <p:pic>
-        <p:nvPicPr>
-          <p:cNvPr id="57" name="Picture Placeholder 56" descr="Portrait of a team member&#10;">
-            <a:extLst>
-              <a:ext uri="{FF2B5EF4-FFF2-40B4-BE49-F238E27FC236}">
-                <a16:creationId xmlns:a16="http://schemas.microsoft.com/office/drawing/2014/main" id="{F23F0BAD-B476-4660-9685-F7750B881614}"/>
-              </a:ext>
-            </a:extLst>
-          </p:cNvPr>
-          <p:cNvPicPr>
-            <a:picLocks noGrp="1" noChangeAspect="1"/>
-          </p:cNvPicPr>
-          <p:nvPr>
-            <p:ph type="pic" sz="quarter" idx="18"/>
-          </p:nvPr>
-        </p:nvPicPr>
-        <p:blipFill>
-          <a:blip r:embed="rId2">
-            <a:extLst>
-              <a:ext uri="{28A0092B-C50C-407E-A947-70E740481C1C}">
-                <a14:useLocalDpi xmlns:a14="http://schemas.microsoft.com/office/drawing/2010/main" val="0"/>
-              </a:ext>
-            </a:extLst>
-          </a:blip>
-          <a:srcRect/>
-          <a:stretch>
-            <a:fillRect/>
-          </a:stretch>
-        </p:blipFill>
+              <a:t>Experiments</a:t>
+            </a:r>
+          </a:p>
+        </p:txBody>
+      </p:sp>
+      <p:sp>
+        <p:nvSpPr>
+          <p:cNvPr id="7" name="Slide Number Placeholder 6">
+            <a:extLst>
+              <a:ext uri="{FF2B5EF4-FFF2-40B4-BE49-F238E27FC236}">
+                <a16:creationId xmlns:a16="http://schemas.microsoft.com/office/drawing/2014/main" id="{F3B054C5-D38D-4250-8FB9-1381546143D5}"/>
+              </a:ext>
+            </a:extLst>
+          </p:cNvPr>
+          <p:cNvSpPr>
+            <a:spLocks noGrp="1"/>
+          </p:cNvSpPr>
+          <p:nvPr>
+            <p:ph type="sldNum" sz="quarter" idx="14"/>
+          </p:nvPr>
+        </p:nvSpPr>
         <p:spPr/>
-      </p:pic>
-      <p:sp>
-        <p:nvSpPr>
-          <p:cNvPr id="14" name="Text Placeholder 13">
-            <a:extLst>
-              <a:ext uri="{FF2B5EF4-FFF2-40B4-BE49-F238E27FC236}">
-                <a16:creationId xmlns:a16="http://schemas.microsoft.com/office/drawing/2014/main" id="{F3C7C96A-221C-AE40-93BD-DEE8EB1C21D2}"/>
-              </a:ext>
-            </a:extLst>
-          </p:cNvPr>
-          <p:cNvSpPr>
-            <a:spLocks noGrp="1"/>
-          </p:cNvSpPr>
-          <p:nvPr>
-            <p:ph type="body" sz="quarter" idx="10"/>
-          </p:nvPr>
-        </p:nvSpPr>
-        <p:spPr/>
-        <p:txBody>
-          <a:bodyPr/>
-          <a:lstStyle/>
-          <a:p>
-            <a:r>
-              <a:rPr lang="en-US" dirty="0"/>
-              <a:t>Ana</a:t>
-            </a:r>
-          </a:p>
-        </p:txBody>
-      </p:sp>
-      <p:sp>
-        <p:nvSpPr>
-          <p:cNvPr id="16" name="Text Placeholder 15">
-            <a:extLst>
-              <a:ext uri="{FF2B5EF4-FFF2-40B4-BE49-F238E27FC236}">
-                <a16:creationId xmlns:a16="http://schemas.microsoft.com/office/drawing/2014/main" id="{5FE4141C-4F28-4746-A886-2B483F55A71B}"/>
-              </a:ext>
-            </a:extLst>
-          </p:cNvPr>
-          <p:cNvSpPr>
-            <a:spLocks noGrp="1"/>
-          </p:cNvSpPr>
-          <p:nvPr>
-            <p:ph type="body" sz="quarter" idx="11"/>
-          </p:nvPr>
-        </p:nvSpPr>
-        <p:spPr/>
-        <p:txBody>
-          <a:bodyPr/>
-          <a:lstStyle/>
-          <a:p>
-            <a:r>
-              <a:rPr lang="en-US" dirty="0"/>
-              <a:t>CEO</a:t>
-            </a:r>
-          </a:p>
-        </p:txBody>
-      </p:sp>
-      <p:pic>
-        <p:nvPicPr>
-          <p:cNvPr id="22" name="Picture Placeholder 21" descr="Portrait of a team member&#10;">
-            <a:extLst>
-              <a:ext uri="{FF2B5EF4-FFF2-40B4-BE49-F238E27FC236}">
-                <a16:creationId xmlns:a16="http://schemas.microsoft.com/office/drawing/2014/main" id="{AB73BE7C-B722-5845-8136-4CB57B98DCDD}"/>
-              </a:ext>
-            </a:extLst>
-          </p:cNvPr>
-          <p:cNvPicPr>
-            <a:picLocks noGrp="1" noChangeAspect="1"/>
-          </p:cNvPicPr>
-          <p:nvPr>
-            <p:ph type="pic" sz="quarter" idx="19"/>
-          </p:nvPr>
-        </p:nvPicPr>
-        <p:blipFill>
-          <a:blip r:embed="rId3">
-            <a:grayscl/>
-            <a:extLst>
-              <a:ext uri="{28A0092B-C50C-407E-A947-70E740481C1C}">
-                <a14:useLocalDpi xmlns:a14="http://schemas.microsoft.com/office/drawing/2010/main" val="0"/>
-              </a:ext>
-            </a:extLst>
-          </a:blip>
-          <a:srcRect/>
-          <a:stretch>
-            <a:fillRect/>
-          </a:stretch>
-        </p:blipFill>
-        <p:spPr/>
-      </p:pic>
-      <p:sp>
-        <p:nvSpPr>
-          <p:cNvPr id="5" name="Text Placeholder 4">
-            <a:extLst>
-              <a:ext uri="{FF2B5EF4-FFF2-40B4-BE49-F238E27FC236}">
-                <a16:creationId xmlns:a16="http://schemas.microsoft.com/office/drawing/2014/main" id="{F33C0129-A6FD-0B47-9C25-74B63336F76E}"/>
-              </a:ext>
-            </a:extLst>
-          </p:cNvPr>
-          <p:cNvSpPr>
-            <a:spLocks noGrp="1"/>
-          </p:cNvSpPr>
-          <p:nvPr>
-            <p:ph type="body" sz="quarter" idx="12"/>
-          </p:nvPr>
-        </p:nvSpPr>
-        <p:spPr/>
-        <p:txBody>
-          <a:bodyPr/>
-          <a:lstStyle/>
-          <a:p>
-            <a:r>
-              <a:rPr lang="en-US" dirty="0"/>
-              <a:t>Larissa</a:t>
-            </a:r>
-          </a:p>
-        </p:txBody>
-      </p:sp>
-      <p:sp>
-        <p:nvSpPr>
-          <p:cNvPr id="6" name="Text Placeholder 5">
-            <a:extLst>
-              <a:ext uri="{FF2B5EF4-FFF2-40B4-BE49-F238E27FC236}">
-                <a16:creationId xmlns:a16="http://schemas.microsoft.com/office/drawing/2014/main" id="{519DFF59-D000-6C48-B03D-6D023F1632A8}"/>
-              </a:ext>
-            </a:extLst>
-          </p:cNvPr>
-          <p:cNvSpPr>
-            <a:spLocks noGrp="1"/>
-          </p:cNvSpPr>
-          <p:nvPr>
-            <p:ph type="body" sz="quarter" idx="13"/>
-          </p:nvPr>
-        </p:nvSpPr>
-        <p:spPr/>
-        <p:txBody>
-          <a:bodyPr/>
-          <a:lstStyle/>
-          <a:p>
-            <a:r>
-              <a:rPr lang="en-US" dirty="0"/>
-              <a:t>CFO</a:t>
-            </a:r>
-          </a:p>
-        </p:txBody>
-      </p:sp>
-      <p:pic>
-        <p:nvPicPr>
-          <p:cNvPr id="61" name="Picture Placeholder 60" descr="Portrait of a team member&#10;">
-            <a:extLst>
-              <a:ext uri="{FF2B5EF4-FFF2-40B4-BE49-F238E27FC236}">
-                <a16:creationId xmlns:a16="http://schemas.microsoft.com/office/drawing/2014/main" id="{6226F6DE-906E-4EBB-9268-D156A7441E46}"/>
-              </a:ext>
-            </a:extLst>
-          </p:cNvPr>
-          <p:cNvPicPr>
-            <a:picLocks noGrp="1" noChangeAspect="1"/>
-          </p:cNvPicPr>
-          <p:nvPr>
-            <p:ph type="pic" sz="quarter" idx="20"/>
-          </p:nvPr>
-        </p:nvPicPr>
-        <p:blipFill>
-          <a:blip r:embed="rId4">
-            <a:extLst>
-              <a:ext uri="{28A0092B-C50C-407E-A947-70E740481C1C}">
-                <a14:useLocalDpi xmlns:a14="http://schemas.microsoft.com/office/drawing/2010/main" val="0"/>
-              </a:ext>
-            </a:extLst>
-          </a:blip>
-          <a:srcRect/>
-          <a:stretch>
-            <a:fillRect/>
-          </a:stretch>
-        </p:blipFill>
-        <p:spPr/>
-      </p:pic>
-      <p:sp>
-        <p:nvSpPr>
-          <p:cNvPr id="7" name="Text Placeholder 6">
-            <a:extLst>
-              <a:ext uri="{FF2B5EF4-FFF2-40B4-BE49-F238E27FC236}">
-                <a16:creationId xmlns:a16="http://schemas.microsoft.com/office/drawing/2014/main" id="{2BF7C473-B533-F247-A897-1EBD503D856A}"/>
-              </a:ext>
-            </a:extLst>
-          </p:cNvPr>
-          <p:cNvSpPr>
-            <a:spLocks noGrp="1"/>
-          </p:cNvSpPr>
-          <p:nvPr>
-            <p:ph type="body" sz="quarter" idx="14"/>
-          </p:nvPr>
-        </p:nvSpPr>
-        <p:spPr/>
-        <p:txBody>
-          <a:bodyPr/>
-          <a:lstStyle/>
-          <a:p>
-            <a:r>
-              <a:rPr lang="en-US" dirty="0"/>
-              <a:t>Roman</a:t>
-            </a:r>
-          </a:p>
-        </p:txBody>
-      </p:sp>
-      <p:sp>
-        <p:nvSpPr>
-          <p:cNvPr id="8" name="Text Placeholder 7">
-            <a:extLst>
-              <a:ext uri="{FF2B5EF4-FFF2-40B4-BE49-F238E27FC236}">
-                <a16:creationId xmlns:a16="http://schemas.microsoft.com/office/drawing/2014/main" id="{3B548B63-DB02-4046-9639-FE28DE30CBB4}"/>
-              </a:ext>
-            </a:extLst>
-          </p:cNvPr>
-          <p:cNvSpPr>
-            <a:spLocks noGrp="1"/>
-          </p:cNvSpPr>
-          <p:nvPr>
-            <p:ph type="body" sz="quarter" idx="15"/>
-          </p:nvPr>
-        </p:nvSpPr>
-        <p:spPr/>
-        <p:txBody>
-          <a:bodyPr/>
-          <a:lstStyle/>
-          <a:p>
-            <a:r>
-              <a:rPr lang="en-US" dirty="0"/>
-              <a:t>CTO</a:t>
-            </a:r>
-          </a:p>
-        </p:txBody>
-      </p:sp>
-      <p:pic>
-        <p:nvPicPr>
-          <p:cNvPr id="38" name="Picture Placeholder 37" descr="Portrait of a team member&#10;&#10;">
-            <a:extLst>
-              <a:ext uri="{FF2B5EF4-FFF2-40B4-BE49-F238E27FC236}">
-                <a16:creationId xmlns:a16="http://schemas.microsoft.com/office/drawing/2014/main" id="{8C59E9EF-53DD-8D4A-9195-140F92AD8C6C}"/>
-              </a:ext>
-            </a:extLst>
-          </p:cNvPr>
-          <p:cNvPicPr>
-            <a:picLocks noGrp="1" noChangeAspect="1"/>
-          </p:cNvPicPr>
-          <p:nvPr>
-            <p:ph type="pic" sz="quarter" idx="21"/>
-          </p:nvPr>
-        </p:nvPicPr>
-        <p:blipFill>
-          <a:blip r:embed="rId5">
-            <a:grayscl/>
-            <a:extLst>
-              <a:ext uri="{28A0092B-C50C-407E-A947-70E740481C1C}">
-                <a14:useLocalDpi xmlns:a14="http://schemas.microsoft.com/office/drawing/2010/main" val="0"/>
-              </a:ext>
-            </a:extLst>
-          </a:blip>
-          <a:srcRect/>
-          <a:stretch>
-            <a:fillRect/>
-          </a:stretch>
-        </p:blipFill>
-        <p:spPr/>
-      </p:pic>
-      <p:sp>
-        <p:nvSpPr>
-          <p:cNvPr id="9" name="Text Placeholder 8">
-            <a:extLst>
-              <a:ext uri="{FF2B5EF4-FFF2-40B4-BE49-F238E27FC236}">
-                <a16:creationId xmlns:a16="http://schemas.microsoft.com/office/drawing/2014/main" id="{67B8AFFA-EDA9-784D-A704-94BB4AFB5E5D}"/>
-              </a:ext>
-            </a:extLst>
-          </p:cNvPr>
-          <p:cNvSpPr>
-            <a:spLocks noGrp="1"/>
-          </p:cNvSpPr>
-          <p:nvPr>
-            <p:ph type="body" sz="quarter" idx="16"/>
-          </p:nvPr>
-        </p:nvSpPr>
-        <p:spPr/>
-        <p:txBody>
-          <a:bodyPr/>
-          <a:lstStyle/>
-          <a:p>
-            <a:r>
-              <a:rPr lang="en-US" dirty="0"/>
-              <a:t>Federico</a:t>
-            </a:r>
-          </a:p>
-        </p:txBody>
-      </p:sp>
-      <p:sp>
-        <p:nvSpPr>
-          <p:cNvPr id="10" name="Text Placeholder 9">
-            <a:extLst>
-              <a:ext uri="{FF2B5EF4-FFF2-40B4-BE49-F238E27FC236}">
-                <a16:creationId xmlns:a16="http://schemas.microsoft.com/office/drawing/2014/main" id="{D6F61109-690A-F74B-A4AF-784DE1816E54}"/>
-              </a:ext>
-            </a:extLst>
-          </p:cNvPr>
-          <p:cNvSpPr>
-            <a:spLocks noGrp="1"/>
-          </p:cNvSpPr>
-          <p:nvPr>
-            <p:ph type="body" sz="quarter" idx="17"/>
-          </p:nvPr>
-        </p:nvSpPr>
-        <p:spPr/>
-        <p:txBody>
-          <a:bodyPr/>
-          <a:lstStyle/>
-          <a:p>
-            <a:r>
-              <a:rPr lang="en-US" dirty="0"/>
-              <a:t>COO</a:t>
-            </a:r>
-          </a:p>
-        </p:txBody>
-      </p:sp>
-      <p:sp>
-        <p:nvSpPr>
-          <p:cNvPr id="2" name="Date Placeholder 1">
-            <a:extLst>
-              <a:ext uri="{FF2B5EF4-FFF2-40B4-BE49-F238E27FC236}">
-                <a16:creationId xmlns:a16="http://schemas.microsoft.com/office/drawing/2014/main" id="{677DA105-072F-49AA-B6E5-F2D3975D489E}"/>
-              </a:ext>
-            </a:extLst>
-          </p:cNvPr>
-          <p:cNvSpPr>
-            <a:spLocks noGrp="1"/>
-          </p:cNvSpPr>
-          <p:nvPr>
-            <p:ph type="dt" sz="half" idx="22"/>
-          </p:nvPr>
-        </p:nvSpPr>
-        <p:spPr>
-          <a:xfrm>
-            <a:off x="9830818" y="6292334"/>
-            <a:ext cx="1522982" cy="182880"/>
-          </a:xfrm>
-        </p:spPr>
-        <p:txBody>
-          <a:bodyPr/>
-          <a:lstStyle/>
-          <a:p>
-            <a:r>
-              <a:rPr lang="en-US"/>
-              <a:t>September 3, 20XX </a:t>
-            </a:r>
-            <a:endParaRPr lang="en-US" dirty="0"/>
-          </a:p>
-        </p:txBody>
-      </p:sp>
-      <p:sp>
-        <p:nvSpPr>
-          <p:cNvPr id="3" name="Footer Placeholder 2">
-            <a:extLst>
-              <a:ext uri="{FF2B5EF4-FFF2-40B4-BE49-F238E27FC236}">
-                <a16:creationId xmlns:a16="http://schemas.microsoft.com/office/drawing/2014/main" id="{994758E9-C1B5-4D69-B912-35A2A1CB68FA}"/>
-              </a:ext>
-            </a:extLst>
-          </p:cNvPr>
-          <p:cNvSpPr>
-            <a:spLocks noGrp="1"/>
-          </p:cNvSpPr>
-          <p:nvPr>
-            <p:ph type="ftr" sz="quarter" idx="23"/>
-          </p:nvPr>
-        </p:nvSpPr>
-        <p:spPr>
-          <a:xfrm>
-            <a:off x="8298180" y="6294120"/>
-            <a:ext cx="1462788" cy="182880"/>
-          </a:xfrm>
-        </p:spPr>
-        <p:txBody>
-          <a:bodyPr/>
-          <a:lstStyle/>
-          <a:p>
-            <a:r>
-              <a:rPr lang="en-US">
-                <a:solidFill>
-                  <a:schemeClr val="bg1"/>
-                </a:solidFill>
-              </a:rPr>
-              <a:t>Annual Review</a:t>
-            </a:r>
-            <a:endParaRPr lang="en-US" dirty="0">
-              <a:solidFill>
-                <a:schemeClr val="bg1"/>
-              </a:solidFill>
-            </a:endParaRPr>
-          </a:p>
-        </p:txBody>
-      </p:sp>
-      <p:sp>
-        <p:nvSpPr>
-          <p:cNvPr id="4" name="Slide Number Placeholder 3">
-            <a:extLst>
-              <a:ext uri="{FF2B5EF4-FFF2-40B4-BE49-F238E27FC236}">
-                <a16:creationId xmlns:a16="http://schemas.microsoft.com/office/drawing/2014/main" id="{71D6E789-A9CA-435C-99DB-6EAF638305E4}"/>
-              </a:ext>
-            </a:extLst>
-          </p:cNvPr>
-          <p:cNvSpPr>
-            <a:spLocks noGrp="1"/>
-          </p:cNvSpPr>
-          <p:nvPr>
-            <p:ph type="sldNum" sz="quarter" idx="24"/>
-          </p:nvPr>
-        </p:nvSpPr>
-        <p:spPr>
-          <a:xfrm>
-            <a:off x="11493500" y="6292334"/>
-            <a:ext cx="412750" cy="182880"/>
-          </a:xfrm>
-        </p:spPr>
         <p:txBody>
           <a:bodyPr/>
           <a:lstStyle/>
@@ -11496,12 +8013,42 @@
           </a:p>
         </p:txBody>
       </p:sp>
-      <p:sp>
-        <p:nvSpPr>
-          <p:cNvPr id="19" name="TextBox 18">
-            <a:extLst>
-              <a:ext uri="{FF2B5EF4-FFF2-40B4-BE49-F238E27FC236}">
-                <a16:creationId xmlns:a16="http://schemas.microsoft.com/office/drawing/2014/main" id="{AE484A84-E9FD-4392-8F05-987D67B730BE}"/>
+      <p:pic>
+        <p:nvPicPr>
+          <p:cNvPr id="16" name="Picture 15">
+            <a:extLst>
+              <a:ext uri="{FF2B5EF4-FFF2-40B4-BE49-F238E27FC236}">
+                <a16:creationId xmlns:a16="http://schemas.microsoft.com/office/drawing/2014/main" id="{46726E03-D7FA-4B81-8D58-9FAFD3B99F35}"/>
+              </a:ext>
+            </a:extLst>
+          </p:cNvPr>
+          <p:cNvPicPr>
+            <a:picLocks noChangeAspect="1"/>
+          </p:cNvPicPr>
+          <p:nvPr/>
+        </p:nvPicPr>
+        <p:blipFill>
+          <a:blip r:embed="rId2"/>
+          <a:stretch>
+            <a:fillRect/>
+          </a:stretch>
+        </p:blipFill>
+        <p:spPr>
+          <a:xfrm>
+            <a:off x="1028700" y="2626796"/>
+            <a:ext cx="4922947" cy="3665538"/>
+          </a:xfrm>
+          <a:prstGeom prst="rect">
+            <a:avLst/>
+          </a:prstGeom>
+        </p:spPr>
+      </p:pic>
+      <p:sp>
+        <p:nvSpPr>
+          <p:cNvPr id="17" name="TextBox 16">
+            <a:extLst>
+              <a:ext uri="{FF2B5EF4-FFF2-40B4-BE49-F238E27FC236}">
+                <a16:creationId xmlns:a16="http://schemas.microsoft.com/office/drawing/2014/main" id="{6722F1DC-9667-CB11-5386-1A488E718B7A}"/>
               </a:ext>
             </a:extLst>
           </p:cNvPr>
@@ -11510,8 +8057,8 @@
         </p:nvSpPr>
         <p:spPr>
           <a:xfrm>
-            <a:off x="3049621" y="3249198"/>
-            <a:ext cx="6099242" cy="369332"/>
+            <a:off x="1028700" y="2074606"/>
+            <a:ext cx="10209571" cy="461665"/>
           </a:xfrm>
           <a:prstGeom prst="rect">
             <a:avLst/>
@@ -11519,22 +8066,56 @@
           <a:noFill/>
         </p:spPr>
         <p:txBody>
-          <a:bodyPr wrap="square">
+          <a:bodyPr wrap="square" rtlCol="0">
             <a:spAutoFit/>
           </a:bodyPr>
           <a:lstStyle/>
           <a:p>
             <a:r>
-              <a:rPr lang="en-US" dirty="0"/>
-              <a:t>Portrait of a team member</a:t>
-            </a:r>
-          </a:p>
-        </p:txBody>
-      </p:sp>
+              <a:rPr lang="en-US" sz="2400" b="1" dirty="0">
+                <a:solidFill>
+                  <a:schemeClr val="bg1"/>
+                </a:solidFill>
+              </a:rPr>
+              <a:t>Training Loss:				Validation Loss:	</a:t>
+            </a:r>
+          </a:p>
+        </p:txBody>
+      </p:sp>
+      <p:pic>
+        <p:nvPicPr>
+          <p:cNvPr id="19" name="Picture 18">
+            <a:extLst>
+              <a:ext uri="{FF2B5EF4-FFF2-40B4-BE49-F238E27FC236}">
+                <a16:creationId xmlns:a16="http://schemas.microsoft.com/office/drawing/2014/main" id="{85E6544C-1C31-12B8-3DBE-79B3304DB92F}"/>
+              </a:ext>
+            </a:extLst>
+          </p:cNvPr>
+          <p:cNvPicPr>
+            <a:picLocks noChangeAspect="1"/>
+          </p:cNvPicPr>
+          <p:nvPr/>
+        </p:nvPicPr>
+        <p:blipFill>
+          <a:blip r:embed="rId3"/>
+          <a:stretch>
+            <a:fillRect/>
+          </a:stretch>
+        </p:blipFill>
+        <p:spPr>
+          <a:xfrm>
+            <a:off x="6600555" y="2626796"/>
+            <a:ext cx="4984237" cy="3665538"/>
+          </a:xfrm>
+          <a:prstGeom prst="rect">
+            <a:avLst/>
+          </a:prstGeom>
+        </p:spPr>
+      </p:pic>
     </p:spTree>
     <p:extLst>
       <p:ext uri="{BB962C8B-B14F-4D97-AF65-F5344CB8AC3E}">
-        <p14:creationId xmlns:p14="http://schemas.microsoft.com/office/powerpoint/2010/main" val="3285891305"/>
+        <p14:creationId xmlns:p14="http://schemas.microsoft.com/office/powerpoint/2010/main" val="2809524237"/>
       </p:ext>
     </p:extLst>
   </p:cSld>
@@ -11566,7 +8147,7 @@
           <p:cNvPr id="2" name="Title 1">
             <a:extLst>
               <a:ext uri="{FF2B5EF4-FFF2-40B4-BE49-F238E27FC236}">
-                <a16:creationId xmlns:a16="http://schemas.microsoft.com/office/drawing/2014/main" id="{9B291B00-2D81-3048-8AFF-1F5A3E8AA687}"/>
+                <a16:creationId xmlns:a16="http://schemas.microsoft.com/office/drawing/2014/main" id="{B2A49BF9-BE3A-8444-BD4C-97AF8ABBD74E}"/>
               </a:ext>
             </a:extLst>
           </p:cNvPr>
@@ -11577,385 +8158,35 @@
             <p:ph type="title"/>
           </p:nvPr>
         </p:nvSpPr>
-        <p:spPr>
-          <a:xfrm>
-            <a:off x="1028700" y="999068"/>
-            <a:ext cx="7810500" cy="645284"/>
-          </a:xfrm>
-        </p:spPr>
+        <p:spPr/>
         <p:txBody>
           <a:bodyPr/>
           <a:lstStyle/>
           <a:p>
             <a:r>
               <a:rPr lang="en-US" dirty="0"/>
-              <a:t>Timeline</a:t>
-            </a:r>
-          </a:p>
-        </p:txBody>
-      </p:sp>
-      <p:sp>
-        <p:nvSpPr>
-          <p:cNvPr id="3" name="Text Placeholder 2">
-            <a:extLst>
-              <a:ext uri="{FF2B5EF4-FFF2-40B4-BE49-F238E27FC236}">
-                <a16:creationId xmlns:a16="http://schemas.microsoft.com/office/drawing/2014/main" id="{CDA9E950-ECF8-DB4D-B92A-ADA2E6031E26}"/>
-              </a:ext>
-            </a:extLst>
-          </p:cNvPr>
-          <p:cNvSpPr>
-            <a:spLocks noGrp="1"/>
-          </p:cNvSpPr>
-          <p:nvPr>
-            <p:ph type="body" sz="quarter" idx="17"/>
+              <a:t>Experiments</a:t>
+            </a:r>
+          </a:p>
+        </p:txBody>
+      </p:sp>
+      <p:sp>
+        <p:nvSpPr>
+          <p:cNvPr id="7" name="Slide Number Placeholder 6">
+            <a:extLst>
+              <a:ext uri="{FF2B5EF4-FFF2-40B4-BE49-F238E27FC236}">
+                <a16:creationId xmlns:a16="http://schemas.microsoft.com/office/drawing/2014/main" id="{F3B054C5-D38D-4250-8FB9-1381546143D5}"/>
+              </a:ext>
+            </a:extLst>
+          </p:cNvPr>
+          <p:cNvSpPr>
+            <a:spLocks noGrp="1"/>
+          </p:cNvSpPr>
+          <p:nvPr>
+            <p:ph type="sldNum" sz="quarter" idx="14"/>
           </p:nvPr>
         </p:nvSpPr>
         <p:spPr/>
-        <p:txBody>
-          <a:bodyPr/>
-          <a:lstStyle/>
-          <a:p>
-            <a:r>
-              <a:rPr lang="en-US" dirty="0"/>
-              <a:t>Q1. </a:t>
-            </a:r>
-          </a:p>
-          <a:p>
-            <a:r>
-              <a:rPr lang="en-US" b="0" dirty="0"/>
-              <a:t>Jul - Sep</a:t>
-            </a:r>
-          </a:p>
-        </p:txBody>
-      </p:sp>
-      <p:sp>
-        <p:nvSpPr>
-          <p:cNvPr id="18" name="Text Placeholder 17">
-            <a:extLst>
-              <a:ext uri="{FF2B5EF4-FFF2-40B4-BE49-F238E27FC236}">
-                <a16:creationId xmlns:a16="http://schemas.microsoft.com/office/drawing/2014/main" id="{7C4F8DA7-E886-004E-BF5C-57F758638C48}"/>
-              </a:ext>
-            </a:extLst>
-          </p:cNvPr>
-          <p:cNvSpPr>
-            <a:spLocks noGrp="1"/>
-          </p:cNvSpPr>
-          <p:nvPr>
-            <p:ph type="body" sz="quarter" idx="25"/>
-          </p:nvPr>
-        </p:nvSpPr>
-        <p:spPr/>
-        <p:txBody>
-          <a:bodyPr/>
-          <a:lstStyle/>
-          <a:p>
-            <a:r>
-              <a:rPr lang="en-US" dirty="0"/>
-              <a:t>Lorem ipsum dolor sit amet, consectetuer adipiscing elit, sed diam nonummy nibh euismod tincidunt ut laoreet dolore magna.</a:t>
-            </a:r>
-            <a:endParaRPr lang="en-ID" dirty="0"/>
-          </a:p>
-          <a:p>
-            <a:endParaRPr lang="en-US" dirty="0"/>
-          </a:p>
-        </p:txBody>
-      </p:sp>
-      <p:sp>
-        <p:nvSpPr>
-          <p:cNvPr id="9" name="Text Placeholder 8">
-            <a:extLst>
-              <a:ext uri="{FF2B5EF4-FFF2-40B4-BE49-F238E27FC236}">
-                <a16:creationId xmlns:a16="http://schemas.microsoft.com/office/drawing/2014/main" id="{ED8B5779-5EE4-C240-81CC-9E79ABAC8D00}"/>
-              </a:ext>
-            </a:extLst>
-          </p:cNvPr>
-          <p:cNvSpPr>
-            <a:spLocks noGrp="1"/>
-          </p:cNvSpPr>
-          <p:nvPr>
-            <p:ph type="body" sz="quarter" idx="23"/>
-          </p:nvPr>
-        </p:nvSpPr>
-        <p:spPr/>
-        <p:txBody>
-          <a:bodyPr/>
-          <a:lstStyle/>
-          <a:p>
-            <a:r>
-              <a:rPr lang="en-US" dirty="0"/>
-              <a:t>Q1. </a:t>
-            </a:r>
-          </a:p>
-          <a:p>
-            <a:r>
-              <a:rPr lang="en-US" b="0" dirty="0"/>
-              <a:t>Oct - Dec</a:t>
-            </a:r>
-          </a:p>
-        </p:txBody>
-      </p:sp>
-      <p:sp>
-        <p:nvSpPr>
-          <p:cNvPr id="12" name="Text Placeholder 11">
-            <a:extLst>
-              <a:ext uri="{FF2B5EF4-FFF2-40B4-BE49-F238E27FC236}">
-                <a16:creationId xmlns:a16="http://schemas.microsoft.com/office/drawing/2014/main" id="{216523D7-988A-FE42-971D-2667A6578F6F}"/>
-              </a:ext>
-            </a:extLst>
-          </p:cNvPr>
-          <p:cNvSpPr>
-            <a:spLocks noGrp="1"/>
-          </p:cNvSpPr>
-          <p:nvPr>
-            <p:ph type="body" sz="quarter" idx="24"/>
-          </p:nvPr>
-        </p:nvSpPr>
-        <p:spPr/>
-        <p:txBody>
-          <a:bodyPr/>
-          <a:lstStyle/>
-          <a:p>
-            <a:r>
-              <a:rPr lang="en-US" dirty="0"/>
-              <a:t>Lorem ipsum dolor sit amet, consectetuer adipiscing elit, sed diam nonummy nibh euismod tincidunt ut laoreet dolore magna.</a:t>
-            </a:r>
-            <a:endParaRPr lang="en-ID" dirty="0"/>
-          </a:p>
-          <a:p>
-            <a:endParaRPr lang="en-US" dirty="0"/>
-          </a:p>
-        </p:txBody>
-      </p:sp>
-      <p:sp>
-        <p:nvSpPr>
-          <p:cNvPr id="5" name="Text Placeholder 4">
-            <a:extLst>
-              <a:ext uri="{FF2B5EF4-FFF2-40B4-BE49-F238E27FC236}">
-                <a16:creationId xmlns:a16="http://schemas.microsoft.com/office/drawing/2014/main" id="{B193897E-AAA2-CB47-95FF-056B8E141BE5}"/>
-              </a:ext>
-            </a:extLst>
-          </p:cNvPr>
-          <p:cNvSpPr>
-            <a:spLocks noGrp="1"/>
-          </p:cNvSpPr>
-          <p:nvPr>
-            <p:ph type="body" sz="quarter" idx="19"/>
-          </p:nvPr>
-        </p:nvSpPr>
-        <p:spPr/>
-        <p:txBody>
-          <a:bodyPr/>
-          <a:lstStyle/>
-          <a:p>
-            <a:r>
-              <a:rPr lang="en-US" dirty="0"/>
-              <a:t>Q3. </a:t>
-            </a:r>
-          </a:p>
-          <a:p>
-            <a:r>
-              <a:rPr lang="en-US" b="0" dirty="0"/>
-              <a:t>Jan - Mar</a:t>
-            </a:r>
-          </a:p>
-          <a:p>
-            <a:endParaRPr lang="en-US" dirty="0"/>
-          </a:p>
-        </p:txBody>
-      </p:sp>
-      <p:sp>
-        <p:nvSpPr>
-          <p:cNvPr id="16" name="Text Placeholder 15">
-            <a:extLst>
-              <a:ext uri="{FF2B5EF4-FFF2-40B4-BE49-F238E27FC236}">
-                <a16:creationId xmlns:a16="http://schemas.microsoft.com/office/drawing/2014/main" id="{BFEDAFE0-0841-4C49-9745-2C88B5FE85C4}"/>
-              </a:ext>
-            </a:extLst>
-          </p:cNvPr>
-          <p:cNvSpPr>
-            <a:spLocks noGrp="1"/>
-          </p:cNvSpPr>
-          <p:nvPr>
-            <p:ph type="body" sz="quarter" idx="20"/>
-          </p:nvPr>
-        </p:nvSpPr>
-        <p:spPr/>
-        <p:txBody>
-          <a:bodyPr/>
-          <a:lstStyle/>
-          <a:p>
-            <a:r>
-              <a:rPr lang="en-US" dirty="0"/>
-              <a:t>Lorem ipsum dolor sit amet, consectetuer adipiscing elit, sed diam nonummy nibh euismod tincidunt ut laoreet dolore magna.</a:t>
-            </a:r>
-            <a:endParaRPr lang="en-ID" dirty="0"/>
-          </a:p>
-        </p:txBody>
-      </p:sp>
-      <p:sp>
-        <p:nvSpPr>
-          <p:cNvPr id="7" name="Text Placeholder 6">
-            <a:extLst>
-              <a:ext uri="{FF2B5EF4-FFF2-40B4-BE49-F238E27FC236}">
-                <a16:creationId xmlns:a16="http://schemas.microsoft.com/office/drawing/2014/main" id="{1C819DAE-3A0D-A34A-B7D3-A2FC746A68F3}"/>
-              </a:ext>
-            </a:extLst>
-          </p:cNvPr>
-          <p:cNvSpPr>
-            <a:spLocks noGrp="1"/>
-          </p:cNvSpPr>
-          <p:nvPr>
-            <p:ph type="body" sz="quarter" idx="21"/>
-          </p:nvPr>
-        </p:nvSpPr>
-        <p:spPr/>
-        <p:txBody>
-          <a:bodyPr/>
-          <a:lstStyle/>
-          <a:p>
-            <a:r>
-              <a:rPr lang="en-US" dirty="0"/>
-              <a:t>Q4. </a:t>
-            </a:r>
-          </a:p>
-          <a:p>
-            <a:r>
-              <a:rPr lang="en-US" b="0" dirty="0"/>
-              <a:t>Apr - Jun</a:t>
-            </a:r>
-          </a:p>
-        </p:txBody>
-      </p:sp>
-      <p:sp>
-        <p:nvSpPr>
-          <p:cNvPr id="14" name="Text Placeholder 13">
-            <a:extLst>
-              <a:ext uri="{FF2B5EF4-FFF2-40B4-BE49-F238E27FC236}">
-                <a16:creationId xmlns:a16="http://schemas.microsoft.com/office/drawing/2014/main" id="{6EEB083F-87FF-1B43-8027-6134F03DA93B}"/>
-              </a:ext>
-            </a:extLst>
-          </p:cNvPr>
-          <p:cNvSpPr>
-            <a:spLocks noGrp="1"/>
-          </p:cNvSpPr>
-          <p:nvPr>
-            <p:ph type="body" sz="quarter" idx="22"/>
-          </p:nvPr>
-        </p:nvSpPr>
-        <p:spPr/>
-        <p:txBody>
-          <a:bodyPr/>
-          <a:lstStyle/>
-          <a:p>
-            <a:r>
-              <a:rPr lang="en-US" dirty="0"/>
-              <a:t>Lorem ipsum dolor sit amet, consectetuer adipiscing elit, sed diam nonummy nibh euismod tincidunt ut laoreet dolore magna.</a:t>
-            </a:r>
-            <a:endParaRPr lang="en-ID" dirty="0"/>
-          </a:p>
-          <a:p>
-            <a:endParaRPr lang="en-US" dirty="0"/>
-          </a:p>
-        </p:txBody>
-      </p:sp>
-      <p:sp>
-        <p:nvSpPr>
-          <p:cNvPr id="4" name="Date Placeholder 3">
-            <a:extLst>
-              <a:ext uri="{FF2B5EF4-FFF2-40B4-BE49-F238E27FC236}">
-                <a16:creationId xmlns:a16="http://schemas.microsoft.com/office/drawing/2014/main" id="{76586B18-65CD-4C79-A97B-CFF6B4C5FEFB}"/>
-              </a:ext>
-            </a:extLst>
-          </p:cNvPr>
-          <p:cNvSpPr>
-            <a:spLocks noGrp="1"/>
-          </p:cNvSpPr>
-          <p:nvPr>
-            <p:ph type="dt" sz="half" idx="26"/>
-          </p:nvPr>
-        </p:nvSpPr>
-        <p:spPr>
-          <a:xfrm>
-            <a:off x="9830818" y="6292334"/>
-            <a:ext cx="1522982" cy="182880"/>
-          </a:xfrm>
-        </p:spPr>
-        <p:txBody>
-          <a:bodyPr/>
-          <a:lstStyle/>
-          <a:p>
-            <a:r>
-              <a:rPr lang="en-US"/>
-              <a:t>September 3, 20XX </a:t>
-            </a:r>
-            <a:endParaRPr lang="en-US" dirty="0"/>
-          </a:p>
-        </p:txBody>
-      </p:sp>
-      <p:sp>
-        <p:nvSpPr>
-          <p:cNvPr id="6" name="Footer Placeholder 5">
-            <a:extLst>
-              <a:ext uri="{FF2B5EF4-FFF2-40B4-BE49-F238E27FC236}">
-                <a16:creationId xmlns:a16="http://schemas.microsoft.com/office/drawing/2014/main" id="{3073D890-4D0C-440B-A0D2-FE2E3B14F6BF}"/>
-              </a:ext>
-            </a:extLst>
-          </p:cNvPr>
-          <p:cNvSpPr>
-            <a:spLocks noGrp="1"/>
-          </p:cNvSpPr>
-          <p:nvPr>
-            <p:ph type="ftr" sz="quarter" idx="27"/>
-          </p:nvPr>
-        </p:nvSpPr>
-        <p:spPr>
-          <a:xfrm>
-            <a:off x="8298180" y="6294120"/>
-            <a:ext cx="1462788" cy="182880"/>
-          </a:xfrm>
-        </p:spPr>
-        <p:txBody>
-          <a:bodyPr/>
-          <a:lstStyle/>
-          <a:p>
-            <a:r>
-              <a:rPr lang="en-US">
-                <a:solidFill>
-                  <a:schemeClr val="bg1"/>
-                </a:solidFill>
-              </a:rPr>
-              <a:t>Annual Review</a:t>
-            </a:r>
-            <a:endParaRPr lang="en-US" dirty="0">
-              <a:solidFill>
-                <a:schemeClr val="bg1"/>
-              </a:solidFill>
-            </a:endParaRPr>
-          </a:p>
-        </p:txBody>
-      </p:sp>
-      <p:sp>
-        <p:nvSpPr>
-          <p:cNvPr id="8" name="Slide Number Placeholder 7">
-            <a:extLst>
-              <a:ext uri="{FF2B5EF4-FFF2-40B4-BE49-F238E27FC236}">
-                <a16:creationId xmlns:a16="http://schemas.microsoft.com/office/drawing/2014/main" id="{449A274E-39AC-4802-84BB-E5ABF0747E74}"/>
-              </a:ext>
-            </a:extLst>
-          </p:cNvPr>
-          <p:cNvSpPr>
-            <a:spLocks noGrp="1"/>
-          </p:cNvSpPr>
-          <p:nvPr>
-            <p:ph type="sldNum" sz="quarter" idx="28"/>
-          </p:nvPr>
-        </p:nvSpPr>
-        <p:spPr>
-          <a:xfrm>
-            <a:off x="11493500" y="6292334"/>
-            <a:ext cx="412750" cy="182880"/>
-          </a:xfrm>
-        </p:spPr>
         <p:txBody>
           <a:bodyPr/>
           <a:lstStyle/>
@@ -11969,10 +8200,89 @@
           </a:p>
         </p:txBody>
       </p:sp>
+      <p:sp>
+        <p:nvSpPr>
+          <p:cNvPr id="17" name="TextBox 16">
+            <a:extLst>
+              <a:ext uri="{FF2B5EF4-FFF2-40B4-BE49-F238E27FC236}">
+                <a16:creationId xmlns:a16="http://schemas.microsoft.com/office/drawing/2014/main" id="{6722F1DC-9667-CB11-5386-1A488E718B7A}"/>
+              </a:ext>
+            </a:extLst>
+          </p:cNvPr>
+          <p:cNvSpPr txBox="1"/>
+          <p:nvPr/>
+        </p:nvSpPr>
+        <p:spPr>
+          <a:xfrm>
+            <a:off x="1028700" y="2074606"/>
+            <a:ext cx="10209571" cy="830997"/>
+          </a:xfrm>
+          <a:prstGeom prst="rect">
+            <a:avLst/>
+          </a:prstGeom>
+          <a:noFill/>
+        </p:spPr>
+        <p:txBody>
+          <a:bodyPr wrap="square" rtlCol="0">
+            <a:spAutoFit/>
+          </a:bodyPr>
+          <a:lstStyle/>
+          <a:p>
+            <a:r>
+              <a:rPr lang="en-US" sz="2400" b="1" dirty="0">
+                <a:solidFill>
+                  <a:schemeClr val="bg1"/>
+                </a:solidFill>
+              </a:rPr>
+              <a:t>Testing Loss:</a:t>
+            </a:r>
+          </a:p>
+          <a:p>
+            <a:r>
+              <a:rPr lang="en-US" sz="2400" b="1" dirty="0">
+                <a:solidFill>
+                  <a:schemeClr val="bg1"/>
+                </a:solidFill>
+              </a:rPr>
+              <a:t>			</a:t>
+            </a:r>
+          </a:p>
+        </p:txBody>
+      </p:sp>
+      <p:pic>
+        <p:nvPicPr>
+          <p:cNvPr id="21" name="Picture 20">
+            <a:extLst>
+              <a:ext uri="{FF2B5EF4-FFF2-40B4-BE49-F238E27FC236}">
+                <a16:creationId xmlns:a16="http://schemas.microsoft.com/office/drawing/2014/main" id="{31228B43-CED8-7F8E-D29A-723224B37B58}"/>
+              </a:ext>
+            </a:extLst>
+          </p:cNvPr>
+          <p:cNvPicPr>
+            <a:picLocks noChangeAspect="1"/>
+          </p:cNvPicPr>
+          <p:nvPr/>
+        </p:nvPicPr>
+        <p:blipFill>
+          <a:blip r:embed="rId2"/>
+          <a:stretch>
+            <a:fillRect/>
+          </a:stretch>
+        </p:blipFill>
+        <p:spPr>
+          <a:xfrm>
+            <a:off x="1028700" y="2905603"/>
+            <a:ext cx="6000732" cy="1131376"/>
+          </a:xfrm>
+          <a:prstGeom prst="rect">
+            <a:avLst/>
+          </a:prstGeom>
+        </p:spPr>
+      </p:pic>
     </p:spTree>
     <p:extLst>
       <p:ext uri="{BB962C8B-B14F-4D97-AF65-F5344CB8AC3E}">
-        <p14:creationId xmlns:p14="http://schemas.microsoft.com/office/powerpoint/2010/main" val="2381825828"/>
+        <p14:creationId xmlns:p14="http://schemas.microsoft.com/office/powerpoint/2010/main" val="2085400851"/>
       </p:ext>
     </p:extLst>
   </p:cSld>
@@ -12479,12 +8789,12 @@
 </file>
 
 <file path=customXml/item1.xml><?xml version="1.0" encoding="utf-8"?>
-<?mso-contentType ?>
-<FormTemplates xmlns="http://schemas.microsoft.com/sharepoint/v3/contenttype/forms">
-  <Display>DocumentLibraryForm</Display>
-  <Edit>DocumentLibraryForm</Edit>
-  <New>DocumentLibraryForm</New>
-</FormTemplates>
+<p:properties xmlns:p="http://schemas.microsoft.com/office/2006/metadata/properties" xmlns:xsi="http://www.w3.org/2001/XMLSchema-instance" xmlns:pc="http://schemas.microsoft.com/office/infopath/2007/PartnerControls">
+  <documentManagement>
+    <Status xmlns="71af3243-3dd4-4a8d-8c0d-dd76da1f02a5">Not started</Status>
+    <MediaServiceKeyPoints xmlns="71af3243-3dd4-4a8d-8c0d-dd76da1f02a5" xsi:nil="true"/>
+  </documentManagement>
+</p:properties>
 </file>
 
 <file path=customXml/item2.xml><?xml version="1.0" encoding="utf-8"?>
@@ -12709,18 +9019,20 @@
 </file>
 
 <file path=customXml/item3.xml><?xml version="1.0" encoding="utf-8"?>
-<p:properties xmlns:p="http://schemas.microsoft.com/office/2006/metadata/properties" xmlns:xsi="http://www.w3.org/2001/XMLSchema-instance" xmlns:pc="http://schemas.microsoft.com/office/infopath/2007/PartnerControls">
-  <documentManagement>
-    <Status xmlns="71af3243-3dd4-4a8d-8c0d-dd76da1f02a5">Not started</Status>
-    <MediaServiceKeyPoints xmlns="71af3243-3dd4-4a8d-8c0d-dd76da1f02a5" xsi:nil="true"/>
-  </documentManagement>
-</p:properties>
+<?mso-contentType ?>
+<FormTemplates xmlns="http://schemas.microsoft.com/sharepoint/v3/contenttype/forms">
+  <Display>DocumentLibraryForm</Display>
+  <Edit>DocumentLibraryForm</Edit>
+  <New>DocumentLibraryForm</New>
+</FormTemplates>
 </file>
 
 <file path=customXml/itemProps1.xml><?xml version="1.0" encoding="utf-8"?>
-<ds:datastoreItem xmlns:ds="http://schemas.openxmlformats.org/officeDocument/2006/customXml" ds:itemID="{182F651C-E5DA-470F-A6A6-D70E9A5EBFB8}">
+<ds:datastoreItem xmlns:ds="http://schemas.openxmlformats.org/officeDocument/2006/customXml" ds:itemID="{E24273A0-A4DF-47AA-BF1F-8758123399CE}">
   <ds:schemaRefs>
-    <ds:schemaRef ds:uri="http://schemas.microsoft.com/sharepoint/v3/contenttype/forms"/>
+    <ds:schemaRef ds:uri="http://schemas.microsoft.com/office/2006/metadata/properties"/>
+    <ds:schemaRef ds:uri="http://schemas.microsoft.com/office/infopath/2007/PartnerControls"/>
+    <ds:schemaRef ds:uri="71af3243-3dd4-4a8d-8c0d-dd76da1f02a5"/>
   </ds:schemaRefs>
 </ds:datastoreItem>
 </file>
@@ -12745,11 +9057,9 @@
 </file>
 
 <file path=customXml/itemProps3.xml><?xml version="1.0" encoding="utf-8"?>
-<ds:datastoreItem xmlns:ds="http://schemas.openxmlformats.org/officeDocument/2006/customXml" ds:itemID="{E24273A0-A4DF-47AA-BF1F-8758123399CE}">
+<ds:datastoreItem xmlns:ds="http://schemas.openxmlformats.org/officeDocument/2006/customXml" ds:itemID="{182F651C-E5DA-470F-A6A6-D70E9A5EBFB8}">
   <ds:schemaRefs>
-    <ds:schemaRef ds:uri="http://schemas.microsoft.com/office/2006/metadata/properties"/>
-    <ds:schemaRef ds:uri="http://schemas.microsoft.com/office/infopath/2007/PartnerControls"/>
-    <ds:schemaRef ds:uri="71af3243-3dd4-4a8d-8c0d-dd76da1f02a5"/>
+    <ds:schemaRef ds:uri="http://schemas.microsoft.com/sharepoint/v3/contenttype/forms"/>
   </ds:schemaRefs>
 </ds:datastoreItem>
 </file>
--- a/submissions/Content/Class-Presentation.pptx
+++ b/submissions/Content/Class-Presentation.pptx
@@ -216,7 +216,7 @@
           <a:p>
             <a:fld id="{6EE7A52F-9D89-7442-A8E9-48D1527B5F6B}" type="datetimeFigureOut">
               <a:rPr lang="en-US" smtClean="0"/>
-              <a:t>12/4/2023</a:t>
+              <a:t>12/5/2023</a:t>
             </a:fld>
             <a:endParaRPr lang="en-US" dirty="0"/>
           </a:p>
@@ -8214,8 +8214,8 @@
         </p:nvSpPr>
         <p:spPr>
           <a:xfrm>
-            <a:off x="1028700" y="2074606"/>
-            <a:ext cx="10209571" cy="830997"/>
+            <a:off x="1028700" y="3820142"/>
+            <a:ext cx="6772883" cy="830997"/>
           </a:xfrm>
           <a:prstGeom prst="rect">
             <a:avLst/>
@@ -8234,7 +8234,7 @@
                   <a:schemeClr val="bg1"/>
                 </a:solidFill>
               </a:rPr>
-              <a:t>Testing Loss:</a:t>
+              <a:t>Pixel Accuracy and Intersection over Union:</a:t>
             </a:r>
           </a:p>
           <a:p>
@@ -8271,7 +8271,7 @@
         </p:blipFill>
         <p:spPr>
           <a:xfrm>
-            <a:off x="1028700" y="2905603"/>
+            <a:off x="1028700" y="2593368"/>
             <a:ext cx="6000732" cy="1131376"/>
           </a:xfrm>
           <a:prstGeom prst="rect">
@@ -8279,6 +8279,85 @@
           </a:prstGeom>
         </p:spPr>
       </p:pic>
+      <p:pic>
+        <p:nvPicPr>
+          <p:cNvPr id="4" name="Picture 3">
+            <a:extLst>
+              <a:ext uri="{FF2B5EF4-FFF2-40B4-BE49-F238E27FC236}">
+                <a16:creationId xmlns:a16="http://schemas.microsoft.com/office/drawing/2014/main" id="{C6F6D0B7-1FBC-4EFB-E13B-6100C6E908F8}"/>
+              </a:ext>
+            </a:extLst>
+          </p:cNvPr>
+          <p:cNvPicPr>
+            <a:picLocks noChangeAspect="1"/>
+          </p:cNvPicPr>
+          <p:nvPr/>
+        </p:nvPicPr>
+        <p:blipFill>
+          <a:blip r:embed="rId3"/>
+          <a:stretch>
+            <a:fillRect/>
+          </a:stretch>
+        </p:blipFill>
+        <p:spPr>
+          <a:xfrm>
+            <a:off x="1028700" y="4420307"/>
+            <a:ext cx="6918146" cy="540799"/>
+          </a:xfrm>
+          <a:prstGeom prst="rect">
+            <a:avLst/>
+          </a:prstGeom>
+        </p:spPr>
+      </p:pic>
+      <p:sp>
+        <p:nvSpPr>
+          <p:cNvPr id="5" name="TextBox 4">
+            <a:extLst>
+              <a:ext uri="{FF2B5EF4-FFF2-40B4-BE49-F238E27FC236}">
+                <a16:creationId xmlns:a16="http://schemas.microsoft.com/office/drawing/2014/main" id="{2523294B-A97C-B8B6-832D-A1A02B5FB2A3}"/>
+              </a:ext>
+            </a:extLst>
+          </p:cNvPr>
+          <p:cNvSpPr txBox="1"/>
+          <p:nvPr/>
+        </p:nvSpPr>
+        <p:spPr>
+          <a:xfrm>
+            <a:off x="1028700" y="2008288"/>
+            <a:ext cx="2327343" cy="1200329"/>
+          </a:xfrm>
+          <a:prstGeom prst="rect">
+            <a:avLst/>
+          </a:prstGeom>
+          <a:noFill/>
+        </p:spPr>
+        <p:txBody>
+          <a:bodyPr wrap="square" rtlCol="0">
+            <a:spAutoFit/>
+          </a:bodyPr>
+          <a:lstStyle/>
+          <a:p>
+            <a:r>
+              <a:rPr lang="en-US" sz="2400" b="1" dirty="0">
+                <a:solidFill>
+                  <a:schemeClr val="bg1"/>
+                </a:solidFill>
+              </a:rPr>
+              <a:t>Testing Loss:</a:t>
+            </a:r>
+          </a:p>
+          <a:p>
+            <a:r>
+              <a:rPr lang="en-US" sz="2400" b="1" dirty="0">
+                <a:solidFill>
+                  <a:schemeClr val="bg1"/>
+                </a:solidFill>
+              </a:rPr>
+              <a:t>			</a:t>
+            </a:r>
+          </a:p>
+        </p:txBody>
+      </p:sp>
     </p:spTree>
     <p:extLst>
       <p:ext uri="{BB962C8B-B14F-4D97-AF65-F5344CB8AC3E}">
@@ -8789,12 +8868,12 @@
 </file>
 
 <file path=customXml/item1.xml><?xml version="1.0" encoding="utf-8"?>
-<p:properties xmlns:p="http://schemas.microsoft.com/office/2006/metadata/properties" xmlns:xsi="http://www.w3.org/2001/XMLSchema-instance" xmlns:pc="http://schemas.microsoft.com/office/infopath/2007/PartnerControls">
-  <documentManagement>
-    <Status xmlns="71af3243-3dd4-4a8d-8c0d-dd76da1f02a5">Not started</Status>
-    <MediaServiceKeyPoints xmlns="71af3243-3dd4-4a8d-8c0d-dd76da1f02a5" xsi:nil="true"/>
-  </documentManagement>
-</p:properties>
+<?mso-contentType ?>
+<FormTemplates xmlns="http://schemas.microsoft.com/sharepoint/v3/contenttype/forms">
+  <Display>DocumentLibraryForm</Display>
+  <Edit>DocumentLibraryForm</Edit>
+  <New>DocumentLibraryForm</New>
+</FormTemplates>
 </file>
 
 <file path=customXml/item2.xml><?xml version="1.0" encoding="utf-8"?>
@@ -9019,20 +9098,18 @@
 </file>
 
 <file path=customXml/item3.xml><?xml version="1.0" encoding="utf-8"?>
-<?mso-contentType ?>
-<FormTemplates xmlns="http://schemas.microsoft.com/sharepoint/v3/contenttype/forms">
-  <Display>DocumentLibraryForm</Display>
-  <Edit>DocumentLibraryForm</Edit>
-  <New>DocumentLibraryForm</New>
-</FormTemplates>
+<p:properties xmlns:p="http://schemas.microsoft.com/office/2006/metadata/properties" xmlns:xsi="http://www.w3.org/2001/XMLSchema-instance" xmlns:pc="http://schemas.microsoft.com/office/infopath/2007/PartnerControls">
+  <documentManagement>
+    <Status xmlns="71af3243-3dd4-4a8d-8c0d-dd76da1f02a5">Not started</Status>
+    <MediaServiceKeyPoints xmlns="71af3243-3dd4-4a8d-8c0d-dd76da1f02a5" xsi:nil="true"/>
+  </documentManagement>
+</p:properties>
 </file>
 
 <file path=customXml/itemProps1.xml><?xml version="1.0" encoding="utf-8"?>
-<ds:datastoreItem xmlns:ds="http://schemas.openxmlformats.org/officeDocument/2006/customXml" ds:itemID="{E24273A0-A4DF-47AA-BF1F-8758123399CE}">
+<ds:datastoreItem xmlns:ds="http://schemas.openxmlformats.org/officeDocument/2006/customXml" ds:itemID="{182F651C-E5DA-470F-A6A6-D70E9A5EBFB8}">
   <ds:schemaRefs>
-    <ds:schemaRef ds:uri="http://schemas.microsoft.com/office/2006/metadata/properties"/>
-    <ds:schemaRef ds:uri="http://schemas.microsoft.com/office/infopath/2007/PartnerControls"/>
-    <ds:schemaRef ds:uri="71af3243-3dd4-4a8d-8c0d-dd76da1f02a5"/>
+    <ds:schemaRef ds:uri="http://schemas.microsoft.com/sharepoint/v3/contenttype/forms"/>
   </ds:schemaRefs>
 </ds:datastoreItem>
 </file>
@@ -9057,9 +9134,11 @@
 </file>
 
 <file path=customXml/itemProps3.xml><?xml version="1.0" encoding="utf-8"?>
-<ds:datastoreItem xmlns:ds="http://schemas.openxmlformats.org/officeDocument/2006/customXml" ds:itemID="{182F651C-E5DA-470F-A6A6-D70E9A5EBFB8}">
+<ds:datastoreItem xmlns:ds="http://schemas.openxmlformats.org/officeDocument/2006/customXml" ds:itemID="{E24273A0-A4DF-47AA-BF1F-8758123399CE}">
   <ds:schemaRefs>
-    <ds:schemaRef ds:uri="http://schemas.microsoft.com/sharepoint/v3/contenttype/forms"/>
+    <ds:schemaRef ds:uri="http://schemas.microsoft.com/office/2006/metadata/properties"/>
+    <ds:schemaRef ds:uri="http://schemas.microsoft.com/office/infopath/2007/PartnerControls"/>
+    <ds:schemaRef ds:uri="71af3243-3dd4-4a8d-8c0d-dd76da1f02a5"/>
   </ds:schemaRefs>
 </ds:datastoreItem>
 </file>